--- a/3_Results/Clara_RANKL.pptx
+++ b/3_Results/Clara_RANKL.pptx
@@ -6,11 +6,24 @@
   </p:sldMasterIdLst>
   <p:sldIdLst>
     <p:sldId id="256" r:id="rId2"/>
-    <p:sldId id="273" r:id="rId3"/>
-    <p:sldId id="260" r:id="rId4"/>
-    <p:sldId id="257" r:id="rId5"/>
-    <p:sldId id="264" r:id="rId6"/>
-    <p:sldId id="274" r:id="rId7"/>
+    <p:sldId id="275" r:id="rId3"/>
+    <p:sldId id="273" r:id="rId4"/>
+    <p:sldId id="278" r:id="rId5"/>
+    <p:sldId id="280" r:id="rId6"/>
+    <p:sldId id="286" r:id="rId7"/>
+    <p:sldId id="287" r:id="rId8"/>
+    <p:sldId id="281" r:id="rId9"/>
+    <p:sldId id="282" r:id="rId10"/>
+    <p:sldId id="283" r:id="rId11"/>
+    <p:sldId id="284" r:id="rId12"/>
+    <p:sldId id="285" r:id="rId13"/>
+    <p:sldId id="276" r:id="rId14"/>
+    <p:sldId id="288" r:id="rId15"/>
+    <p:sldId id="289" r:id="rId16"/>
+    <p:sldId id="290" r:id="rId17"/>
+    <p:sldId id="257" r:id="rId18"/>
+    <p:sldId id="264" r:id="rId19"/>
+    <p:sldId id="274" r:id="rId20"/>
   </p:sldIdLst>
   <p:sldSz cx="12192000" cy="6858000"/>
   <p:notesSz cx="6858000" cy="9144000"/>
@@ -266,7 +279,7 @@
           <a:p>
             <a:fld id="{6D01A7DA-AF49-274C-947F-BA00D37C8FF6}" type="datetimeFigureOut">
               <a:rPr lang="en-RU" smtClean="0"/>
-              <a:t>20.11.2024</a:t>
+              <a:t>06.01.2025</a:t>
             </a:fld>
             <a:endParaRPr lang="en-RU"/>
           </a:p>
@@ -466,7 +479,7 @@
           <a:p>
             <a:fld id="{6D01A7DA-AF49-274C-947F-BA00D37C8FF6}" type="datetimeFigureOut">
               <a:rPr lang="en-RU" smtClean="0"/>
-              <a:t>20.11.2024</a:t>
+              <a:t>06.01.2025</a:t>
             </a:fld>
             <a:endParaRPr lang="en-RU"/>
           </a:p>
@@ -676,7 +689,7 @@
           <a:p>
             <a:fld id="{6D01A7DA-AF49-274C-947F-BA00D37C8FF6}" type="datetimeFigureOut">
               <a:rPr lang="en-RU" smtClean="0"/>
-              <a:t>20.11.2024</a:t>
+              <a:t>06.01.2025</a:t>
             </a:fld>
             <a:endParaRPr lang="en-RU"/>
           </a:p>
@@ -876,7 +889,7 @@
           <a:p>
             <a:fld id="{6D01A7DA-AF49-274C-947F-BA00D37C8FF6}" type="datetimeFigureOut">
               <a:rPr lang="en-RU" smtClean="0"/>
-              <a:t>20.11.2024</a:t>
+              <a:t>06.01.2025</a:t>
             </a:fld>
             <a:endParaRPr lang="en-RU"/>
           </a:p>
@@ -1152,7 +1165,7 @@
           <a:p>
             <a:fld id="{6D01A7DA-AF49-274C-947F-BA00D37C8FF6}" type="datetimeFigureOut">
               <a:rPr lang="en-RU" smtClean="0"/>
-              <a:t>20.11.2024</a:t>
+              <a:t>06.01.2025</a:t>
             </a:fld>
             <a:endParaRPr lang="en-RU"/>
           </a:p>
@@ -1420,7 +1433,7 @@
           <a:p>
             <a:fld id="{6D01A7DA-AF49-274C-947F-BA00D37C8FF6}" type="datetimeFigureOut">
               <a:rPr lang="en-RU" smtClean="0"/>
-              <a:t>20.11.2024</a:t>
+              <a:t>06.01.2025</a:t>
             </a:fld>
             <a:endParaRPr lang="en-RU"/>
           </a:p>
@@ -1835,7 +1848,7 @@
           <a:p>
             <a:fld id="{6D01A7DA-AF49-274C-947F-BA00D37C8FF6}" type="datetimeFigureOut">
               <a:rPr lang="en-RU" smtClean="0"/>
-              <a:t>20.11.2024</a:t>
+              <a:t>06.01.2025</a:t>
             </a:fld>
             <a:endParaRPr lang="en-RU"/>
           </a:p>
@@ -1977,7 +1990,7 @@
           <a:p>
             <a:fld id="{6D01A7DA-AF49-274C-947F-BA00D37C8FF6}" type="datetimeFigureOut">
               <a:rPr lang="en-RU" smtClean="0"/>
-              <a:t>20.11.2024</a:t>
+              <a:t>06.01.2025</a:t>
             </a:fld>
             <a:endParaRPr lang="en-RU"/>
           </a:p>
@@ -2090,7 +2103,7 @@
           <a:p>
             <a:fld id="{6D01A7DA-AF49-274C-947F-BA00D37C8FF6}" type="datetimeFigureOut">
               <a:rPr lang="en-RU" smtClean="0"/>
-              <a:t>20.11.2024</a:t>
+              <a:t>06.01.2025</a:t>
             </a:fld>
             <a:endParaRPr lang="en-RU"/>
           </a:p>
@@ -2403,7 +2416,7 @@
           <a:p>
             <a:fld id="{6D01A7DA-AF49-274C-947F-BA00D37C8FF6}" type="datetimeFigureOut">
               <a:rPr lang="en-RU" smtClean="0"/>
-              <a:t>20.11.2024</a:t>
+              <a:t>06.01.2025</a:t>
             </a:fld>
             <a:endParaRPr lang="en-RU"/>
           </a:p>
@@ -2692,7 +2705,7 @@
           <a:p>
             <a:fld id="{6D01A7DA-AF49-274C-947F-BA00D37C8FF6}" type="datetimeFigureOut">
               <a:rPr lang="en-RU" smtClean="0"/>
-              <a:t>20.11.2024</a:t>
+              <a:t>06.01.2025</a:t>
             </a:fld>
             <a:endParaRPr lang="en-RU"/>
           </a:p>
@@ -2935,7 +2948,7 @@
           <a:p>
             <a:fld id="{6D01A7DA-AF49-274C-947F-BA00D37C8FF6}" type="datetimeFigureOut">
               <a:rPr lang="en-RU" smtClean="0"/>
-              <a:t>20.11.2024</a:t>
+              <a:t>06.01.2025</a:t>
             </a:fld>
             <a:endParaRPr lang="en-RU"/>
           </a:p>
@@ -3427,7 +3440,700 @@
 </p:sld>
 </file>
 
-<file path=ppt/slides/slide2.xml><?xml version="1.0" encoding="utf-8"?>
+<file path=ppt/slides/slide10.xml><?xml version="1.0" encoding="utf-8"?>
+<p:sld xmlns:a="http://schemas.openxmlformats.org/drawingml/2006/main" xmlns:r="http://schemas.openxmlformats.org/officeDocument/2006/relationships" xmlns:p="http://schemas.openxmlformats.org/presentationml/2006/main">
+  <p:cSld>
+    <p:spTree>
+      <p:nvGrpSpPr>
+        <p:cNvPr id="1" name="">
+          <a:extLst>
+            <a:ext uri="{FF2B5EF4-FFF2-40B4-BE49-F238E27FC236}">
+              <a16:creationId xmlns:a16="http://schemas.microsoft.com/office/drawing/2014/main" id="{94B77F8B-8E2D-ED10-A8B5-9AF6ABCE1EFD}"/>
+            </a:ext>
+          </a:extLst>
+        </p:cNvPr>
+        <p:cNvGrpSpPr/>
+        <p:nvPr/>
+      </p:nvGrpSpPr>
+      <p:grpSpPr>
+        <a:xfrm>
+          <a:off x="0" y="0"/>
+          <a:ext cx="0" cy="0"/>
+          <a:chOff x="0" y="0"/>
+          <a:chExt cx="0" cy="0"/>
+        </a:xfrm>
+      </p:grpSpPr>
+      <p:sp>
+        <p:nvSpPr>
+          <p:cNvPr id="2" name="Title 1">
+            <a:extLst>
+              <a:ext uri="{FF2B5EF4-FFF2-40B4-BE49-F238E27FC236}">
+                <a16:creationId xmlns:a16="http://schemas.microsoft.com/office/drawing/2014/main" id="{9EEE6CAF-8B5F-9B5B-3EFC-90205C567AD1}"/>
+              </a:ext>
+            </a:extLst>
+          </p:cNvPr>
+          <p:cNvSpPr>
+            <a:spLocks noGrp="1"/>
+          </p:cNvSpPr>
+          <p:nvPr>
+            <p:ph type="title"/>
+          </p:nvPr>
+        </p:nvSpPr>
+        <p:spPr>
+          <a:xfrm>
+            <a:off x="332873" y="244810"/>
+            <a:ext cx="10515600" cy="597401"/>
+          </a:xfrm>
+        </p:spPr>
+        <p:txBody>
+          <a:bodyPr>
+            <a:normAutofit/>
+          </a:bodyPr>
+          <a:lstStyle/>
+          <a:p>
+            <a:r>
+              <a:rPr lang="en-RU" sz="3200" dirty="0"/>
+              <a:t>Systems modelling approach </a:t>
+            </a:r>
+          </a:p>
+        </p:txBody>
+      </p:sp>
+      <p:sp>
+        <p:nvSpPr>
+          <p:cNvPr id="3" name="Content Placeholder 2">
+            <a:extLst>
+              <a:ext uri="{FF2B5EF4-FFF2-40B4-BE49-F238E27FC236}">
+                <a16:creationId xmlns:a16="http://schemas.microsoft.com/office/drawing/2014/main" id="{D6079C12-523F-765A-7CF3-20B808FFB19D}"/>
+              </a:ext>
+            </a:extLst>
+          </p:cNvPr>
+          <p:cNvSpPr>
+            <a:spLocks noGrp="1"/>
+          </p:cNvSpPr>
+          <p:nvPr>
+            <p:ph idx="1"/>
+          </p:nvPr>
+        </p:nvSpPr>
+        <p:spPr>
+          <a:xfrm>
+            <a:off x="332873" y="952583"/>
+            <a:ext cx="11153273" cy="5436185"/>
+          </a:xfrm>
+        </p:spPr>
+        <p:txBody>
+          <a:bodyPr>
+            <a:noAutofit/>
+          </a:bodyPr>
+          <a:lstStyle/>
+          <a:p>
+            <a:pPr marL="0" indent="0">
+              <a:buNone/>
+            </a:pPr>
+            <a:r>
+              <a:rPr lang="en-RU" sz="1800" dirty="0"/>
+              <a:t>Steps emplyed:</a:t>
+            </a:r>
+          </a:p>
+          <a:p>
+            <a:pPr marL="0" indent="0">
+              <a:buNone/>
+            </a:pPr>
+            <a:endParaRPr lang="en-RU" sz="1800" dirty="0"/>
+          </a:p>
+          <a:p>
+            <a:pPr marL="342900" indent="-342900">
+              <a:buAutoNum type="arabicPeriod"/>
+            </a:pPr>
+            <a:r>
+              <a:rPr lang="en-RU" sz="1800" dirty="0">
+                <a:solidFill>
+                  <a:schemeClr val="bg2">
+                    <a:lumMod val="90000"/>
+                  </a:schemeClr>
+                </a:solidFill>
+              </a:rPr>
+              <a:t>Set all possible pairwise comparisons contrasts</a:t>
+            </a:r>
+          </a:p>
+          <a:p>
+            <a:pPr marL="342900" indent="-342900">
+              <a:buAutoNum type="arabicPeriod"/>
+            </a:pPr>
+            <a:r>
+              <a:rPr lang="en-RU" sz="1800" dirty="0">
+                <a:solidFill>
+                  <a:schemeClr val="bg2">
+                    <a:lumMod val="90000"/>
+                  </a:schemeClr>
+                </a:solidFill>
+              </a:rPr>
+              <a:t>Calculate differential expression for each comparison</a:t>
+            </a:r>
+          </a:p>
+          <a:p>
+            <a:pPr marL="342900" indent="-342900">
+              <a:buAutoNum type="arabicPeriod"/>
+            </a:pPr>
+            <a:r>
+              <a:rPr lang="en-GB" sz="1800" b="0" i="0" dirty="0">
+                <a:solidFill>
+                  <a:schemeClr val="bg2">
+                    <a:lumMod val="90000"/>
+                  </a:schemeClr>
+                </a:solidFill>
+                <a:effectLst/>
+              </a:rPr>
+              <a:t>Run GSEA for each contrast across four pathway databases (Hallmark, KEGG, GO:BP, REACTOME)</a:t>
+            </a:r>
+          </a:p>
+          <a:p>
+            <a:pPr marL="342900" indent="-342900">
+              <a:buAutoNum type="arabicPeriod"/>
+            </a:pPr>
+            <a:r>
+              <a:rPr lang="en-GB" sz="1800" b="0" i="0" dirty="0">
+                <a:effectLst/>
+              </a:rPr>
+              <a:t>Pool significant pathways across all comparisons (p-value threshold 0.01 due to number of pathways)</a:t>
+            </a:r>
+          </a:p>
+          <a:p>
+            <a:pPr marL="342900" indent="-342900">
+              <a:buAutoNum type="arabicPeriod"/>
+            </a:pPr>
+            <a:r>
+              <a:rPr lang="en-GB" sz="1800" b="0" i="0" dirty="0">
+                <a:solidFill>
+                  <a:srgbClr val="CCCCCC"/>
+                </a:solidFill>
+                <a:effectLst/>
+              </a:rPr>
+              <a:t>Generate pathway activity scores</a:t>
+            </a:r>
+          </a:p>
+          <a:p>
+            <a:pPr marL="342900" indent="-342900">
+              <a:buAutoNum type="arabicPeriod"/>
+            </a:pPr>
+            <a:r>
+              <a:rPr lang="en-GB" sz="1800" b="0" i="0" dirty="0">
+                <a:solidFill>
+                  <a:srgbClr val="CCCCCC"/>
+                </a:solidFill>
+                <a:effectLst/>
+              </a:rPr>
+              <a:t>Visualize results in ordered heatmaps showing pathway </a:t>
+            </a:r>
+            <a:r>
+              <a:rPr lang="en-GB" sz="1800" b="0" i="0" dirty="0" err="1">
+                <a:solidFill>
+                  <a:srgbClr val="CCCCCC"/>
+                </a:solidFill>
+                <a:effectLst/>
+              </a:rPr>
+              <a:t>behavior</a:t>
+            </a:r>
+            <a:r>
+              <a:rPr lang="en-GB" sz="1800" b="0" i="0" dirty="0">
+                <a:solidFill>
+                  <a:srgbClr val="CCCCCC"/>
+                </a:solidFill>
+                <a:effectLst/>
+              </a:rPr>
+              <a:t> across all conditions</a:t>
+            </a:r>
+            <a:endParaRPr lang="en-RU" sz="1800" dirty="0"/>
+          </a:p>
+          <a:p>
+            <a:pPr marL="0" indent="0">
+              <a:buNone/>
+            </a:pPr>
+            <a:endParaRPr lang="en-RU" sz="1800" dirty="0"/>
+          </a:p>
+          <a:p>
+            <a:pPr marL="0" indent="0">
+              <a:buNone/>
+            </a:pPr>
+            <a:endParaRPr lang="en-RU" sz="1800" dirty="0"/>
+          </a:p>
+        </p:txBody>
+      </p:sp>
+    </p:spTree>
+    <p:extLst>
+      <p:ext uri="{BB962C8B-B14F-4D97-AF65-F5344CB8AC3E}">
+        <p14:creationId xmlns:p14="http://schemas.microsoft.com/office/powerpoint/2010/main" val="3808215197"/>
+      </p:ext>
+    </p:extLst>
+  </p:cSld>
+  <p:clrMapOvr>
+    <a:masterClrMapping/>
+  </p:clrMapOvr>
+</p:sld>
+</file>
+
+<file path=ppt/slides/slide11.xml><?xml version="1.0" encoding="utf-8"?>
+<p:sld xmlns:a="http://schemas.openxmlformats.org/drawingml/2006/main" xmlns:r="http://schemas.openxmlformats.org/officeDocument/2006/relationships" xmlns:p="http://schemas.openxmlformats.org/presentationml/2006/main">
+  <p:cSld>
+    <p:spTree>
+      <p:nvGrpSpPr>
+        <p:cNvPr id="1" name="">
+          <a:extLst>
+            <a:ext uri="{FF2B5EF4-FFF2-40B4-BE49-F238E27FC236}">
+              <a16:creationId xmlns:a16="http://schemas.microsoft.com/office/drawing/2014/main" id="{07C133F3-4F56-3E15-67DC-9A9C66F7504E}"/>
+            </a:ext>
+          </a:extLst>
+        </p:cNvPr>
+        <p:cNvGrpSpPr/>
+        <p:nvPr/>
+      </p:nvGrpSpPr>
+      <p:grpSpPr>
+        <a:xfrm>
+          <a:off x="0" y="0"/>
+          <a:ext cx="0" cy="0"/>
+          <a:chOff x="0" y="0"/>
+          <a:chExt cx="0" cy="0"/>
+        </a:xfrm>
+      </p:grpSpPr>
+      <p:sp>
+        <p:nvSpPr>
+          <p:cNvPr id="2" name="Title 1">
+            <a:extLst>
+              <a:ext uri="{FF2B5EF4-FFF2-40B4-BE49-F238E27FC236}">
+                <a16:creationId xmlns:a16="http://schemas.microsoft.com/office/drawing/2014/main" id="{304B7403-3473-FD23-864C-5A3C883E7090}"/>
+              </a:ext>
+            </a:extLst>
+          </p:cNvPr>
+          <p:cNvSpPr>
+            <a:spLocks noGrp="1"/>
+          </p:cNvSpPr>
+          <p:nvPr>
+            <p:ph type="title"/>
+          </p:nvPr>
+        </p:nvSpPr>
+        <p:spPr>
+          <a:xfrm>
+            <a:off x="332873" y="244810"/>
+            <a:ext cx="10515600" cy="597401"/>
+          </a:xfrm>
+        </p:spPr>
+        <p:txBody>
+          <a:bodyPr>
+            <a:normAutofit/>
+          </a:bodyPr>
+          <a:lstStyle/>
+          <a:p>
+            <a:r>
+              <a:rPr lang="en-RU" sz="3200" dirty="0"/>
+              <a:t>Systems modelling approach </a:t>
+            </a:r>
+          </a:p>
+        </p:txBody>
+      </p:sp>
+      <p:sp>
+        <p:nvSpPr>
+          <p:cNvPr id="3" name="Content Placeholder 2">
+            <a:extLst>
+              <a:ext uri="{FF2B5EF4-FFF2-40B4-BE49-F238E27FC236}">
+                <a16:creationId xmlns:a16="http://schemas.microsoft.com/office/drawing/2014/main" id="{70AC3091-268D-C32F-96DF-8EF6FAA41590}"/>
+              </a:ext>
+            </a:extLst>
+          </p:cNvPr>
+          <p:cNvSpPr>
+            <a:spLocks noGrp="1"/>
+          </p:cNvSpPr>
+          <p:nvPr>
+            <p:ph idx="1"/>
+          </p:nvPr>
+        </p:nvSpPr>
+        <p:spPr>
+          <a:xfrm>
+            <a:off x="332873" y="952583"/>
+            <a:ext cx="11153273" cy="5436185"/>
+          </a:xfrm>
+        </p:spPr>
+        <p:txBody>
+          <a:bodyPr>
+            <a:noAutofit/>
+          </a:bodyPr>
+          <a:lstStyle/>
+          <a:p>
+            <a:pPr marL="0" indent="0">
+              <a:buNone/>
+            </a:pPr>
+            <a:r>
+              <a:rPr lang="en-RU" sz="1800" dirty="0"/>
+              <a:t>Steps emplyed:</a:t>
+            </a:r>
+          </a:p>
+          <a:p>
+            <a:pPr marL="0" indent="0">
+              <a:buNone/>
+            </a:pPr>
+            <a:endParaRPr lang="en-RU" sz="1800" dirty="0"/>
+          </a:p>
+          <a:p>
+            <a:pPr marL="342900" indent="-342900">
+              <a:buAutoNum type="arabicPeriod"/>
+            </a:pPr>
+            <a:r>
+              <a:rPr lang="en-RU" sz="1800" dirty="0">
+                <a:solidFill>
+                  <a:schemeClr val="bg2">
+                    <a:lumMod val="90000"/>
+                  </a:schemeClr>
+                </a:solidFill>
+              </a:rPr>
+              <a:t>Set all possible pairwise comparisons contrasts</a:t>
+            </a:r>
+          </a:p>
+          <a:p>
+            <a:pPr marL="342900" indent="-342900">
+              <a:buAutoNum type="arabicPeriod"/>
+            </a:pPr>
+            <a:r>
+              <a:rPr lang="en-RU" sz="1800" dirty="0">
+                <a:solidFill>
+                  <a:schemeClr val="bg2">
+                    <a:lumMod val="90000"/>
+                  </a:schemeClr>
+                </a:solidFill>
+              </a:rPr>
+              <a:t>Calculate differential expression for each comparison</a:t>
+            </a:r>
+          </a:p>
+          <a:p>
+            <a:pPr marL="342900" indent="-342900">
+              <a:buAutoNum type="arabicPeriod"/>
+            </a:pPr>
+            <a:r>
+              <a:rPr lang="en-GB" sz="1800" b="0" i="0" dirty="0">
+                <a:solidFill>
+                  <a:schemeClr val="bg2">
+                    <a:lumMod val="90000"/>
+                  </a:schemeClr>
+                </a:solidFill>
+                <a:effectLst/>
+              </a:rPr>
+              <a:t>Run GSEA for each contrast across four pathway databases (Hallmark, KEGG, GO:BP, REACTOME)</a:t>
+            </a:r>
+          </a:p>
+          <a:p>
+            <a:pPr marL="342900" indent="-342900">
+              <a:buAutoNum type="arabicPeriod"/>
+            </a:pPr>
+            <a:r>
+              <a:rPr lang="en-GB" sz="1800" b="0" i="0" dirty="0">
+                <a:solidFill>
+                  <a:schemeClr val="bg2">
+                    <a:lumMod val="90000"/>
+                  </a:schemeClr>
+                </a:solidFill>
+                <a:effectLst/>
+              </a:rPr>
+              <a:t>Pool significant pathways across all comparisons (p-value threshold 0.01 due to number of pathways)</a:t>
+            </a:r>
+          </a:p>
+          <a:p>
+            <a:pPr marL="342900" indent="-342900">
+              <a:buAutoNum type="arabicPeriod"/>
+            </a:pPr>
+            <a:r>
+              <a:rPr lang="en-GB" sz="1800" b="0" i="0" dirty="0">
+                <a:effectLst/>
+              </a:rPr>
+              <a:t>Calculate pathway activity scores for the pooled GSE terms for each sample </a:t>
+            </a:r>
+          </a:p>
+          <a:p>
+            <a:pPr marL="342900" indent="-342900">
+              <a:buAutoNum type="arabicPeriod"/>
+            </a:pPr>
+            <a:r>
+              <a:rPr lang="en-GB" sz="1800" b="0" i="0" dirty="0">
+                <a:solidFill>
+                  <a:srgbClr val="CCCCCC"/>
+                </a:solidFill>
+                <a:effectLst/>
+              </a:rPr>
+              <a:t>Visualize results in ordered heatmaps showing pathway </a:t>
+            </a:r>
+            <a:r>
+              <a:rPr lang="en-GB" sz="1800" b="0" i="0" dirty="0" err="1">
+                <a:solidFill>
+                  <a:srgbClr val="CCCCCC"/>
+                </a:solidFill>
+                <a:effectLst/>
+              </a:rPr>
+              <a:t>behavior</a:t>
+            </a:r>
+            <a:r>
+              <a:rPr lang="en-GB" sz="1800" b="0" i="0" dirty="0">
+                <a:solidFill>
+                  <a:srgbClr val="CCCCCC"/>
+                </a:solidFill>
+                <a:effectLst/>
+              </a:rPr>
+              <a:t> across all conditions</a:t>
+            </a:r>
+            <a:endParaRPr lang="en-RU" sz="1800" dirty="0"/>
+          </a:p>
+          <a:p>
+            <a:pPr marL="0" indent="0">
+              <a:buNone/>
+            </a:pPr>
+            <a:endParaRPr lang="en-RU" sz="1800" dirty="0"/>
+          </a:p>
+          <a:p>
+            <a:pPr marL="0" indent="0">
+              <a:buNone/>
+            </a:pPr>
+            <a:endParaRPr lang="en-RU" sz="1800" dirty="0"/>
+          </a:p>
+        </p:txBody>
+      </p:sp>
+    </p:spTree>
+    <p:extLst>
+      <p:ext uri="{BB962C8B-B14F-4D97-AF65-F5344CB8AC3E}">
+        <p14:creationId xmlns:p14="http://schemas.microsoft.com/office/powerpoint/2010/main" val="3114720810"/>
+      </p:ext>
+    </p:extLst>
+  </p:cSld>
+  <p:clrMapOvr>
+    <a:masterClrMapping/>
+  </p:clrMapOvr>
+</p:sld>
+</file>
+
+<file path=ppt/slides/slide12.xml><?xml version="1.0" encoding="utf-8"?>
+<p:sld xmlns:a="http://schemas.openxmlformats.org/drawingml/2006/main" xmlns:r="http://schemas.openxmlformats.org/officeDocument/2006/relationships" xmlns:p="http://schemas.openxmlformats.org/presentationml/2006/main">
+  <p:cSld>
+    <p:spTree>
+      <p:nvGrpSpPr>
+        <p:cNvPr id="1" name="">
+          <a:extLst>
+            <a:ext uri="{FF2B5EF4-FFF2-40B4-BE49-F238E27FC236}">
+              <a16:creationId xmlns:a16="http://schemas.microsoft.com/office/drawing/2014/main" id="{5B6B8754-5A2E-0032-5FCE-5592050080F3}"/>
+            </a:ext>
+          </a:extLst>
+        </p:cNvPr>
+        <p:cNvGrpSpPr/>
+        <p:nvPr/>
+      </p:nvGrpSpPr>
+      <p:grpSpPr>
+        <a:xfrm>
+          <a:off x="0" y="0"/>
+          <a:ext cx="0" cy="0"/>
+          <a:chOff x="0" y="0"/>
+          <a:chExt cx="0" cy="0"/>
+        </a:xfrm>
+      </p:grpSpPr>
+      <p:sp>
+        <p:nvSpPr>
+          <p:cNvPr id="2" name="Title 1">
+            <a:extLst>
+              <a:ext uri="{FF2B5EF4-FFF2-40B4-BE49-F238E27FC236}">
+                <a16:creationId xmlns:a16="http://schemas.microsoft.com/office/drawing/2014/main" id="{DFAE79BB-A282-3DEE-C0A6-2841DF6367A8}"/>
+              </a:ext>
+            </a:extLst>
+          </p:cNvPr>
+          <p:cNvSpPr>
+            <a:spLocks noGrp="1"/>
+          </p:cNvSpPr>
+          <p:nvPr>
+            <p:ph type="title"/>
+          </p:nvPr>
+        </p:nvSpPr>
+        <p:spPr>
+          <a:xfrm>
+            <a:off x="332873" y="244810"/>
+            <a:ext cx="10515600" cy="597401"/>
+          </a:xfrm>
+        </p:spPr>
+        <p:txBody>
+          <a:bodyPr>
+            <a:normAutofit/>
+          </a:bodyPr>
+          <a:lstStyle/>
+          <a:p>
+            <a:r>
+              <a:rPr lang="en-RU" sz="3200" dirty="0"/>
+              <a:t>Systems modelling approach </a:t>
+            </a:r>
+          </a:p>
+        </p:txBody>
+      </p:sp>
+      <p:sp>
+        <p:nvSpPr>
+          <p:cNvPr id="3" name="Content Placeholder 2">
+            <a:extLst>
+              <a:ext uri="{FF2B5EF4-FFF2-40B4-BE49-F238E27FC236}">
+                <a16:creationId xmlns:a16="http://schemas.microsoft.com/office/drawing/2014/main" id="{AF30DDD8-49A6-85B3-1654-7E5C8B7C19FD}"/>
+              </a:ext>
+            </a:extLst>
+          </p:cNvPr>
+          <p:cNvSpPr>
+            <a:spLocks noGrp="1"/>
+          </p:cNvSpPr>
+          <p:nvPr>
+            <p:ph idx="1"/>
+          </p:nvPr>
+        </p:nvSpPr>
+        <p:spPr>
+          <a:xfrm>
+            <a:off x="332873" y="952583"/>
+            <a:ext cx="11153273" cy="5436185"/>
+          </a:xfrm>
+        </p:spPr>
+        <p:txBody>
+          <a:bodyPr>
+            <a:noAutofit/>
+          </a:bodyPr>
+          <a:lstStyle/>
+          <a:p>
+            <a:pPr marL="0" indent="0">
+              <a:buNone/>
+            </a:pPr>
+            <a:r>
+              <a:rPr lang="en-RU" sz="1800" dirty="0"/>
+              <a:t>Steps emplyed:</a:t>
+            </a:r>
+          </a:p>
+          <a:p>
+            <a:pPr marL="0" indent="0">
+              <a:buNone/>
+            </a:pPr>
+            <a:endParaRPr lang="en-RU" sz="1800" dirty="0"/>
+          </a:p>
+          <a:p>
+            <a:pPr marL="342900" indent="-342900">
+              <a:buAutoNum type="arabicPeriod"/>
+            </a:pPr>
+            <a:r>
+              <a:rPr lang="en-RU" sz="1800" dirty="0">
+                <a:solidFill>
+                  <a:schemeClr val="bg2">
+                    <a:lumMod val="90000"/>
+                  </a:schemeClr>
+                </a:solidFill>
+              </a:rPr>
+              <a:t>Set all possible pairwise comparisons contrasts</a:t>
+            </a:r>
+          </a:p>
+          <a:p>
+            <a:pPr marL="342900" indent="-342900">
+              <a:buAutoNum type="arabicPeriod"/>
+            </a:pPr>
+            <a:r>
+              <a:rPr lang="en-RU" sz="1800" dirty="0">
+                <a:solidFill>
+                  <a:schemeClr val="bg2">
+                    <a:lumMod val="90000"/>
+                  </a:schemeClr>
+                </a:solidFill>
+              </a:rPr>
+              <a:t>Calculate differential expression for each comparison</a:t>
+            </a:r>
+          </a:p>
+          <a:p>
+            <a:pPr marL="342900" indent="-342900">
+              <a:buAutoNum type="arabicPeriod"/>
+            </a:pPr>
+            <a:r>
+              <a:rPr lang="en-GB" sz="1800" b="0" i="0" dirty="0">
+                <a:solidFill>
+                  <a:schemeClr val="bg2">
+                    <a:lumMod val="90000"/>
+                  </a:schemeClr>
+                </a:solidFill>
+                <a:effectLst/>
+              </a:rPr>
+              <a:t>Run GSEA for each contrast across four pathway databases (Hallmark, KEGG, GO:BP, REACTOME)</a:t>
+            </a:r>
+          </a:p>
+          <a:p>
+            <a:pPr marL="342900" indent="-342900">
+              <a:buAutoNum type="arabicPeriod"/>
+            </a:pPr>
+            <a:r>
+              <a:rPr lang="en-GB" sz="1800" b="0" i="0" dirty="0">
+                <a:solidFill>
+                  <a:schemeClr val="bg2">
+                    <a:lumMod val="90000"/>
+                  </a:schemeClr>
+                </a:solidFill>
+                <a:effectLst/>
+              </a:rPr>
+              <a:t>Pool significant pathways across all comparisons (p-value threshold 0.01 due to number of pathways)</a:t>
+            </a:r>
+          </a:p>
+          <a:p>
+            <a:pPr marL="342900" indent="-342900">
+              <a:buAutoNum type="arabicPeriod"/>
+            </a:pPr>
+            <a:r>
+              <a:rPr lang="en-GB" sz="1800" b="0" i="0" dirty="0">
+                <a:solidFill>
+                  <a:schemeClr val="bg2">
+                    <a:lumMod val="90000"/>
+                  </a:schemeClr>
+                </a:solidFill>
+                <a:effectLst/>
+              </a:rPr>
+              <a:t>Calculate pathway activity scores for the pooled GSE terms for each sample </a:t>
+            </a:r>
+          </a:p>
+          <a:p>
+            <a:pPr marL="342900" indent="-342900">
+              <a:buAutoNum type="arabicPeriod"/>
+            </a:pPr>
+            <a:r>
+              <a:rPr lang="en-GB" sz="1800" b="0" i="0" dirty="0">
+                <a:effectLst/>
+              </a:rPr>
+              <a:t>Visualize results in ordered heatmaps showing pathway </a:t>
+            </a:r>
+            <a:r>
+              <a:rPr lang="en-GB" sz="1800" b="0" i="0" dirty="0" err="1">
+                <a:effectLst/>
+              </a:rPr>
+              <a:t>behavior</a:t>
+            </a:r>
+            <a:r>
+              <a:rPr lang="en-GB" sz="1800" b="0" i="0" dirty="0">
+                <a:effectLst/>
+              </a:rPr>
+              <a:t> across all conditions (top 30)</a:t>
+            </a:r>
+            <a:endParaRPr lang="en-RU" sz="1800" dirty="0"/>
+          </a:p>
+          <a:p>
+            <a:pPr marL="0" indent="0">
+              <a:buNone/>
+            </a:pPr>
+            <a:endParaRPr lang="en-RU" sz="1800" dirty="0"/>
+          </a:p>
+          <a:p>
+            <a:pPr marL="0" indent="0">
+              <a:buNone/>
+            </a:pPr>
+            <a:endParaRPr lang="en-RU" sz="1800" dirty="0"/>
+          </a:p>
+        </p:txBody>
+      </p:sp>
+    </p:spTree>
+    <p:extLst>
+      <p:ext uri="{BB962C8B-B14F-4D97-AF65-F5344CB8AC3E}">
+        <p14:creationId xmlns:p14="http://schemas.microsoft.com/office/powerpoint/2010/main" val="350033456"/>
+      </p:ext>
+    </p:extLst>
+  </p:cSld>
+  <p:clrMapOvr>
+    <a:masterClrMapping/>
+  </p:clrMapOvr>
+</p:sld>
+</file>
+
+<file path=ppt/slides/slide13.xml><?xml version="1.0" encoding="utf-8"?>
 <p:sld xmlns:a="http://schemas.openxmlformats.org/drawingml/2006/main" xmlns:r="http://schemas.openxmlformats.org/officeDocument/2006/relationships" xmlns:p="http://schemas.openxmlformats.org/presentationml/2006/main">
   <p:cSld>
     <p:spTree>
@@ -3446,10 +4152,10 @@
       </p:grpSpPr>
       <p:sp>
         <p:nvSpPr>
-          <p:cNvPr id="3" name="Content Placeholder 2">
-            <a:extLst>
-              <a:ext uri="{FF2B5EF4-FFF2-40B4-BE49-F238E27FC236}">
-                <a16:creationId xmlns:a16="http://schemas.microsoft.com/office/drawing/2014/main" id="{5A200EE8-519E-4FAE-2603-64DA3EBAD446}"/>
+          <p:cNvPr id="4" name="Title 1">
+            <a:extLst>
+              <a:ext uri="{FF2B5EF4-FFF2-40B4-BE49-F238E27FC236}">
+                <a16:creationId xmlns:a16="http://schemas.microsoft.com/office/drawing/2014/main" id="{C5B6BFFB-72D8-9730-3603-71B02938F066}"/>
               </a:ext>
             </a:extLst>
           </p:cNvPr>
@@ -3457,260 +4163,63 @@
             <a:spLocks noGrp="1"/>
           </p:cNvSpPr>
           <p:nvPr>
-            <p:ph idx="1"/>
+            <p:ph type="title"/>
           </p:nvPr>
         </p:nvSpPr>
         <p:spPr>
           <a:xfrm>
-            <a:off x="486032" y="1467278"/>
-            <a:ext cx="11219935" cy="4785241"/>
+            <a:off x="332873" y="244810"/>
+            <a:ext cx="10515600" cy="597401"/>
           </a:xfrm>
         </p:spPr>
         <p:txBody>
           <a:bodyPr>
-            <a:normAutofit fontScale="77500" lnSpcReduction="20000"/>
+            <a:normAutofit/>
           </a:bodyPr>
           <a:lstStyle/>
           <a:p>
-            <a:pPr marL="0" indent="0">
-              <a:buNone/>
-            </a:pPr>
-            <a:r>
-              <a:rPr lang="en-RU" sz="1600" dirty="0"/>
-              <a:t>I have modelled 3 contrasts: </a:t>
-            </a:r>
-          </a:p>
-          <a:p>
-            <a:pPr marL="0" indent="0">
-              <a:buNone/>
-            </a:pPr>
-            <a:r>
-              <a:rPr lang="en-RU" sz="1600" dirty="0"/>
-              <a:t>	</a:t>
-            </a:r>
-            <a:r>
-              <a:rPr lang="en-GB" sz="1600" dirty="0">
-                <a:latin typeface="Menlo" panose="020B0609030804020204" pitchFamily="49" charset="0"/>
-              </a:rPr>
-              <a:t>Early infection </a:t>
-            </a:r>
-            <a:r>
-              <a:rPr lang="en-GB" sz="1600" b="0" dirty="0">
-                <a:effectLst/>
-                <a:latin typeface="Menlo" panose="020B0609030804020204" pitchFamily="49" charset="0"/>
-              </a:rPr>
-              <a:t>= (S.100R.4h - M.100R.4h) - (S.0R.4h - M.0R.4h)</a:t>
-            </a:r>
-          </a:p>
-          <a:p>
-            <a:pPr marL="0" indent="0">
-              <a:buNone/>
-            </a:pPr>
-            <a:r>
-              <a:rPr lang="en-GB" sz="1600" b="0" dirty="0">
-                <a:effectLst/>
-                <a:latin typeface="Menlo" panose="020B0609030804020204" pitchFamily="49" charset="0"/>
-              </a:rPr>
-              <a:t>	Late infection = (S.100R.24h - M.100R.24h) - (S.0R.24h - M.0R.24h)</a:t>
-            </a:r>
-          </a:p>
-          <a:p>
-            <a:pPr marL="0" indent="0">
-              <a:lnSpc>
-                <a:spcPts val="1350"/>
-              </a:lnSpc>
-              <a:buNone/>
-            </a:pPr>
-            <a:r>
-              <a:rPr lang="en-GB" sz="1600" b="0" dirty="0">
-                <a:effectLst/>
-                <a:latin typeface="Menlo" panose="020B0609030804020204" pitchFamily="49" charset="0"/>
-              </a:rPr>
-              <a:t>	Time-dependent change = ((S.100R.24h - M.100R.24h) - (S.0R.24h - M.0R.24h)) -</a:t>
-            </a:r>
-          </a:p>
-          <a:p>
-            <a:pPr marL="0" indent="0">
-              <a:lnSpc>
-                <a:spcPts val="1350"/>
-              </a:lnSpc>
-              <a:buNone/>
-            </a:pPr>
-            <a:r>
-              <a:rPr lang="en-GB" sz="1600" b="0" dirty="0">
-                <a:effectLst/>
-                <a:latin typeface="Menlo" panose="020B0609030804020204" pitchFamily="49" charset="0"/>
-              </a:rPr>
-              <a:t>			</a:t>
-            </a:r>
-            <a:r>
-              <a:rPr lang="en-GB" sz="1600" dirty="0">
-                <a:latin typeface="Menlo" panose="020B0609030804020204" pitchFamily="49" charset="0"/>
-              </a:rPr>
-              <a:t>	</a:t>
-            </a:r>
-            <a:r>
-              <a:rPr lang="en-GB" sz="1600" b="0" dirty="0">
-                <a:effectLst/>
-                <a:latin typeface="Menlo" panose="020B0609030804020204" pitchFamily="49" charset="0"/>
-              </a:rPr>
-              <a:t>((S.100R.4h - M.100R.4h) - (S.0R.4h - M.0R.4h))</a:t>
-            </a:r>
-          </a:p>
-          <a:p>
-            <a:pPr marL="0" indent="0">
-              <a:buNone/>
-            </a:pPr>
-            <a:endParaRPr lang="en-RU" sz="1600" dirty="0"/>
-          </a:p>
-          <a:p>
-            <a:pPr marL="0" indent="0">
-              <a:buNone/>
-            </a:pPr>
-            <a:r>
-              <a:rPr lang="en-RU" sz="1600" b="1" dirty="0"/>
-              <a:t>The first contrast (Early infection) adresses the question: </a:t>
-            </a:r>
-            <a:r>
-              <a:rPr lang="en-RU" sz="1600" dirty="0"/>
-              <a:t>“</a:t>
-            </a:r>
-            <a:r>
-              <a:rPr lang="en-GB" sz="1600" b="0" dirty="0">
-                <a:effectLst/>
-              </a:rPr>
-              <a:t>Does RANKL treatment make cells respond differently to infection (streptococcus) at 4h? </a:t>
-            </a:r>
-            <a:r>
-              <a:rPr lang="en-RU" sz="1600" b="0" dirty="0">
-                <a:effectLst/>
-              </a:rPr>
-              <a:t>What are the DEGs in RANKL treated cells </a:t>
-            </a:r>
-            <a:r>
-              <a:rPr lang="en-RU" sz="1600" dirty="0"/>
-              <a:t>vs non-treated in infection at 4h timepoint?”</a:t>
-            </a:r>
-          </a:p>
-          <a:p>
-            <a:pPr marL="0" indent="0">
-              <a:buNone/>
-            </a:pPr>
-            <a:endParaRPr lang="en-RU" sz="1600" dirty="0"/>
-          </a:p>
-          <a:p>
-            <a:pPr marL="0" indent="0">
-              <a:buNone/>
-            </a:pPr>
-            <a:r>
-              <a:rPr lang="en-RU" sz="1600" b="1" dirty="0"/>
-              <a:t>The second contrast (Late infection) questions: </a:t>
-            </a:r>
-            <a:r>
-              <a:rPr lang="en-GB" sz="1600" b="0" dirty="0">
-                <a:effectLst/>
-              </a:rPr>
-              <a:t>Does RANKL treatment make cells respond differently to infection (streptococcus) at 4h? </a:t>
-            </a:r>
-            <a:r>
-              <a:rPr lang="en-RU" sz="1600" b="0" dirty="0">
-                <a:effectLst/>
-              </a:rPr>
-              <a:t>What are the DEGs in RANKL treated cells </a:t>
-            </a:r>
-            <a:r>
-              <a:rPr lang="en-RU" sz="1600" dirty="0"/>
-              <a:t>vs non-treated in infection at 24h timepoint.</a:t>
-            </a:r>
-          </a:p>
-          <a:p>
-            <a:pPr marL="0" indent="0">
-              <a:buNone/>
-            </a:pPr>
-            <a:endParaRPr lang="en-RU" sz="1600" dirty="0"/>
-          </a:p>
-          <a:p>
-            <a:pPr marL="0" indent="0">
-              <a:buNone/>
-            </a:pPr>
-            <a:r>
-              <a:rPr lang="en-RU" sz="1600" b="1" dirty="0"/>
-              <a:t>The third contrast (Time-dependent) questions: </a:t>
-            </a:r>
-            <a:r>
-              <a:rPr lang="en-RU" sz="1600" dirty="0"/>
-              <a:t>“Does RANKL impact the infection response over time? What are the time-dependent DEGs in RANKL treated infected cells”</a:t>
-            </a:r>
-          </a:p>
-          <a:p>
-            <a:pPr marL="0" indent="0">
-              <a:buNone/>
-            </a:pPr>
-            <a:endParaRPr lang="en-RU" sz="1600" dirty="0"/>
-          </a:p>
-          <a:p>
-            <a:pPr marL="0" indent="0">
-              <a:buNone/>
-            </a:pPr>
-            <a:r>
-              <a:rPr lang="en-RU" sz="1600" dirty="0"/>
-              <a:t>The `-`sign essentially sets the comparison contrast. Combyning these expression in a specific manner helps us dissect the exact biological question at hand, at filter out DEGs that we are not interested in.</a:t>
-            </a:r>
-          </a:p>
-          <a:p>
-            <a:pPr marL="0" indent="0">
-              <a:buNone/>
-            </a:pPr>
-            <a:endParaRPr lang="en-RU" sz="1600" dirty="0"/>
-          </a:p>
-          <a:p>
-            <a:pPr marL="0" indent="0">
-              <a:buNone/>
-            </a:pPr>
-            <a:r>
-              <a:rPr lang="en-RU" sz="1600" dirty="0"/>
-              <a:t>For example </a:t>
-            </a:r>
-            <a:r>
-              <a:rPr lang="en-GB" sz="1600" b="0" dirty="0">
-                <a:effectLst/>
-                <a:latin typeface="Menlo" panose="020B0609030804020204" pitchFamily="49" charset="0"/>
-              </a:rPr>
-              <a:t>(S.100R.4h - M.100R.4h)</a:t>
-            </a:r>
-            <a:r>
-              <a:rPr lang="en-RU" sz="1600" dirty="0"/>
-              <a:t> is a comparison between infected and non-infected cells at 4h. </a:t>
-            </a:r>
-          </a:p>
-          <a:p>
-            <a:pPr marL="0" indent="0">
-              <a:buNone/>
-            </a:pPr>
-            <a:r>
-              <a:rPr lang="en-RU" sz="1600" dirty="0"/>
-              <a:t>Thus </a:t>
-            </a:r>
-            <a:r>
-              <a:rPr lang="en-GB" sz="1600" b="0" dirty="0">
-                <a:effectLst/>
-                <a:latin typeface="Menlo" panose="020B0609030804020204" pitchFamily="49" charset="0"/>
-              </a:rPr>
-              <a:t>(S.100R.4h - M.100R.4h) - (S.0R.4h - M.0R.4h)</a:t>
-            </a:r>
-            <a:r>
-              <a:rPr lang="en-RU" sz="1600" dirty="0"/>
-              <a:t> filters out the from all the infection-related DEGs, those that are RANKL-dependent </a:t>
-            </a:r>
-          </a:p>
-        </p:txBody>
-      </p:sp>
-      <p:sp>
-        <p:nvSpPr>
-          <p:cNvPr id="4" name="Title 1">
-            <a:extLst>
-              <a:ext uri="{FF2B5EF4-FFF2-40B4-BE49-F238E27FC236}">
-                <a16:creationId xmlns:a16="http://schemas.microsoft.com/office/drawing/2014/main" id="{0C06C767-F3EB-8005-4AD5-FC587542246A}"/>
+            <a:r>
+              <a:rPr lang="en-RU" sz="3200" dirty="0"/>
+              <a:t>Pooled GSE-terms: Hallmark</a:t>
+            </a:r>
+          </a:p>
+        </p:txBody>
+      </p:sp>
+      <p:pic>
+        <p:nvPicPr>
+          <p:cNvPr id="6" name="Picture 5">
+            <a:extLst>
+              <a:ext uri="{FF2B5EF4-FFF2-40B4-BE49-F238E27FC236}">
+                <a16:creationId xmlns:a16="http://schemas.microsoft.com/office/drawing/2014/main" id="{6A1FCDAD-711A-5450-3527-29238EBA0F1F}"/>
+              </a:ext>
+            </a:extLst>
+          </p:cNvPr>
+          <p:cNvPicPr>
+            <a:picLocks noChangeAspect="1"/>
+          </p:cNvPicPr>
+          <p:nvPr/>
+        </p:nvPicPr>
+        <p:blipFill>
+          <a:blip r:embed="rId2"/>
+          <a:srcRect r="11384"/>
+          <a:stretch/>
+        </p:blipFill>
+        <p:spPr>
+          <a:xfrm>
+            <a:off x="116305" y="1816768"/>
+            <a:ext cx="5213684" cy="3922296"/>
+          </a:xfrm>
+          <a:prstGeom prst="rect">
+            <a:avLst/>
+          </a:prstGeom>
+        </p:spPr>
+      </p:pic>
+      <p:sp>
+        <p:nvSpPr>
+          <p:cNvPr id="7" name="Title 1">
+            <a:extLst>
+              <a:ext uri="{FF2B5EF4-FFF2-40B4-BE49-F238E27FC236}">
+                <a16:creationId xmlns:a16="http://schemas.microsoft.com/office/drawing/2014/main" id="{69F47FCC-FE57-DF3E-3C7E-A81A93AFAD5D}"/>
               </a:ext>
             </a:extLst>
           </p:cNvPr>
@@ -3721,8 +4230,8 @@
         </p:nvSpPr>
         <p:spPr>
           <a:xfrm>
-            <a:off x="459904" y="252998"/>
-            <a:ext cx="10515600" cy="1325563"/>
+            <a:off x="332873" y="1050925"/>
+            <a:ext cx="2350169" cy="597401"/>
           </a:xfrm>
           <a:prstGeom prst="rect">
             <a:avLst/>
@@ -3753,16 +4262,100 @@
           </a:lstStyle>
           <a:p>
             <a:r>
-              <a:rPr lang="en-RU" dirty="0"/>
-              <a:t>Statistical modelling</a:t>
-            </a:r>
-          </a:p>
-        </p:txBody>
-      </p:sp>
+              <a:rPr lang="en-RU" sz="1800" dirty="0"/>
+              <a:t>A) Pair-wise contrasts</a:t>
+            </a:r>
+          </a:p>
+        </p:txBody>
+      </p:sp>
+      <p:sp>
+        <p:nvSpPr>
+          <p:cNvPr id="8" name="Title 1">
+            <a:extLst>
+              <a:ext uri="{FF2B5EF4-FFF2-40B4-BE49-F238E27FC236}">
+                <a16:creationId xmlns:a16="http://schemas.microsoft.com/office/drawing/2014/main" id="{8B6555B8-FC73-D3FF-4DFC-5372EB1226BB}"/>
+              </a:ext>
+            </a:extLst>
+          </p:cNvPr>
+          <p:cNvSpPr txBox="1">
+            <a:spLocks/>
+          </p:cNvSpPr>
+          <p:nvPr/>
+        </p:nvSpPr>
+        <p:spPr>
+          <a:xfrm>
+            <a:off x="6212305" y="1050925"/>
+            <a:ext cx="2967790" cy="597401"/>
+          </a:xfrm>
+          <a:prstGeom prst="rect">
+            <a:avLst/>
+          </a:prstGeom>
+        </p:spPr>
+        <p:txBody>
+          <a:bodyPr vert="horz" lIns="91440" tIns="45720" rIns="91440" bIns="45720" rtlCol="0" anchor="ctr">
+            <a:normAutofit/>
+          </a:bodyPr>
+          <a:lstStyle>
+            <a:lvl1pPr algn="l" defTabSz="914400" rtl="0" eaLnBrk="1" latinLnBrk="0" hangingPunct="1">
+              <a:lnSpc>
+                <a:spcPct val="90000"/>
+              </a:lnSpc>
+              <a:spcBef>
+                <a:spcPct val="0"/>
+              </a:spcBef>
+              <a:buNone/>
+              <a:defRPr sz="4400" kern="1200">
+                <a:solidFill>
+                  <a:schemeClr val="tx1"/>
+                </a:solidFill>
+                <a:latin typeface="+mj-lt"/>
+                <a:ea typeface="+mj-ea"/>
+                <a:cs typeface="+mj-cs"/>
+              </a:defRPr>
+            </a:lvl1pPr>
+          </a:lstStyle>
+          <a:p>
+            <a:r>
+              <a:rPr lang="en-RU" sz="1800" dirty="0"/>
+              <a:t>A) Granlular RANKL contrats</a:t>
+            </a:r>
+          </a:p>
+        </p:txBody>
+      </p:sp>
+      <p:pic>
+        <p:nvPicPr>
+          <p:cNvPr id="10" name="Picture 9">
+            <a:extLst>
+              <a:ext uri="{FF2B5EF4-FFF2-40B4-BE49-F238E27FC236}">
+                <a16:creationId xmlns:a16="http://schemas.microsoft.com/office/drawing/2014/main" id="{F582D772-9AE5-BD26-48FA-C7FE7BDD9384}"/>
+              </a:ext>
+            </a:extLst>
+          </p:cNvPr>
+          <p:cNvPicPr>
+            <a:picLocks noChangeAspect="1"/>
+          </p:cNvPicPr>
+          <p:nvPr/>
+        </p:nvPicPr>
+        <p:blipFill>
+          <a:blip r:embed="rId3"/>
+          <a:stretch>
+            <a:fillRect/>
+          </a:stretch>
+        </p:blipFill>
+        <p:spPr>
+          <a:xfrm>
+            <a:off x="5999748" y="1857039"/>
+            <a:ext cx="5883443" cy="3922295"/>
+          </a:xfrm>
+          <a:prstGeom prst="rect">
+            <a:avLst/>
+          </a:prstGeom>
+        </p:spPr>
+      </p:pic>
     </p:spTree>
     <p:extLst>
       <p:ext uri="{BB962C8B-B14F-4D97-AF65-F5344CB8AC3E}">
-        <p14:creationId xmlns:p14="http://schemas.microsoft.com/office/powerpoint/2010/main" val="3512436510"/>
+        <p14:creationId xmlns:p14="http://schemas.microsoft.com/office/powerpoint/2010/main" val="2189318008"/>
       </p:ext>
     </p:extLst>
   </p:cSld>
@@ -3772,12 +4365,18 @@
 </p:sld>
 </file>
 
-<file path=ppt/slides/slide3.xml><?xml version="1.0" encoding="utf-8"?>
+<file path=ppt/slides/slide14.xml><?xml version="1.0" encoding="utf-8"?>
 <p:sld xmlns:a="http://schemas.openxmlformats.org/drawingml/2006/main" xmlns:r="http://schemas.openxmlformats.org/officeDocument/2006/relationships" xmlns:p="http://schemas.openxmlformats.org/presentationml/2006/main">
   <p:cSld>
     <p:spTree>
       <p:nvGrpSpPr>
-        <p:cNvPr id="1" name=""/>
+        <p:cNvPr id="1" name="">
+          <a:extLst>
+            <a:ext uri="{FF2B5EF4-FFF2-40B4-BE49-F238E27FC236}">
+              <a16:creationId xmlns:a16="http://schemas.microsoft.com/office/drawing/2014/main" id="{8B823E83-D06A-D138-9EFE-046806BD5F08}"/>
+            </a:ext>
+          </a:extLst>
+        </p:cNvPr>
         <p:cNvGrpSpPr/>
         <p:nvPr/>
       </p:nvGrpSpPr>
@@ -3791,10 +4390,10 @@
       </p:grpSpPr>
       <p:sp>
         <p:nvSpPr>
-          <p:cNvPr id="2" name="Title 1">
-            <a:extLst>
-              <a:ext uri="{FF2B5EF4-FFF2-40B4-BE49-F238E27FC236}">
-                <a16:creationId xmlns:a16="http://schemas.microsoft.com/office/drawing/2014/main" id="{9471D9C9-FF0F-3A16-6819-C4CC4B83F49A}"/>
+          <p:cNvPr id="4" name="Title 1">
+            <a:extLst>
+              <a:ext uri="{FF2B5EF4-FFF2-40B4-BE49-F238E27FC236}">
+                <a16:creationId xmlns:a16="http://schemas.microsoft.com/office/drawing/2014/main" id="{FDB564D3-28C8-0ED4-F6DC-9D3C6BDC8DA0}"/>
               </a:ext>
             </a:extLst>
           </p:cNvPr>
@@ -3807,27 +4406,137 @@
         </p:nvSpPr>
         <p:spPr>
           <a:xfrm>
-            <a:off x="459904" y="252998"/>
-            <a:ext cx="10515600" cy="1325563"/>
+            <a:off x="332873" y="244810"/>
+            <a:ext cx="10515600" cy="597401"/>
           </a:xfrm>
         </p:spPr>
         <p:txBody>
-          <a:bodyPr/>
+          <a:bodyPr>
+            <a:normAutofit/>
+          </a:bodyPr>
           <a:lstStyle/>
           <a:p>
             <a:r>
-              <a:rPr lang="en-RU" dirty="0"/>
-              <a:t>PCA</a:t>
+              <a:rPr lang="en-RU" sz="3200" dirty="0"/>
+              <a:t>Pooled GSE-terms: GO-BP</a:t>
+            </a:r>
+          </a:p>
+        </p:txBody>
+      </p:sp>
+      <p:sp>
+        <p:nvSpPr>
+          <p:cNvPr id="7" name="Title 1">
+            <a:extLst>
+              <a:ext uri="{FF2B5EF4-FFF2-40B4-BE49-F238E27FC236}">
+                <a16:creationId xmlns:a16="http://schemas.microsoft.com/office/drawing/2014/main" id="{DF0A8BF6-0CAA-DC06-58B6-247661963553}"/>
+              </a:ext>
+            </a:extLst>
+          </p:cNvPr>
+          <p:cNvSpPr txBox="1">
+            <a:spLocks/>
+          </p:cNvSpPr>
+          <p:nvPr/>
+        </p:nvSpPr>
+        <p:spPr>
+          <a:xfrm>
+            <a:off x="332873" y="1050925"/>
+            <a:ext cx="2350169" cy="597401"/>
+          </a:xfrm>
+          <a:prstGeom prst="rect">
+            <a:avLst/>
+          </a:prstGeom>
+        </p:spPr>
+        <p:txBody>
+          <a:bodyPr vert="horz" lIns="91440" tIns="45720" rIns="91440" bIns="45720" rtlCol="0" anchor="ctr">
+            <a:normAutofit/>
+          </a:bodyPr>
+          <a:lstStyle>
+            <a:lvl1pPr algn="l" defTabSz="914400" rtl="0" eaLnBrk="1" latinLnBrk="0" hangingPunct="1">
+              <a:lnSpc>
+                <a:spcPct val="90000"/>
+              </a:lnSpc>
+              <a:spcBef>
+                <a:spcPct val="0"/>
+              </a:spcBef>
+              <a:buNone/>
+              <a:defRPr sz="4400" kern="1200">
+                <a:solidFill>
+                  <a:schemeClr val="tx1"/>
+                </a:solidFill>
+                <a:latin typeface="+mj-lt"/>
+                <a:ea typeface="+mj-ea"/>
+                <a:cs typeface="+mj-cs"/>
+              </a:defRPr>
+            </a:lvl1pPr>
+          </a:lstStyle>
+          <a:p>
+            <a:r>
+              <a:rPr lang="en-RU" sz="1800" dirty="0"/>
+              <a:t>A) Pair-wise contrasts</a:t>
+            </a:r>
+          </a:p>
+        </p:txBody>
+      </p:sp>
+      <p:sp>
+        <p:nvSpPr>
+          <p:cNvPr id="8" name="Title 1">
+            <a:extLst>
+              <a:ext uri="{FF2B5EF4-FFF2-40B4-BE49-F238E27FC236}">
+                <a16:creationId xmlns:a16="http://schemas.microsoft.com/office/drawing/2014/main" id="{7BAF80D0-44A2-1798-332C-985D5FE5AAB6}"/>
+              </a:ext>
+            </a:extLst>
+          </p:cNvPr>
+          <p:cNvSpPr txBox="1">
+            <a:spLocks/>
+          </p:cNvSpPr>
+          <p:nvPr/>
+        </p:nvSpPr>
+        <p:spPr>
+          <a:xfrm>
+            <a:off x="6212305" y="1050925"/>
+            <a:ext cx="2967790" cy="597401"/>
+          </a:xfrm>
+          <a:prstGeom prst="rect">
+            <a:avLst/>
+          </a:prstGeom>
+        </p:spPr>
+        <p:txBody>
+          <a:bodyPr vert="horz" lIns="91440" tIns="45720" rIns="91440" bIns="45720" rtlCol="0" anchor="ctr">
+            <a:normAutofit/>
+          </a:bodyPr>
+          <a:lstStyle>
+            <a:lvl1pPr algn="l" defTabSz="914400" rtl="0" eaLnBrk="1" latinLnBrk="0" hangingPunct="1">
+              <a:lnSpc>
+                <a:spcPct val="90000"/>
+              </a:lnSpc>
+              <a:spcBef>
+                <a:spcPct val="0"/>
+              </a:spcBef>
+              <a:buNone/>
+              <a:defRPr sz="4400" kern="1200">
+                <a:solidFill>
+                  <a:schemeClr val="tx1"/>
+                </a:solidFill>
+                <a:latin typeface="+mj-lt"/>
+                <a:ea typeface="+mj-ea"/>
+                <a:cs typeface="+mj-cs"/>
+              </a:defRPr>
+            </a:lvl1pPr>
+          </a:lstStyle>
+          <a:p>
+            <a:r>
+              <a:rPr lang="en-RU" sz="1800" dirty="0"/>
+              <a:t>A) Granlular RANKL contrats</a:t>
             </a:r>
           </a:p>
         </p:txBody>
       </p:sp>
       <p:pic>
         <p:nvPicPr>
-          <p:cNvPr id="4" name="Picture 3">
-            <a:extLst>
-              <a:ext uri="{FF2B5EF4-FFF2-40B4-BE49-F238E27FC236}">
-                <a16:creationId xmlns:a16="http://schemas.microsoft.com/office/drawing/2014/main" id="{7D918A78-3E52-D153-F2D7-D27DA5D7C16A}"/>
+          <p:cNvPr id="3" name="Picture 2">
+            <a:extLst>
+              <a:ext uri="{FF2B5EF4-FFF2-40B4-BE49-F238E27FC236}">
+                <a16:creationId xmlns:a16="http://schemas.microsoft.com/office/drawing/2014/main" id="{5F22D5B7-0D9C-BBC6-0225-7478A0E524B7}"/>
               </a:ext>
             </a:extLst>
           </p:cNvPr>
@@ -3844,249 +4553,47 @@
         </p:blipFill>
         <p:spPr>
           <a:xfrm>
-            <a:off x="2184441" y="1632289"/>
-            <a:ext cx="6744857" cy="4817755"/>
+            <a:off x="5897479" y="1816768"/>
+            <a:ext cx="5883444" cy="3922296"/>
           </a:xfrm>
           <a:prstGeom prst="rect">
             <a:avLst/>
           </a:prstGeom>
         </p:spPr>
       </p:pic>
-      <p:cxnSp>
-        <p:nvCxnSpPr>
-          <p:cNvPr id="8" name="Straight Connector 7">
-            <a:extLst>
-              <a:ext uri="{FF2B5EF4-FFF2-40B4-BE49-F238E27FC236}">
-                <a16:creationId xmlns:a16="http://schemas.microsoft.com/office/drawing/2014/main" id="{23AF8A5F-76CC-331E-62A0-B97ABE99F5EA}"/>
-              </a:ext>
-            </a:extLst>
-          </p:cNvPr>
-          <p:cNvCxnSpPr/>
+      <p:pic>
+        <p:nvPicPr>
+          <p:cNvPr id="9" name="Picture 8">
+            <a:extLst>
+              <a:ext uri="{FF2B5EF4-FFF2-40B4-BE49-F238E27FC236}">
+                <a16:creationId xmlns:a16="http://schemas.microsoft.com/office/drawing/2014/main" id="{6203DA3E-1C77-05CB-65E9-E16F641E9A56}"/>
+              </a:ext>
+            </a:extLst>
+          </p:cNvPr>
+          <p:cNvPicPr>
+            <a:picLocks noChangeAspect="1"/>
+          </p:cNvPicPr>
           <p:nvPr/>
-        </p:nvCxnSpPr>
+        </p:nvPicPr>
+        <p:blipFill>
+          <a:blip r:embed="rId3"/>
+          <a:srcRect r="11327"/>
+          <a:stretch/>
+        </p:blipFill>
         <p:spPr>
           <a:xfrm>
-            <a:off x="1846690" y="2780269"/>
-            <a:ext cx="0" cy="3027405"/>
-          </a:xfrm>
-          <a:prstGeom prst="line">
-            <a:avLst/>
-          </a:prstGeom>
-          <a:ln w="57150">
-            <a:solidFill>
-              <a:srgbClr val="FF0000"/>
-            </a:solidFill>
-            <a:headEnd type="arrow" w="med" len="med"/>
-            <a:tailEnd type="arrow" w="med" len="med"/>
-          </a:ln>
-        </p:spPr>
-        <p:style>
-          <a:lnRef idx="2">
-            <a:schemeClr val="accent1"/>
-          </a:lnRef>
-          <a:fillRef idx="0">
-            <a:schemeClr val="accent1"/>
-          </a:fillRef>
-          <a:effectRef idx="1">
-            <a:schemeClr val="accent1"/>
-          </a:effectRef>
-          <a:fontRef idx="minor">
-            <a:schemeClr val="tx1"/>
-          </a:fontRef>
-        </p:style>
-      </p:cxnSp>
-      <p:sp>
-        <p:nvSpPr>
-          <p:cNvPr id="10" name="TextBox 9">
-            <a:extLst>
-              <a:ext uri="{FF2B5EF4-FFF2-40B4-BE49-F238E27FC236}">
-                <a16:creationId xmlns:a16="http://schemas.microsoft.com/office/drawing/2014/main" id="{582EFCEC-39E5-54F7-7643-B32B9727DA9D}"/>
-              </a:ext>
-            </a:extLst>
-          </p:cNvPr>
-          <p:cNvSpPr txBox="1"/>
-          <p:nvPr/>
-        </p:nvSpPr>
-        <p:spPr>
-          <a:xfrm>
-            <a:off x="3222024" y="252998"/>
-            <a:ext cx="6098058" cy="1354217"/>
+            <a:off x="96502" y="1676400"/>
+            <a:ext cx="5494171" cy="4130675"/>
           </a:xfrm>
           <a:prstGeom prst="rect">
             <a:avLst/>
           </a:prstGeom>
-          <a:noFill/>
         </p:spPr>
-        <p:txBody>
-          <a:bodyPr wrap="square">
-            <a:spAutoFit/>
-          </a:bodyPr>
-          <a:lstStyle/>
-          <a:p>
-            <a:r>
-              <a:rPr lang="en-RU" sz="1800" dirty="0"/>
-              <a:t>The PCA shows several clear delineations:</a:t>
-            </a:r>
-          </a:p>
-          <a:p>
-            <a:pPr marL="285750" indent="-285750">
-              <a:buFont typeface="Arial" panose="020B0604020202020204" pitchFamily="34" charset="0"/>
-              <a:buChar char="•"/>
-            </a:pPr>
-            <a:r>
-              <a:rPr lang="en-RU" sz="1600" dirty="0"/>
-              <a:t>PC1 captures the RANKL effect</a:t>
-            </a:r>
-          </a:p>
-          <a:p>
-            <a:pPr marL="285750" indent="-285750">
-              <a:buFont typeface="Arial" panose="020B0604020202020204" pitchFamily="34" charset="0"/>
-              <a:buChar char="•"/>
-            </a:pPr>
-            <a:r>
-              <a:rPr lang="en-RU" sz="1600" dirty="0"/>
-              <a:t>PC2 captures the 4h vs 24h difference</a:t>
-            </a:r>
-          </a:p>
-          <a:p>
-            <a:pPr marL="285750" indent="-285750">
-              <a:buFont typeface="Arial" panose="020B0604020202020204" pitchFamily="34" charset="0"/>
-              <a:buChar char="•"/>
-            </a:pPr>
-            <a:r>
-              <a:rPr lang="en-RU" sz="1600" dirty="0"/>
-              <a:t>The infection (M vs S) effect seems to be dispersed in the 2 principal components</a:t>
-            </a:r>
-          </a:p>
-        </p:txBody>
-      </p:sp>
-      <p:sp>
-        <p:nvSpPr>
-          <p:cNvPr id="13" name="TextBox 12">
-            <a:extLst>
-              <a:ext uri="{FF2B5EF4-FFF2-40B4-BE49-F238E27FC236}">
-                <a16:creationId xmlns:a16="http://schemas.microsoft.com/office/drawing/2014/main" id="{B83DC1B2-B15F-B41A-D37F-EB23FB79C44E}"/>
-              </a:ext>
-            </a:extLst>
-          </p:cNvPr>
-          <p:cNvSpPr txBox="1"/>
-          <p:nvPr/>
-        </p:nvSpPr>
-        <p:spPr>
-          <a:xfrm>
-            <a:off x="459904" y="3788029"/>
-            <a:ext cx="1195898" cy="646331"/>
-          </a:xfrm>
-          <a:prstGeom prst="rect">
-            <a:avLst/>
-          </a:prstGeom>
-          <a:noFill/>
-        </p:spPr>
-        <p:txBody>
-          <a:bodyPr wrap="square">
-            <a:spAutoFit/>
-          </a:bodyPr>
-          <a:lstStyle/>
-          <a:p>
-            <a:pPr algn="ctr"/>
-            <a:r>
-              <a:rPr lang="en-RU" sz="1800" dirty="0"/>
-              <a:t>Time-</a:t>
-            </a:r>
-          </a:p>
-          <a:p>
-            <a:pPr algn="ctr"/>
-            <a:r>
-              <a:rPr lang="en-RU" dirty="0"/>
-              <a:t>difference</a:t>
-            </a:r>
-          </a:p>
-        </p:txBody>
-      </p:sp>
-      <p:cxnSp>
-        <p:nvCxnSpPr>
-          <p:cNvPr id="14" name="Straight Connector 13">
-            <a:extLst>
-              <a:ext uri="{FF2B5EF4-FFF2-40B4-BE49-F238E27FC236}">
-                <a16:creationId xmlns:a16="http://schemas.microsoft.com/office/drawing/2014/main" id="{7CB5DE83-C5CF-33B1-5583-BCFDB7CAADE5}"/>
-              </a:ext>
-            </a:extLst>
-          </p:cNvPr>
-          <p:cNvCxnSpPr>
-            <a:cxnSpLocks/>
-          </p:cNvCxnSpPr>
-          <p:nvPr/>
-        </p:nvCxnSpPr>
-        <p:spPr>
-          <a:xfrm flipH="1">
-            <a:off x="3679607" y="6293707"/>
-            <a:ext cx="4401710" cy="0"/>
-          </a:xfrm>
-          <a:prstGeom prst="line">
-            <a:avLst/>
-          </a:prstGeom>
-          <a:ln w="57150">
-            <a:solidFill>
-              <a:srgbClr val="FF0000"/>
-            </a:solidFill>
-            <a:headEnd type="arrow" w="med" len="med"/>
-            <a:tailEnd type="arrow" w="med" len="med"/>
-          </a:ln>
-        </p:spPr>
-        <p:style>
-          <a:lnRef idx="2">
-            <a:schemeClr val="accent1"/>
-          </a:lnRef>
-          <a:fillRef idx="0">
-            <a:schemeClr val="accent1"/>
-          </a:fillRef>
-          <a:effectRef idx="1">
-            <a:schemeClr val="accent1"/>
-          </a:effectRef>
-          <a:fontRef idx="minor">
-            <a:schemeClr val="tx1"/>
-          </a:fontRef>
-        </p:style>
-      </p:cxnSp>
-      <p:sp>
-        <p:nvSpPr>
-          <p:cNvPr id="17" name="TextBox 16">
-            <a:extLst>
-              <a:ext uri="{FF2B5EF4-FFF2-40B4-BE49-F238E27FC236}">
-                <a16:creationId xmlns:a16="http://schemas.microsoft.com/office/drawing/2014/main" id="{E67EF728-671A-8187-F602-1DF4F14133DE}"/>
-              </a:ext>
-            </a:extLst>
-          </p:cNvPr>
-          <p:cNvSpPr txBox="1"/>
-          <p:nvPr/>
-        </p:nvSpPr>
-        <p:spPr>
-          <a:xfrm>
-            <a:off x="9267048" y="5682732"/>
-            <a:ext cx="2696862" cy="584775"/>
-          </a:xfrm>
-          <a:prstGeom prst="rect">
-            <a:avLst/>
-          </a:prstGeom>
-          <a:noFill/>
-        </p:spPr>
-        <p:txBody>
-          <a:bodyPr wrap="square">
-            <a:spAutoFit/>
-          </a:bodyPr>
-          <a:lstStyle/>
-          <a:p>
-            <a:r>
-              <a:rPr lang="en-RU" sz="1600" dirty="0"/>
-              <a:t>The technical replicates are clustering pretty good</a:t>
-            </a:r>
-          </a:p>
-        </p:txBody>
-      </p:sp>
+      </p:pic>
     </p:spTree>
     <p:extLst>
       <p:ext uri="{BB962C8B-B14F-4D97-AF65-F5344CB8AC3E}">
-        <p14:creationId xmlns:p14="http://schemas.microsoft.com/office/powerpoint/2010/main" val="3128423470"/>
+        <p14:creationId xmlns:p14="http://schemas.microsoft.com/office/powerpoint/2010/main" val="868344021"/>
       </p:ext>
     </p:extLst>
   </p:cSld>
@@ -4096,7 +4603,483 @@
 </p:sld>
 </file>
 
-<file path=ppt/slides/slide4.xml><?xml version="1.0" encoding="utf-8"?>
+<file path=ppt/slides/slide15.xml><?xml version="1.0" encoding="utf-8"?>
+<p:sld xmlns:a="http://schemas.openxmlformats.org/drawingml/2006/main" xmlns:r="http://schemas.openxmlformats.org/officeDocument/2006/relationships" xmlns:p="http://schemas.openxmlformats.org/presentationml/2006/main">
+  <p:cSld>
+    <p:spTree>
+      <p:nvGrpSpPr>
+        <p:cNvPr id="1" name="">
+          <a:extLst>
+            <a:ext uri="{FF2B5EF4-FFF2-40B4-BE49-F238E27FC236}">
+              <a16:creationId xmlns:a16="http://schemas.microsoft.com/office/drawing/2014/main" id="{4432F57B-BFDB-A6EA-36F0-A6658E5733EB}"/>
+            </a:ext>
+          </a:extLst>
+        </p:cNvPr>
+        <p:cNvGrpSpPr/>
+        <p:nvPr/>
+      </p:nvGrpSpPr>
+      <p:grpSpPr>
+        <a:xfrm>
+          <a:off x="0" y="0"/>
+          <a:ext cx="0" cy="0"/>
+          <a:chOff x="0" y="0"/>
+          <a:chExt cx="0" cy="0"/>
+        </a:xfrm>
+      </p:grpSpPr>
+      <p:sp>
+        <p:nvSpPr>
+          <p:cNvPr id="4" name="Title 1">
+            <a:extLst>
+              <a:ext uri="{FF2B5EF4-FFF2-40B4-BE49-F238E27FC236}">
+                <a16:creationId xmlns:a16="http://schemas.microsoft.com/office/drawing/2014/main" id="{138E9E83-0063-C7D5-3BBE-D7328E9B0AF1}"/>
+              </a:ext>
+            </a:extLst>
+          </p:cNvPr>
+          <p:cNvSpPr>
+            <a:spLocks noGrp="1"/>
+          </p:cNvSpPr>
+          <p:nvPr>
+            <p:ph type="title"/>
+          </p:nvPr>
+        </p:nvSpPr>
+        <p:spPr>
+          <a:xfrm>
+            <a:off x="332873" y="244810"/>
+            <a:ext cx="10515600" cy="597401"/>
+          </a:xfrm>
+        </p:spPr>
+        <p:txBody>
+          <a:bodyPr>
+            <a:normAutofit/>
+          </a:bodyPr>
+          <a:lstStyle/>
+          <a:p>
+            <a:r>
+              <a:rPr lang="en-RU" sz="3200" dirty="0"/>
+              <a:t>Pooled GSE-terms: KEGG</a:t>
+            </a:r>
+          </a:p>
+        </p:txBody>
+      </p:sp>
+      <p:sp>
+        <p:nvSpPr>
+          <p:cNvPr id="7" name="Title 1">
+            <a:extLst>
+              <a:ext uri="{FF2B5EF4-FFF2-40B4-BE49-F238E27FC236}">
+                <a16:creationId xmlns:a16="http://schemas.microsoft.com/office/drawing/2014/main" id="{07F8CED2-4DB1-C4E8-6F88-569E71517D50}"/>
+              </a:ext>
+            </a:extLst>
+          </p:cNvPr>
+          <p:cNvSpPr txBox="1">
+            <a:spLocks/>
+          </p:cNvSpPr>
+          <p:nvPr/>
+        </p:nvSpPr>
+        <p:spPr>
+          <a:xfrm>
+            <a:off x="332873" y="1050925"/>
+            <a:ext cx="2350169" cy="597401"/>
+          </a:xfrm>
+          <a:prstGeom prst="rect">
+            <a:avLst/>
+          </a:prstGeom>
+        </p:spPr>
+        <p:txBody>
+          <a:bodyPr vert="horz" lIns="91440" tIns="45720" rIns="91440" bIns="45720" rtlCol="0" anchor="ctr">
+            <a:normAutofit/>
+          </a:bodyPr>
+          <a:lstStyle>
+            <a:lvl1pPr algn="l" defTabSz="914400" rtl="0" eaLnBrk="1" latinLnBrk="0" hangingPunct="1">
+              <a:lnSpc>
+                <a:spcPct val="90000"/>
+              </a:lnSpc>
+              <a:spcBef>
+                <a:spcPct val="0"/>
+              </a:spcBef>
+              <a:buNone/>
+              <a:defRPr sz="4400" kern="1200">
+                <a:solidFill>
+                  <a:schemeClr val="tx1"/>
+                </a:solidFill>
+                <a:latin typeface="+mj-lt"/>
+                <a:ea typeface="+mj-ea"/>
+                <a:cs typeface="+mj-cs"/>
+              </a:defRPr>
+            </a:lvl1pPr>
+          </a:lstStyle>
+          <a:p>
+            <a:r>
+              <a:rPr lang="en-RU" sz="1800" dirty="0"/>
+              <a:t>A) Pair-wise contrasts</a:t>
+            </a:r>
+          </a:p>
+        </p:txBody>
+      </p:sp>
+      <p:sp>
+        <p:nvSpPr>
+          <p:cNvPr id="8" name="Title 1">
+            <a:extLst>
+              <a:ext uri="{FF2B5EF4-FFF2-40B4-BE49-F238E27FC236}">
+                <a16:creationId xmlns:a16="http://schemas.microsoft.com/office/drawing/2014/main" id="{B869B99A-FF2B-8539-F619-D51163E89196}"/>
+              </a:ext>
+            </a:extLst>
+          </p:cNvPr>
+          <p:cNvSpPr txBox="1">
+            <a:spLocks/>
+          </p:cNvSpPr>
+          <p:nvPr/>
+        </p:nvSpPr>
+        <p:spPr>
+          <a:xfrm>
+            <a:off x="6212305" y="1050925"/>
+            <a:ext cx="2967790" cy="597401"/>
+          </a:xfrm>
+          <a:prstGeom prst="rect">
+            <a:avLst/>
+          </a:prstGeom>
+        </p:spPr>
+        <p:txBody>
+          <a:bodyPr vert="horz" lIns="91440" tIns="45720" rIns="91440" bIns="45720" rtlCol="0" anchor="ctr">
+            <a:normAutofit/>
+          </a:bodyPr>
+          <a:lstStyle>
+            <a:lvl1pPr algn="l" defTabSz="914400" rtl="0" eaLnBrk="1" latinLnBrk="0" hangingPunct="1">
+              <a:lnSpc>
+                <a:spcPct val="90000"/>
+              </a:lnSpc>
+              <a:spcBef>
+                <a:spcPct val="0"/>
+              </a:spcBef>
+              <a:buNone/>
+              <a:defRPr sz="4400" kern="1200">
+                <a:solidFill>
+                  <a:schemeClr val="tx1"/>
+                </a:solidFill>
+                <a:latin typeface="+mj-lt"/>
+                <a:ea typeface="+mj-ea"/>
+                <a:cs typeface="+mj-cs"/>
+              </a:defRPr>
+            </a:lvl1pPr>
+          </a:lstStyle>
+          <a:p>
+            <a:r>
+              <a:rPr lang="en-RU" sz="1800" dirty="0"/>
+              <a:t>A) Granlular RANKL contrats</a:t>
+            </a:r>
+          </a:p>
+        </p:txBody>
+      </p:sp>
+      <p:pic>
+        <p:nvPicPr>
+          <p:cNvPr id="5" name="Picture 4">
+            <a:extLst>
+              <a:ext uri="{FF2B5EF4-FFF2-40B4-BE49-F238E27FC236}">
+                <a16:creationId xmlns:a16="http://schemas.microsoft.com/office/drawing/2014/main" id="{D5B7AF25-4081-BBDA-08E4-16732E3B9566}"/>
+              </a:ext>
+            </a:extLst>
+          </p:cNvPr>
+          <p:cNvPicPr>
+            <a:picLocks noChangeAspect="1"/>
+          </p:cNvPicPr>
+          <p:nvPr/>
+        </p:nvPicPr>
+        <p:blipFill>
+          <a:blip r:embed="rId2"/>
+          <a:stretch>
+            <a:fillRect/>
+          </a:stretch>
+        </p:blipFill>
+        <p:spPr>
+          <a:xfrm>
+            <a:off x="5843336" y="1648326"/>
+            <a:ext cx="6238124" cy="4158749"/>
+          </a:xfrm>
+          <a:prstGeom prst="rect">
+            <a:avLst/>
+          </a:prstGeom>
+        </p:spPr>
+      </p:pic>
+      <p:pic>
+        <p:nvPicPr>
+          <p:cNvPr id="9" name="Picture 8">
+            <a:extLst>
+              <a:ext uri="{FF2B5EF4-FFF2-40B4-BE49-F238E27FC236}">
+                <a16:creationId xmlns:a16="http://schemas.microsoft.com/office/drawing/2014/main" id="{2D268B4A-E6AF-CF66-DDC5-6CC687CD249B}"/>
+              </a:ext>
+            </a:extLst>
+          </p:cNvPr>
+          <p:cNvPicPr>
+            <a:picLocks noChangeAspect="1"/>
+          </p:cNvPicPr>
+          <p:nvPr/>
+        </p:nvPicPr>
+        <p:blipFill>
+          <a:blip r:embed="rId3"/>
+          <a:srcRect r="11315"/>
+          <a:stretch/>
+        </p:blipFill>
+        <p:spPr>
+          <a:xfrm>
+            <a:off x="110540" y="1648326"/>
+            <a:ext cx="5532271" cy="4158749"/>
+          </a:xfrm>
+          <a:prstGeom prst="rect">
+            <a:avLst/>
+          </a:prstGeom>
+        </p:spPr>
+      </p:pic>
+    </p:spTree>
+    <p:extLst>
+      <p:ext uri="{BB962C8B-B14F-4D97-AF65-F5344CB8AC3E}">
+        <p14:creationId xmlns:p14="http://schemas.microsoft.com/office/powerpoint/2010/main" val="1297665582"/>
+      </p:ext>
+    </p:extLst>
+  </p:cSld>
+  <p:clrMapOvr>
+    <a:masterClrMapping/>
+  </p:clrMapOvr>
+</p:sld>
+</file>
+
+<file path=ppt/slides/slide16.xml><?xml version="1.0" encoding="utf-8"?>
+<p:sld xmlns:a="http://schemas.openxmlformats.org/drawingml/2006/main" xmlns:r="http://schemas.openxmlformats.org/officeDocument/2006/relationships" xmlns:p="http://schemas.openxmlformats.org/presentationml/2006/main">
+  <p:cSld>
+    <p:spTree>
+      <p:nvGrpSpPr>
+        <p:cNvPr id="1" name="">
+          <a:extLst>
+            <a:ext uri="{FF2B5EF4-FFF2-40B4-BE49-F238E27FC236}">
+              <a16:creationId xmlns:a16="http://schemas.microsoft.com/office/drawing/2014/main" id="{DDC6BEF2-C882-E007-43E4-909C2382938C}"/>
+            </a:ext>
+          </a:extLst>
+        </p:cNvPr>
+        <p:cNvGrpSpPr/>
+        <p:nvPr/>
+      </p:nvGrpSpPr>
+      <p:grpSpPr>
+        <a:xfrm>
+          <a:off x="0" y="0"/>
+          <a:ext cx="0" cy="0"/>
+          <a:chOff x="0" y="0"/>
+          <a:chExt cx="0" cy="0"/>
+        </a:xfrm>
+      </p:grpSpPr>
+      <p:sp>
+        <p:nvSpPr>
+          <p:cNvPr id="4" name="Title 1">
+            <a:extLst>
+              <a:ext uri="{FF2B5EF4-FFF2-40B4-BE49-F238E27FC236}">
+                <a16:creationId xmlns:a16="http://schemas.microsoft.com/office/drawing/2014/main" id="{5AB11E80-DF2F-F099-7B00-A02D3444FD4F}"/>
+              </a:ext>
+            </a:extLst>
+          </p:cNvPr>
+          <p:cNvSpPr>
+            <a:spLocks noGrp="1"/>
+          </p:cNvSpPr>
+          <p:nvPr>
+            <p:ph type="title"/>
+          </p:nvPr>
+        </p:nvSpPr>
+        <p:spPr>
+          <a:xfrm>
+            <a:off x="332873" y="244810"/>
+            <a:ext cx="10515600" cy="597401"/>
+          </a:xfrm>
+        </p:spPr>
+        <p:txBody>
+          <a:bodyPr>
+            <a:normAutofit/>
+          </a:bodyPr>
+          <a:lstStyle/>
+          <a:p>
+            <a:r>
+              <a:rPr lang="en-RU" sz="3200" dirty="0"/>
+              <a:t>Pooled GSE-terms: REACTOME</a:t>
+            </a:r>
+          </a:p>
+        </p:txBody>
+      </p:sp>
+      <p:sp>
+        <p:nvSpPr>
+          <p:cNvPr id="7" name="Title 1">
+            <a:extLst>
+              <a:ext uri="{FF2B5EF4-FFF2-40B4-BE49-F238E27FC236}">
+                <a16:creationId xmlns:a16="http://schemas.microsoft.com/office/drawing/2014/main" id="{8636E67A-8BC6-A5FC-CE30-E8040276EB3E}"/>
+              </a:ext>
+            </a:extLst>
+          </p:cNvPr>
+          <p:cNvSpPr txBox="1">
+            <a:spLocks/>
+          </p:cNvSpPr>
+          <p:nvPr/>
+        </p:nvSpPr>
+        <p:spPr>
+          <a:xfrm>
+            <a:off x="332873" y="1050925"/>
+            <a:ext cx="2350169" cy="597401"/>
+          </a:xfrm>
+          <a:prstGeom prst="rect">
+            <a:avLst/>
+          </a:prstGeom>
+        </p:spPr>
+        <p:txBody>
+          <a:bodyPr vert="horz" lIns="91440" tIns="45720" rIns="91440" bIns="45720" rtlCol="0" anchor="ctr">
+            <a:normAutofit/>
+          </a:bodyPr>
+          <a:lstStyle>
+            <a:lvl1pPr algn="l" defTabSz="914400" rtl="0" eaLnBrk="1" latinLnBrk="0" hangingPunct="1">
+              <a:lnSpc>
+                <a:spcPct val="90000"/>
+              </a:lnSpc>
+              <a:spcBef>
+                <a:spcPct val="0"/>
+              </a:spcBef>
+              <a:buNone/>
+              <a:defRPr sz="4400" kern="1200">
+                <a:solidFill>
+                  <a:schemeClr val="tx1"/>
+                </a:solidFill>
+                <a:latin typeface="+mj-lt"/>
+                <a:ea typeface="+mj-ea"/>
+                <a:cs typeface="+mj-cs"/>
+              </a:defRPr>
+            </a:lvl1pPr>
+          </a:lstStyle>
+          <a:p>
+            <a:r>
+              <a:rPr lang="en-RU" sz="1800" dirty="0"/>
+              <a:t>A) Pair-wise contrasts</a:t>
+            </a:r>
+          </a:p>
+        </p:txBody>
+      </p:sp>
+      <p:sp>
+        <p:nvSpPr>
+          <p:cNvPr id="8" name="Title 1">
+            <a:extLst>
+              <a:ext uri="{FF2B5EF4-FFF2-40B4-BE49-F238E27FC236}">
+                <a16:creationId xmlns:a16="http://schemas.microsoft.com/office/drawing/2014/main" id="{7F664FBD-FAAD-E218-9940-E8E63B9CFF47}"/>
+              </a:ext>
+            </a:extLst>
+          </p:cNvPr>
+          <p:cNvSpPr txBox="1">
+            <a:spLocks/>
+          </p:cNvSpPr>
+          <p:nvPr/>
+        </p:nvSpPr>
+        <p:spPr>
+          <a:xfrm>
+            <a:off x="6212305" y="1050925"/>
+            <a:ext cx="2967790" cy="597401"/>
+          </a:xfrm>
+          <a:prstGeom prst="rect">
+            <a:avLst/>
+          </a:prstGeom>
+        </p:spPr>
+        <p:txBody>
+          <a:bodyPr vert="horz" lIns="91440" tIns="45720" rIns="91440" bIns="45720" rtlCol="0" anchor="ctr">
+            <a:normAutofit/>
+          </a:bodyPr>
+          <a:lstStyle>
+            <a:lvl1pPr algn="l" defTabSz="914400" rtl="0" eaLnBrk="1" latinLnBrk="0" hangingPunct="1">
+              <a:lnSpc>
+                <a:spcPct val="90000"/>
+              </a:lnSpc>
+              <a:spcBef>
+                <a:spcPct val="0"/>
+              </a:spcBef>
+              <a:buNone/>
+              <a:defRPr sz="4400" kern="1200">
+                <a:solidFill>
+                  <a:schemeClr val="tx1"/>
+                </a:solidFill>
+                <a:latin typeface="+mj-lt"/>
+                <a:ea typeface="+mj-ea"/>
+                <a:cs typeface="+mj-cs"/>
+              </a:defRPr>
+            </a:lvl1pPr>
+          </a:lstStyle>
+          <a:p>
+            <a:r>
+              <a:rPr lang="en-RU" sz="1800" dirty="0"/>
+              <a:t>A) Granlular RANKL contrats</a:t>
+            </a:r>
+          </a:p>
+        </p:txBody>
+      </p:sp>
+      <p:pic>
+        <p:nvPicPr>
+          <p:cNvPr id="5" name="Picture 4">
+            <a:extLst>
+              <a:ext uri="{FF2B5EF4-FFF2-40B4-BE49-F238E27FC236}">
+                <a16:creationId xmlns:a16="http://schemas.microsoft.com/office/drawing/2014/main" id="{27B58D09-C943-EC02-0D65-BA479F876EFD}"/>
+              </a:ext>
+            </a:extLst>
+          </p:cNvPr>
+          <p:cNvPicPr>
+            <a:picLocks noChangeAspect="1"/>
+          </p:cNvPicPr>
+          <p:nvPr/>
+        </p:nvPicPr>
+        <p:blipFill>
+          <a:blip r:embed="rId2"/>
+          <a:stretch>
+            <a:fillRect/>
+          </a:stretch>
+        </p:blipFill>
+        <p:spPr>
+          <a:xfrm>
+            <a:off x="5510463" y="2033069"/>
+            <a:ext cx="7772400" cy="3108960"/>
+          </a:xfrm>
+          <a:prstGeom prst="rect">
+            <a:avLst/>
+          </a:prstGeom>
+        </p:spPr>
+      </p:pic>
+      <p:pic>
+        <p:nvPicPr>
+          <p:cNvPr id="9" name="Picture 8">
+            <a:extLst>
+              <a:ext uri="{FF2B5EF4-FFF2-40B4-BE49-F238E27FC236}">
+                <a16:creationId xmlns:a16="http://schemas.microsoft.com/office/drawing/2014/main" id="{08B970C8-CA0B-1E10-3BB7-5E22C2584330}"/>
+              </a:ext>
+            </a:extLst>
+          </p:cNvPr>
+          <p:cNvPicPr>
+            <a:picLocks noChangeAspect="1"/>
+          </p:cNvPicPr>
+          <p:nvPr/>
+        </p:nvPicPr>
+        <p:blipFill>
+          <a:blip r:embed="rId3"/>
+          <a:srcRect r="29102"/>
+          <a:stretch/>
+        </p:blipFill>
+        <p:spPr>
+          <a:xfrm>
+            <a:off x="0" y="1860349"/>
+            <a:ext cx="5510463" cy="3454400"/>
+          </a:xfrm>
+          <a:prstGeom prst="rect">
+            <a:avLst/>
+          </a:prstGeom>
+        </p:spPr>
+      </p:pic>
+    </p:spTree>
+    <p:extLst>
+      <p:ext uri="{BB962C8B-B14F-4D97-AF65-F5344CB8AC3E}">
+        <p14:creationId xmlns:p14="http://schemas.microsoft.com/office/powerpoint/2010/main" val="3115352568"/>
+      </p:ext>
+    </p:extLst>
+  </p:cSld>
+  <p:clrMapOvr>
+    <a:masterClrMapping/>
+  </p:clrMapOvr>
+</p:sld>
+</file>
+
+<file path=ppt/slides/slide17.xml><?xml version="1.0" encoding="utf-8"?>
 <p:sld xmlns:a="http://schemas.openxmlformats.org/drawingml/2006/main" xmlns:r="http://schemas.openxmlformats.org/officeDocument/2006/relationships" xmlns:p="http://schemas.openxmlformats.org/presentationml/2006/main">
   <p:cSld>
     <p:spTree>
@@ -4191,7 +5174,7 @@
 </p:sld>
 </file>
 
-<file path=ppt/slides/slide5.xml><?xml version="1.0" encoding="utf-8"?>
+<file path=ppt/slides/slide18.xml><?xml version="1.0" encoding="utf-8"?>
 <p:sld xmlns:a="http://schemas.openxmlformats.org/drawingml/2006/main" xmlns:r="http://schemas.openxmlformats.org/officeDocument/2006/relationships" xmlns:p="http://schemas.openxmlformats.org/presentationml/2006/main">
   <p:cSld>
     <p:spTree>
@@ -4352,7 +5335,7 @@
 </p:sld>
 </file>
 
-<file path=ppt/slides/slide6.xml><?xml version="1.0" encoding="utf-8"?>
+<file path=ppt/slides/slide19.xml><?xml version="1.0" encoding="utf-8"?>
 <p:sld xmlns:a="http://schemas.openxmlformats.org/drawingml/2006/main" xmlns:r="http://schemas.openxmlformats.org/officeDocument/2006/relationships" xmlns:p="http://schemas.openxmlformats.org/presentationml/2006/main">
   <p:cSld>
     <p:spTree>
@@ -4510,6 +5493,3195 @@
     <p:extLst>
       <p:ext uri="{BB962C8B-B14F-4D97-AF65-F5344CB8AC3E}">
         <p14:creationId xmlns:p14="http://schemas.microsoft.com/office/powerpoint/2010/main" val="1988262204"/>
+      </p:ext>
+    </p:extLst>
+  </p:cSld>
+  <p:clrMapOvr>
+    <a:masterClrMapping/>
+  </p:clrMapOvr>
+</p:sld>
+</file>
+
+<file path=ppt/slides/slide2.xml><?xml version="1.0" encoding="utf-8"?>
+<p:sld xmlns:a="http://schemas.openxmlformats.org/drawingml/2006/main" xmlns:r="http://schemas.openxmlformats.org/officeDocument/2006/relationships" xmlns:p="http://schemas.openxmlformats.org/presentationml/2006/main">
+  <p:cSld>
+    <p:spTree>
+      <p:nvGrpSpPr>
+        <p:cNvPr id="1" name=""/>
+        <p:cNvGrpSpPr/>
+        <p:nvPr/>
+      </p:nvGrpSpPr>
+      <p:grpSpPr>
+        <a:xfrm>
+          <a:off x="0" y="0"/>
+          <a:ext cx="0" cy="0"/>
+          <a:chOff x="0" y="0"/>
+          <a:chExt cx="0" cy="0"/>
+        </a:xfrm>
+      </p:grpSpPr>
+      <p:pic>
+        <p:nvPicPr>
+          <p:cNvPr id="4" name="Picture 3">
+            <a:extLst>
+              <a:ext uri="{FF2B5EF4-FFF2-40B4-BE49-F238E27FC236}">
+                <a16:creationId xmlns:a16="http://schemas.microsoft.com/office/drawing/2014/main" id="{29942A3B-8FEE-825D-9C3B-F0A52E344B01}"/>
+              </a:ext>
+            </a:extLst>
+          </p:cNvPr>
+          <p:cNvPicPr>
+            <a:picLocks noChangeAspect="1"/>
+          </p:cNvPicPr>
+          <p:nvPr/>
+        </p:nvPicPr>
+        <p:blipFill>
+          <a:blip r:embed="rId2"/>
+          <a:stretch>
+            <a:fillRect/>
+          </a:stretch>
+        </p:blipFill>
+        <p:spPr>
+          <a:xfrm>
+            <a:off x="4045250" y="746963"/>
+            <a:ext cx="8146750" cy="5819107"/>
+          </a:xfrm>
+          <a:prstGeom prst="rect">
+            <a:avLst/>
+          </a:prstGeom>
+        </p:spPr>
+      </p:pic>
+      <p:sp>
+        <p:nvSpPr>
+          <p:cNvPr id="6" name="Title 1">
+            <a:extLst>
+              <a:ext uri="{FF2B5EF4-FFF2-40B4-BE49-F238E27FC236}">
+                <a16:creationId xmlns:a16="http://schemas.microsoft.com/office/drawing/2014/main" id="{B84AB5E4-670D-5A1E-0C6C-C47C56E0A547}"/>
+              </a:ext>
+            </a:extLst>
+          </p:cNvPr>
+          <p:cNvSpPr txBox="1">
+            <a:spLocks/>
+          </p:cNvSpPr>
+          <p:nvPr/>
+        </p:nvSpPr>
+        <p:spPr>
+          <a:xfrm>
+            <a:off x="459904" y="252998"/>
+            <a:ext cx="10515600" cy="1325563"/>
+          </a:xfrm>
+          <a:prstGeom prst="rect">
+            <a:avLst/>
+          </a:prstGeom>
+        </p:spPr>
+        <p:txBody>
+          <a:bodyPr vert="horz" lIns="91440" tIns="45720" rIns="91440" bIns="45720" rtlCol="0" anchor="ctr">
+            <a:normAutofit/>
+          </a:bodyPr>
+          <a:lstStyle>
+            <a:lvl1pPr algn="l" defTabSz="914400" rtl="0" eaLnBrk="1" latinLnBrk="0" hangingPunct="1">
+              <a:lnSpc>
+                <a:spcPct val="90000"/>
+              </a:lnSpc>
+              <a:spcBef>
+                <a:spcPct val="0"/>
+              </a:spcBef>
+              <a:buNone/>
+              <a:defRPr sz="4400" kern="1200">
+                <a:solidFill>
+                  <a:schemeClr val="tx1"/>
+                </a:solidFill>
+                <a:latin typeface="+mj-lt"/>
+                <a:ea typeface="+mj-ea"/>
+                <a:cs typeface="+mj-cs"/>
+              </a:defRPr>
+            </a:lvl1pPr>
+          </a:lstStyle>
+          <a:p>
+            <a:r>
+              <a:rPr lang="en-RU"/>
+              <a:t>PCA</a:t>
+            </a:r>
+            <a:endParaRPr lang="en-RU" dirty="0"/>
+          </a:p>
+        </p:txBody>
+      </p:sp>
+      <p:sp>
+        <p:nvSpPr>
+          <p:cNvPr id="7" name="TextBox 6">
+            <a:extLst>
+              <a:ext uri="{FF2B5EF4-FFF2-40B4-BE49-F238E27FC236}">
+                <a16:creationId xmlns:a16="http://schemas.microsoft.com/office/drawing/2014/main" id="{D6BDB861-A592-6DD1-9BB1-B9908B592877}"/>
+              </a:ext>
+            </a:extLst>
+          </p:cNvPr>
+          <p:cNvSpPr txBox="1"/>
+          <p:nvPr/>
+        </p:nvSpPr>
+        <p:spPr>
+          <a:xfrm>
+            <a:off x="303770" y="1532858"/>
+            <a:ext cx="3522271" cy="5078313"/>
+          </a:xfrm>
+          <a:prstGeom prst="rect">
+            <a:avLst/>
+          </a:prstGeom>
+          <a:noFill/>
+        </p:spPr>
+        <p:txBody>
+          <a:bodyPr wrap="square">
+            <a:spAutoFit/>
+          </a:bodyPr>
+          <a:lstStyle/>
+          <a:p>
+            <a:r>
+              <a:rPr lang="en-RU" sz="1800" dirty="0"/>
+              <a:t>The PCA shows several clear delineations:</a:t>
+            </a:r>
+          </a:p>
+          <a:p>
+            <a:pPr marL="285750" indent="-285750">
+              <a:buFont typeface="Arial" panose="020B0604020202020204" pitchFamily="34" charset="0"/>
+              <a:buChar char="•"/>
+            </a:pPr>
+            <a:r>
+              <a:rPr lang="en-RU" sz="1600" dirty="0"/>
+              <a:t>PC1 captures the RANKL effect</a:t>
+            </a:r>
+          </a:p>
+          <a:p>
+            <a:pPr marL="285750" indent="-285750">
+              <a:buFont typeface="Arial" panose="020B0604020202020204" pitchFamily="34" charset="0"/>
+              <a:buChar char="•"/>
+            </a:pPr>
+            <a:r>
+              <a:rPr lang="en-RU" sz="1600" dirty="0"/>
+              <a:t>PC2 captures the 4h vs 24h difference</a:t>
+            </a:r>
+          </a:p>
+          <a:p>
+            <a:pPr marL="285750" indent="-285750">
+              <a:buFont typeface="Arial" panose="020B0604020202020204" pitchFamily="34" charset="0"/>
+              <a:buChar char="•"/>
+            </a:pPr>
+            <a:r>
+              <a:rPr lang="en-RU" sz="1600" dirty="0"/>
+              <a:t>The infection (mock vs STm) effect seems to be dispersed in the 2 principal components</a:t>
+            </a:r>
+          </a:p>
+          <a:p>
+            <a:pPr marL="285750" indent="-285750">
+              <a:buFont typeface="Arial" panose="020B0604020202020204" pitchFamily="34" charset="0"/>
+              <a:buChar char="•"/>
+            </a:pPr>
+            <a:endParaRPr lang="en-RU" sz="1600" dirty="0"/>
+          </a:p>
+          <a:p>
+            <a:r>
+              <a:rPr lang="en-RU" sz="1600" dirty="0"/>
+              <a:t>The spatial relations of the samples remain the same for the STAR data, as we observed for the Kallisto data. Yet, the PC1 now captures only 28.9% (total PC1+PC2 = 52.3) against PC1 in Kallisto of 48.9% (total 71.1%). This is expected, as STAR captures more detail about the RNA-seq data, and so generally the first PC-component captures less infromation in more highly dimensional data. </a:t>
+            </a:r>
+          </a:p>
+        </p:txBody>
+      </p:sp>
+      <p:cxnSp>
+        <p:nvCxnSpPr>
+          <p:cNvPr id="8" name="Straight Connector 7">
+            <a:extLst>
+              <a:ext uri="{FF2B5EF4-FFF2-40B4-BE49-F238E27FC236}">
+                <a16:creationId xmlns:a16="http://schemas.microsoft.com/office/drawing/2014/main" id="{FB462F20-CAEA-A5A4-EE73-B99FD7FED380}"/>
+              </a:ext>
+            </a:extLst>
+          </p:cNvPr>
+          <p:cNvCxnSpPr/>
+          <p:nvPr/>
+        </p:nvCxnSpPr>
+        <p:spPr>
+          <a:xfrm>
+            <a:off x="4236138" y="1850661"/>
+            <a:ext cx="0" cy="3027405"/>
+          </a:xfrm>
+          <a:prstGeom prst="line">
+            <a:avLst/>
+          </a:prstGeom>
+          <a:ln w="57150">
+            <a:solidFill>
+              <a:srgbClr val="FF0000"/>
+            </a:solidFill>
+            <a:headEnd type="arrow" w="med" len="med"/>
+            <a:tailEnd type="arrow" w="med" len="med"/>
+          </a:ln>
+        </p:spPr>
+        <p:style>
+          <a:lnRef idx="2">
+            <a:schemeClr val="accent1"/>
+          </a:lnRef>
+          <a:fillRef idx="0">
+            <a:schemeClr val="accent1"/>
+          </a:fillRef>
+          <a:effectRef idx="1">
+            <a:schemeClr val="accent1"/>
+          </a:effectRef>
+          <a:fontRef idx="minor">
+            <a:schemeClr val="tx1"/>
+          </a:fontRef>
+        </p:style>
+      </p:cxnSp>
+      <p:sp>
+        <p:nvSpPr>
+          <p:cNvPr id="9" name="TextBox 8">
+            <a:extLst>
+              <a:ext uri="{FF2B5EF4-FFF2-40B4-BE49-F238E27FC236}">
+                <a16:creationId xmlns:a16="http://schemas.microsoft.com/office/drawing/2014/main" id="{11064483-3E9D-BB33-C382-5B9C99BC5338}"/>
+              </a:ext>
+            </a:extLst>
+          </p:cNvPr>
+          <p:cNvSpPr txBox="1"/>
+          <p:nvPr/>
+        </p:nvSpPr>
+        <p:spPr>
+          <a:xfrm>
+            <a:off x="3384226" y="1068280"/>
+            <a:ext cx="1195898" cy="646331"/>
+          </a:xfrm>
+          <a:prstGeom prst="rect">
+            <a:avLst/>
+          </a:prstGeom>
+          <a:noFill/>
+        </p:spPr>
+        <p:txBody>
+          <a:bodyPr wrap="square">
+            <a:spAutoFit/>
+          </a:bodyPr>
+          <a:lstStyle/>
+          <a:p>
+            <a:pPr algn="ctr"/>
+            <a:r>
+              <a:rPr lang="en-RU" sz="1800" dirty="0"/>
+              <a:t>Time-</a:t>
+            </a:r>
+          </a:p>
+          <a:p>
+            <a:pPr algn="ctr"/>
+            <a:r>
+              <a:rPr lang="en-RU" dirty="0"/>
+              <a:t>difference</a:t>
+            </a:r>
+          </a:p>
+        </p:txBody>
+      </p:sp>
+      <p:cxnSp>
+        <p:nvCxnSpPr>
+          <p:cNvPr id="10" name="Straight Connector 9">
+            <a:extLst>
+              <a:ext uri="{FF2B5EF4-FFF2-40B4-BE49-F238E27FC236}">
+                <a16:creationId xmlns:a16="http://schemas.microsoft.com/office/drawing/2014/main" id="{947FA836-F736-7FB3-F096-0207822702BC}"/>
+              </a:ext>
+            </a:extLst>
+          </p:cNvPr>
+          <p:cNvCxnSpPr>
+            <a:cxnSpLocks/>
+          </p:cNvCxnSpPr>
+          <p:nvPr/>
+        </p:nvCxnSpPr>
+        <p:spPr>
+          <a:xfrm flipH="1">
+            <a:off x="6096000" y="6329801"/>
+            <a:ext cx="4401710" cy="0"/>
+          </a:xfrm>
+          <a:prstGeom prst="line">
+            <a:avLst/>
+          </a:prstGeom>
+          <a:ln w="57150">
+            <a:solidFill>
+              <a:srgbClr val="FF0000"/>
+            </a:solidFill>
+            <a:headEnd type="arrow" w="med" len="med"/>
+            <a:tailEnd type="arrow" w="med" len="med"/>
+          </a:ln>
+        </p:spPr>
+        <p:style>
+          <a:lnRef idx="2">
+            <a:schemeClr val="accent1"/>
+          </a:lnRef>
+          <a:fillRef idx="0">
+            <a:schemeClr val="accent1"/>
+          </a:fillRef>
+          <a:effectRef idx="1">
+            <a:schemeClr val="accent1"/>
+          </a:effectRef>
+          <a:fontRef idx="minor">
+            <a:schemeClr val="tx1"/>
+          </a:fontRef>
+        </p:style>
+      </p:cxnSp>
+      <p:sp>
+        <p:nvSpPr>
+          <p:cNvPr id="11" name="TextBox 10">
+            <a:extLst>
+              <a:ext uri="{FF2B5EF4-FFF2-40B4-BE49-F238E27FC236}">
+                <a16:creationId xmlns:a16="http://schemas.microsoft.com/office/drawing/2014/main" id="{6EDA09AC-79B6-A8BE-B955-2A99FFFD8DBA}"/>
+              </a:ext>
+            </a:extLst>
+          </p:cNvPr>
+          <p:cNvSpPr txBox="1"/>
+          <p:nvPr/>
+        </p:nvSpPr>
+        <p:spPr>
+          <a:xfrm>
+            <a:off x="10560785" y="6006635"/>
+            <a:ext cx="1195898" cy="646331"/>
+          </a:xfrm>
+          <a:prstGeom prst="rect">
+            <a:avLst/>
+          </a:prstGeom>
+          <a:noFill/>
+        </p:spPr>
+        <p:txBody>
+          <a:bodyPr wrap="square">
+            <a:spAutoFit/>
+          </a:bodyPr>
+          <a:lstStyle/>
+          <a:p>
+            <a:pPr algn="ctr"/>
+            <a:r>
+              <a:rPr lang="en-RU" sz="1800" dirty="0"/>
+              <a:t>RANKL-</a:t>
+            </a:r>
+          </a:p>
+          <a:p>
+            <a:pPr algn="ctr"/>
+            <a:r>
+              <a:rPr lang="en-RU" dirty="0"/>
+              <a:t>difference</a:t>
+            </a:r>
+          </a:p>
+        </p:txBody>
+      </p:sp>
+    </p:spTree>
+    <p:extLst>
+      <p:ext uri="{BB962C8B-B14F-4D97-AF65-F5344CB8AC3E}">
+        <p14:creationId xmlns:p14="http://schemas.microsoft.com/office/powerpoint/2010/main" val="4117286279"/>
+      </p:ext>
+    </p:extLst>
+  </p:cSld>
+  <p:clrMapOvr>
+    <a:masterClrMapping/>
+  </p:clrMapOvr>
+</p:sld>
+</file>
+
+<file path=ppt/slides/slide3.xml><?xml version="1.0" encoding="utf-8"?>
+<p:sld xmlns:a="http://schemas.openxmlformats.org/drawingml/2006/main" xmlns:r="http://schemas.openxmlformats.org/officeDocument/2006/relationships" xmlns:p="http://schemas.openxmlformats.org/presentationml/2006/main">
+  <p:cSld>
+    <p:spTree>
+      <p:nvGrpSpPr>
+        <p:cNvPr id="1" name=""/>
+        <p:cNvGrpSpPr/>
+        <p:nvPr/>
+      </p:nvGrpSpPr>
+      <p:grpSpPr>
+        <a:xfrm>
+          <a:off x="0" y="0"/>
+          <a:ext cx="0" cy="0"/>
+          <a:chOff x="0" y="0"/>
+          <a:chExt cx="0" cy="0"/>
+        </a:xfrm>
+      </p:grpSpPr>
+      <p:sp>
+        <p:nvSpPr>
+          <p:cNvPr id="3" name="Content Placeholder 2">
+            <a:extLst>
+              <a:ext uri="{FF2B5EF4-FFF2-40B4-BE49-F238E27FC236}">
+                <a16:creationId xmlns:a16="http://schemas.microsoft.com/office/drawing/2014/main" id="{5A200EE8-519E-4FAE-2603-64DA3EBAD446}"/>
+              </a:ext>
+            </a:extLst>
+          </p:cNvPr>
+          <p:cNvSpPr>
+            <a:spLocks noGrp="1"/>
+          </p:cNvSpPr>
+          <p:nvPr>
+            <p:ph idx="1"/>
+          </p:nvPr>
+        </p:nvSpPr>
+        <p:spPr>
+          <a:xfrm>
+            <a:off x="486032" y="1578561"/>
+            <a:ext cx="11219935" cy="4673958"/>
+          </a:xfrm>
+        </p:spPr>
+        <p:txBody>
+          <a:bodyPr>
+            <a:normAutofit/>
+          </a:bodyPr>
+          <a:lstStyle/>
+          <a:p>
+            <a:pPr marL="0" indent="0">
+              <a:buNone/>
+            </a:pPr>
+            <a:r>
+              <a:rPr lang="en-US" sz="2400" dirty="0"/>
+              <a:t>1. Comprehensive pair-wise comparisons – pooled analysis</a:t>
+            </a:r>
+          </a:p>
+          <a:p>
+            <a:r>
+              <a:rPr lang="en-US" sz="1600" dirty="0"/>
+              <a:t>Comprehensive pair-wise comparisons of basic contrasts over time </a:t>
+            </a:r>
+          </a:p>
+          <a:p>
+            <a:r>
+              <a:rPr lang="en-US" sz="1600" dirty="0"/>
+              <a:t>Pool of GSE terms from across all basic contrasts combinations </a:t>
+            </a:r>
+            <a:endParaRPr lang="en-RU" sz="1600" dirty="0"/>
+          </a:p>
+          <a:p>
+            <a:pPr marL="342900" indent="-342900">
+              <a:buAutoNum type="arabicPeriod"/>
+            </a:pPr>
+            <a:endParaRPr lang="en-US" sz="2400" dirty="0"/>
+          </a:p>
+          <a:p>
+            <a:pPr marL="342900" indent="-342900">
+              <a:buAutoNum type="arabicPeriod"/>
+            </a:pPr>
+            <a:endParaRPr lang="en-US" sz="2400" dirty="0"/>
+          </a:p>
+          <a:p>
+            <a:pPr marL="0" indent="0">
+              <a:buNone/>
+            </a:pPr>
+            <a:r>
+              <a:rPr lang="en-US" sz="2400" dirty="0"/>
+              <a:t>2. Specified statistical contrasts modelling – pooled analysis</a:t>
+            </a:r>
+          </a:p>
+          <a:p>
+            <a:r>
+              <a:rPr lang="en-US" sz="1600" dirty="0"/>
+              <a:t>Granular statistical contrasts on specific questions:</a:t>
+            </a:r>
+          </a:p>
+          <a:p>
+            <a:pPr lvl="1"/>
+            <a:r>
+              <a:rPr lang="en-GB" sz="1600" b="0" dirty="0">
+                <a:effectLst/>
+              </a:rPr>
+              <a:t>Does RANKL treatment make cells respond differently to infection at 4h</a:t>
+            </a:r>
+            <a:endParaRPr lang="en-US" sz="1600" b="0" dirty="0">
+              <a:effectLst/>
+            </a:endParaRPr>
+          </a:p>
+          <a:p>
+            <a:pPr lvl="1"/>
+            <a:r>
+              <a:rPr lang="en-GB" sz="1600" b="0" dirty="0">
+                <a:effectLst/>
+              </a:rPr>
+              <a:t>Does RANKL treatment make cells respond differently to infection at 24h</a:t>
+            </a:r>
+          </a:p>
+          <a:p>
+            <a:pPr lvl="1"/>
+            <a:r>
+              <a:rPr lang="en-RU" sz="1600" dirty="0"/>
+              <a:t>Does RANKL impact the infection response over time?</a:t>
+            </a:r>
+          </a:p>
+          <a:p>
+            <a:r>
+              <a:rPr lang="en-RU" sz="1600" dirty="0"/>
+              <a:t>More complex statistical modelling. May be harder to interpret </a:t>
+            </a:r>
+          </a:p>
+        </p:txBody>
+      </p:sp>
+      <p:sp>
+        <p:nvSpPr>
+          <p:cNvPr id="4" name="Title 1">
+            <a:extLst>
+              <a:ext uri="{FF2B5EF4-FFF2-40B4-BE49-F238E27FC236}">
+                <a16:creationId xmlns:a16="http://schemas.microsoft.com/office/drawing/2014/main" id="{0C06C767-F3EB-8005-4AD5-FC587542246A}"/>
+              </a:ext>
+            </a:extLst>
+          </p:cNvPr>
+          <p:cNvSpPr txBox="1">
+            <a:spLocks/>
+          </p:cNvSpPr>
+          <p:nvPr/>
+        </p:nvSpPr>
+        <p:spPr>
+          <a:xfrm>
+            <a:off x="459904" y="252998"/>
+            <a:ext cx="10515600" cy="1325563"/>
+          </a:xfrm>
+          <a:prstGeom prst="rect">
+            <a:avLst/>
+          </a:prstGeom>
+        </p:spPr>
+        <p:txBody>
+          <a:bodyPr vert="horz" lIns="91440" tIns="45720" rIns="91440" bIns="45720" rtlCol="0" anchor="ctr">
+            <a:normAutofit/>
+          </a:bodyPr>
+          <a:lstStyle>
+            <a:lvl1pPr algn="l" defTabSz="914400" rtl="0" eaLnBrk="1" latinLnBrk="0" hangingPunct="1">
+              <a:lnSpc>
+                <a:spcPct val="90000"/>
+              </a:lnSpc>
+              <a:spcBef>
+                <a:spcPct val="0"/>
+              </a:spcBef>
+              <a:buNone/>
+              <a:defRPr sz="4400" kern="1200">
+                <a:solidFill>
+                  <a:schemeClr val="tx1"/>
+                </a:solidFill>
+                <a:latin typeface="+mj-lt"/>
+                <a:ea typeface="+mj-ea"/>
+                <a:cs typeface="+mj-cs"/>
+              </a:defRPr>
+            </a:lvl1pPr>
+          </a:lstStyle>
+          <a:p>
+            <a:r>
+              <a:rPr lang="en-RU" dirty="0"/>
+              <a:t>Approaches to the analysis</a:t>
+            </a:r>
+          </a:p>
+        </p:txBody>
+      </p:sp>
+    </p:spTree>
+    <p:extLst>
+      <p:ext uri="{BB962C8B-B14F-4D97-AF65-F5344CB8AC3E}">
+        <p14:creationId xmlns:p14="http://schemas.microsoft.com/office/powerpoint/2010/main" val="3512436510"/>
+      </p:ext>
+    </p:extLst>
+  </p:cSld>
+  <p:clrMapOvr>
+    <a:masterClrMapping/>
+  </p:clrMapOvr>
+</p:sld>
+</file>
+
+<file path=ppt/slides/slide4.xml><?xml version="1.0" encoding="utf-8"?>
+<p:sld xmlns:a="http://schemas.openxmlformats.org/drawingml/2006/main" xmlns:r="http://schemas.openxmlformats.org/officeDocument/2006/relationships" xmlns:p="http://schemas.openxmlformats.org/presentationml/2006/main">
+  <p:cSld>
+    <p:spTree>
+      <p:nvGrpSpPr>
+        <p:cNvPr id="1" name=""/>
+        <p:cNvGrpSpPr/>
+        <p:nvPr/>
+      </p:nvGrpSpPr>
+      <p:grpSpPr>
+        <a:xfrm>
+          <a:off x="0" y="0"/>
+          <a:ext cx="0" cy="0"/>
+          <a:chOff x="0" y="0"/>
+          <a:chExt cx="0" cy="0"/>
+        </a:xfrm>
+      </p:grpSpPr>
+      <p:sp>
+        <p:nvSpPr>
+          <p:cNvPr id="2" name="Title 1">
+            <a:extLst>
+              <a:ext uri="{FF2B5EF4-FFF2-40B4-BE49-F238E27FC236}">
+                <a16:creationId xmlns:a16="http://schemas.microsoft.com/office/drawing/2014/main" id="{ABD40B9D-8A29-F23F-0898-643CDB2DA827}"/>
+              </a:ext>
+            </a:extLst>
+          </p:cNvPr>
+          <p:cNvSpPr>
+            <a:spLocks noGrp="1"/>
+          </p:cNvSpPr>
+          <p:nvPr>
+            <p:ph type="title"/>
+          </p:nvPr>
+        </p:nvSpPr>
+        <p:spPr>
+          <a:xfrm>
+            <a:off x="332873" y="244810"/>
+            <a:ext cx="10515600" cy="597401"/>
+          </a:xfrm>
+        </p:spPr>
+        <p:txBody>
+          <a:bodyPr>
+            <a:normAutofit/>
+          </a:bodyPr>
+          <a:lstStyle/>
+          <a:p>
+            <a:r>
+              <a:rPr lang="en-RU" sz="3200" dirty="0"/>
+              <a:t>GSE terms pooling </a:t>
+            </a:r>
+          </a:p>
+        </p:txBody>
+      </p:sp>
+      <p:sp>
+        <p:nvSpPr>
+          <p:cNvPr id="3" name="Content Placeholder 2">
+            <a:extLst>
+              <a:ext uri="{FF2B5EF4-FFF2-40B4-BE49-F238E27FC236}">
+                <a16:creationId xmlns:a16="http://schemas.microsoft.com/office/drawing/2014/main" id="{19D7FB98-D1A7-A025-BFFC-56C4FA014230}"/>
+              </a:ext>
+            </a:extLst>
+          </p:cNvPr>
+          <p:cNvSpPr>
+            <a:spLocks noGrp="1"/>
+          </p:cNvSpPr>
+          <p:nvPr>
+            <p:ph idx="1"/>
+          </p:nvPr>
+        </p:nvSpPr>
+        <p:spPr>
+          <a:xfrm>
+            <a:off x="332873" y="952583"/>
+            <a:ext cx="11153273" cy="5436185"/>
+          </a:xfrm>
+        </p:spPr>
+        <p:txBody>
+          <a:bodyPr>
+            <a:noAutofit/>
+          </a:bodyPr>
+          <a:lstStyle/>
+          <a:p>
+            <a:pPr marL="0" indent="0">
+              <a:buNone/>
+            </a:pPr>
+            <a:r>
+              <a:rPr lang="en-RU" sz="1800" dirty="0"/>
+              <a:t>Steps emplyed:</a:t>
+            </a:r>
+          </a:p>
+          <a:p>
+            <a:pPr marL="0" indent="0">
+              <a:buNone/>
+            </a:pPr>
+            <a:endParaRPr lang="en-RU" sz="1800" dirty="0"/>
+          </a:p>
+          <a:p>
+            <a:pPr marL="342900" indent="-342900">
+              <a:buAutoNum type="arabicPeriod"/>
+            </a:pPr>
+            <a:r>
+              <a:rPr lang="en-RU" sz="1800" dirty="0"/>
+              <a:t>Set contrasts: A) pair-wise contrasts combinations; B) granular specific contrats</a:t>
+            </a:r>
+          </a:p>
+          <a:p>
+            <a:pPr marL="342900" indent="-342900">
+              <a:buAutoNum type="arabicPeriod"/>
+            </a:pPr>
+            <a:r>
+              <a:rPr lang="en-GB" sz="1800" b="0" i="0" dirty="0">
+                <a:solidFill>
+                  <a:srgbClr val="CCCCCC"/>
+                </a:solidFill>
+                <a:effectLst/>
+                <a:latin typeface="-apple-system"/>
+              </a:rPr>
+              <a:t>Calculate differential expression for each comparison</a:t>
+            </a:r>
+          </a:p>
+          <a:p>
+            <a:pPr marL="342900" indent="-342900">
+              <a:buAutoNum type="arabicPeriod"/>
+            </a:pPr>
+            <a:r>
+              <a:rPr lang="en-GB" sz="1800" b="0" i="0" dirty="0">
+                <a:solidFill>
+                  <a:srgbClr val="CCCCCC"/>
+                </a:solidFill>
+                <a:effectLst/>
+                <a:latin typeface="-apple-system"/>
+              </a:rPr>
+              <a:t>Run GSEA across four pathway databases (Hallmark, KEGG, GO:BP, REACTOME)</a:t>
+            </a:r>
+          </a:p>
+          <a:p>
+            <a:pPr marL="342900" indent="-342900">
+              <a:buAutoNum type="arabicPeriod"/>
+            </a:pPr>
+            <a:r>
+              <a:rPr lang="en-GB" sz="1800" b="0" i="0" dirty="0">
+                <a:solidFill>
+                  <a:srgbClr val="CCCCCC"/>
+                </a:solidFill>
+                <a:effectLst/>
+                <a:latin typeface="-apple-system"/>
+              </a:rPr>
+              <a:t>Pool significant pathways across all comparisons</a:t>
+            </a:r>
+          </a:p>
+          <a:p>
+            <a:pPr marL="342900" indent="-342900">
+              <a:buAutoNum type="arabicPeriod"/>
+            </a:pPr>
+            <a:r>
+              <a:rPr lang="en-GB" sz="1800" b="0" i="0" dirty="0">
+                <a:solidFill>
+                  <a:srgbClr val="CCCCCC"/>
+                </a:solidFill>
+                <a:effectLst/>
+                <a:latin typeface="-apple-system"/>
+              </a:rPr>
+              <a:t>Generate pathway activity scores</a:t>
+            </a:r>
+          </a:p>
+          <a:p>
+            <a:pPr marL="342900" indent="-342900">
+              <a:buAutoNum type="arabicPeriod"/>
+            </a:pPr>
+            <a:r>
+              <a:rPr lang="en-GB" sz="1800" b="0" i="0" dirty="0">
+                <a:solidFill>
+                  <a:srgbClr val="CCCCCC"/>
+                </a:solidFill>
+                <a:effectLst/>
+                <a:latin typeface="-apple-system"/>
+              </a:rPr>
+              <a:t>Visualize results in ordered heatmaps showing pathway </a:t>
+            </a:r>
+            <a:r>
+              <a:rPr lang="en-GB" sz="1800" b="0" i="0" dirty="0" err="1">
+                <a:solidFill>
+                  <a:srgbClr val="CCCCCC"/>
+                </a:solidFill>
+                <a:effectLst/>
+                <a:latin typeface="-apple-system"/>
+              </a:rPr>
+              <a:t>behavior</a:t>
+            </a:r>
+            <a:r>
+              <a:rPr lang="en-GB" sz="1800" b="0" i="0" dirty="0">
+                <a:solidFill>
+                  <a:srgbClr val="CCCCCC"/>
+                </a:solidFill>
+                <a:effectLst/>
+                <a:latin typeface="-apple-system"/>
+              </a:rPr>
+              <a:t> across all conditions</a:t>
+            </a:r>
+            <a:endParaRPr lang="en-RU" sz="1800" dirty="0"/>
+          </a:p>
+          <a:p>
+            <a:pPr marL="0" indent="0">
+              <a:buNone/>
+            </a:pPr>
+            <a:endParaRPr lang="en-RU" sz="1800" dirty="0"/>
+          </a:p>
+          <a:p>
+            <a:pPr marL="0" indent="0">
+              <a:buNone/>
+            </a:pPr>
+            <a:endParaRPr lang="en-RU" sz="1800" dirty="0"/>
+          </a:p>
+        </p:txBody>
+      </p:sp>
+    </p:spTree>
+    <p:extLst>
+      <p:ext uri="{BB962C8B-B14F-4D97-AF65-F5344CB8AC3E}">
+        <p14:creationId xmlns:p14="http://schemas.microsoft.com/office/powerpoint/2010/main" val="4270128542"/>
+      </p:ext>
+    </p:extLst>
+  </p:cSld>
+  <p:clrMapOvr>
+    <a:masterClrMapping/>
+  </p:clrMapOvr>
+</p:sld>
+</file>
+
+<file path=ppt/slides/slide5.xml><?xml version="1.0" encoding="utf-8"?>
+<p:sld xmlns:a="http://schemas.openxmlformats.org/drawingml/2006/main" xmlns:r="http://schemas.openxmlformats.org/officeDocument/2006/relationships" xmlns:p="http://schemas.openxmlformats.org/presentationml/2006/main">
+  <p:cSld>
+    <p:spTree>
+      <p:nvGrpSpPr>
+        <p:cNvPr id="1" name="">
+          <a:extLst>
+            <a:ext uri="{FF2B5EF4-FFF2-40B4-BE49-F238E27FC236}">
+              <a16:creationId xmlns:a16="http://schemas.microsoft.com/office/drawing/2014/main" id="{32908E72-5965-B6B7-29D9-F0000664B10B}"/>
+            </a:ext>
+          </a:extLst>
+        </p:cNvPr>
+        <p:cNvGrpSpPr/>
+        <p:nvPr/>
+      </p:nvGrpSpPr>
+      <p:grpSpPr>
+        <a:xfrm>
+          <a:off x="0" y="0"/>
+          <a:ext cx="0" cy="0"/>
+          <a:chOff x="0" y="0"/>
+          <a:chExt cx="0" cy="0"/>
+        </a:xfrm>
+      </p:grpSpPr>
+      <p:sp>
+        <p:nvSpPr>
+          <p:cNvPr id="2" name="Title 1">
+            <a:extLst>
+              <a:ext uri="{FF2B5EF4-FFF2-40B4-BE49-F238E27FC236}">
+                <a16:creationId xmlns:a16="http://schemas.microsoft.com/office/drawing/2014/main" id="{1DF5DE3D-EE13-977A-4202-8E33DF40EFEC}"/>
+              </a:ext>
+            </a:extLst>
+          </p:cNvPr>
+          <p:cNvSpPr>
+            <a:spLocks noGrp="1"/>
+          </p:cNvSpPr>
+          <p:nvPr>
+            <p:ph type="title"/>
+          </p:nvPr>
+        </p:nvSpPr>
+        <p:spPr>
+          <a:xfrm>
+            <a:off x="332873" y="244810"/>
+            <a:ext cx="10515600" cy="597401"/>
+          </a:xfrm>
+        </p:spPr>
+        <p:txBody>
+          <a:bodyPr>
+            <a:normAutofit/>
+          </a:bodyPr>
+          <a:lstStyle/>
+          <a:p>
+            <a:r>
+              <a:rPr lang="en-RU" sz="3200" dirty="0"/>
+              <a:t>Systems modelling approach </a:t>
+            </a:r>
+          </a:p>
+        </p:txBody>
+      </p:sp>
+      <p:sp>
+        <p:nvSpPr>
+          <p:cNvPr id="3" name="Content Placeholder 2">
+            <a:extLst>
+              <a:ext uri="{FF2B5EF4-FFF2-40B4-BE49-F238E27FC236}">
+                <a16:creationId xmlns:a16="http://schemas.microsoft.com/office/drawing/2014/main" id="{11D0CD11-E63C-DB4A-EDB8-81D650DB4360}"/>
+              </a:ext>
+            </a:extLst>
+          </p:cNvPr>
+          <p:cNvSpPr>
+            <a:spLocks noGrp="1"/>
+          </p:cNvSpPr>
+          <p:nvPr>
+            <p:ph idx="1"/>
+          </p:nvPr>
+        </p:nvSpPr>
+        <p:spPr>
+          <a:xfrm>
+            <a:off x="332873" y="952583"/>
+            <a:ext cx="11153273" cy="5436185"/>
+          </a:xfrm>
+        </p:spPr>
+        <p:txBody>
+          <a:bodyPr>
+            <a:noAutofit/>
+          </a:bodyPr>
+          <a:lstStyle/>
+          <a:p>
+            <a:pPr marL="0" indent="0">
+              <a:buNone/>
+            </a:pPr>
+            <a:r>
+              <a:rPr lang="en-RU" sz="1800" dirty="0"/>
+              <a:t>Steps emplyed:</a:t>
+            </a:r>
+          </a:p>
+          <a:p>
+            <a:pPr marL="0" indent="0">
+              <a:buNone/>
+            </a:pPr>
+            <a:endParaRPr lang="en-RU" sz="1800" dirty="0"/>
+          </a:p>
+          <a:p>
+            <a:pPr marL="342900" indent="-342900">
+              <a:buAutoNum type="arabicPeriod"/>
+            </a:pPr>
+            <a:r>
+              <a:rPr lang="en-RU" sz="1800" dirty="0"/>
+              <a:t>Set all possible pairwise comparisons contrasts</a:t>
+            </a:r>
+          </a:p>
+          <a:p>
+            <a:pPr marL="342900" indent="-342900">
+              <a:buAutoNum type="arabicPeriod"/>
+            </a:pPr>
+            <a:r>
+              <a:rPr lang="en-GB" sz="1800" b="0" i="0" dirty="0">
+                <a:solidFill>
+                  <a:srgbClr val="CCCCCC"/>
+                </a:solidFill>
+                <a:effectLst/>
+                <a:latin typeface="-apple-system"/>
+              </a:rPr>
+              <a:t>Calculate differential expression for each comparison</a:t>
+            </a:r>
+          </a:p>
+          <a:p>
+            <a:pPr marL="342900" indent="-342900">
+              <a:buAutoNum type="arabicPeriod"/>
+            </a:pPr>
+            <a:r>
+              <a:rPr lang="en-GB" sz="1800" b="0" i="0" dirty="0">
+                <a:solidFill>
+                  <a:srgbClr val="CCCCCC"/>
+                </a:solidFill>
+                <a:effectLst/>
+                <a:latin typeface="-apple-system"/>
+              </a:rPr>
+              <a:t>Run GSEA across four pathway databases (Hallmark, KEGG, GO:BP, REACTOME)</a:t>
+            </a:r>
+          </a:p>
+          <a:p>
+            <a:pPr marL="342900" indent="-342900">
+              <a:buAutoNum type="arabicPeriod"/>
+            </a:pPr>
+            <a:r>
+              <a:rPr lang="en-GB" sz="1800" b="0" i="0" dirty="0">
+                <a:solidFill>
+                  <a:srgbClr val="CCCCCC"/>
+                </a:solidFill>
+                <a:effectLst/>
+                <a:latin typeface="-apple-system"/>
+              </a:rPr>
+              <a:t>Pool significant pathways across all comparisons</a:t>
+            </a:r>
+          </a:p>
+          <a:p>
+            <a:pPr marL="342900" indent="-342900">
+              <a:buAutoNum type="arabicPeriod"/>
+            </a:pPr>
+            <a:r>
+              <a:rPr lang="en-GB" sz="1800" b="0" i="0" dirty="0">
+                <a:solidFill>
+                  <a:srgbClr val="CCCCCC"/>
+                </a:solidFill>
+                <a:effectLst/>
+                <a:latin typeface="-apple-system"/>
+              </a:rPr>
+              <a:t>Generate pathway activity scores</a:t>
+            </a:r>
+          </a:p>
+          <a:p>
+            <a:pPr marL="342900" indent="-342900">
+              <a:buAutoNum type="arabicPeriod"/>
+            </a:pPr>
+            <a:r>
+              <a:rPr lang="en-GB" sz="1800" b="0" i="0" dirty="0">
+                <a:solidFill>
+                  <a:srgbClr val="CCCCCC"/>
+                </a:solidFill>
+                <a:effectLst/>
+                <a:latin typeface="-apple-system"/>
+              </a:rPr>
+              <a:t>Visualize results in ordered heatmaps showing pathway </a:t>
+            </a:r>
+            <a:r>
+              <a:rPr lang="en-GB" sz="1800" b="0" i="0" dirty="0" err="1">
+                <a:solidFill>
+                  <a:srgbClr val="CCCCCC"/>
+                </a:solidFill>
+                <a:effectLst/>
+                <a:latin typeface="-apple-system"/>
+              </a:rPr>
+              <a:t>behavior</a:t>
+            </a:r>
+            <a:r>
+              <a:rPr lang="en-GB" sz="1800" b="0" i="0" dirty="0">
+                <a:solidFill>
+                  <a:srgbClr val="CCCCCC"/>
+                </a:solidFill>
+                <a:effectLst/>
+                <a:latin typeface="-apple-system"/>
+              </a:rPr>
+              <a:t> across all conditions</a:t>
+            </a:r>
+            <a:endParaRPr lang="en-RU" sz="1800" dirty="0"/>
+          </a:p>
+          <a:p>
+            <a:pPr marL="0" indent="0">
+              <a:buNone/>
+            </a:pPr>
+            <a:endParaRPr lang="en-RU" sz="1800" dirty="0"/>
+          </a:p>
+          <a:p>
+            <a:pPr marL="0" indent="0">
+              <a:buNone/>
+            </a:pPr>
+            <a:endParaRPr lang="en-RU" sz="1800" dirty="0"/>
+          </a:p>
+        </p:txBody>
+      </p:sp>
+      <p:sp>
+        <p:nvSpPr>
+          <p:cNvPr id="4" name="Rectangle 3">
+            <a:extLst>
+              <a:ext uri="{FF2B5EF4-FFF2-40B4-BE49-F238E27FC236}">
+                <a16:creationId xmlns:a16="http://schemas.microsoft.com/office/drawing/2014/main" id="{3B473FBD-7DE9-771B-4E03-3E827587E3E3}"/>
+              </a:ext>
+            </a:extLst>
+          </p:cNvPr>
+          <p:cNvSpPr/>
+          <p:nvPr/>
+        </p:nvSpPr>
+        <p:spPr>
+          <a:xfrm>
+            <a:off x="332873" y="2117558"/>
+            <a:ext cx="11470106" cy="4535905"/>
+          </a:xfrm>
+          <a:prstGeom prst="rect">
+            <a:avLst/>
+          </a:prstGeom>
+          <a:solidFill>
+            <a:schemeClr val="bg1">
+              <a:lumMod val="85000"/>
+            </a:schemeClr>
+          </a:solidFill>
+          <a:ln w="38100">
+            <a:solidFill>
+              <a:schemeClr val="tx1">
+                <a:lumMod val="75000"/>
+                <a:lumOff val="25000"/>
+              </a:schemeClr>
+            </a:solidFill>
+          </a:ln>
+        </p:spPr>
+        <p:style>
+          <a:lnRef idx="2">
+            <a:schemeClr val="accent1">
+              <a:shade val="15000"/>
+            </a:schemeClr>
+          </a:lnRef>
+          <a:fillRef idx="1">
+            <a:schemeClr val="accent1"/>
+          </a:fillRef>
+          <a:effectRef idx="0">
+            <a:schemeClr val="accent1"/>
+          </a:effectRef>
+          <a:fontRef idx="minor">
+            <a:schemeClr val="lt1"/>
+          </a:fontRef>
+        </p:style>
+        <p:txBody>
+          <a:bodyPr rtlCol="0" anchor="ctr"/>
+          <a:lstStyle/>
+          <a:p>
+            <a:pPr algn="ctr"/>
+            <a:endParaRPr lang="en-RU"/>
+          </a:p>
+        </p:txBody>
+      </p:sp>
+      <p:graphicFrame>
+        <p:nvGraphicFramePr>
+          <p:cNvPr id="6" name="Table 5">
+            <a:extLst>
+              <a:ext uri="{FF2B5EF4-FFF2-40B4-BE49-F238E27FC236}">
+                <a16:creationId xmlns:a16="http://schemas.microsoft.com/office/drawing/2014/main" id="{15185ADB-C6BE-CF76-4A51-A85B256E064F}"/>
+              </a:ext>
+            </a:extLst>
+          </p:cNvPr>
+          <p:cNvGraphicFramePr>
+            <a:graphicFrameLocks noGrp="1"/>
+          </p:cNvGraphicFramePr>
+          <p:nvPr>
+            <p:extLst>
+              <p:ext uri="{D42A27DB-BD31-4B8C-83A1-F6EECF244321}">
+                <p14:modId xmlns:p14="http://schemas.microsoft.com/office/powerpoint/2010/main" val="4258220030"/>
+              </p:ext>
+            </p:extLst>
+          </p:nvPr>
+        </p:nvGraphicFramePr>
+        <p:xfrm>
+          <a:off x="1695117" y="3088454"/>
+          <a:ext cx="8128000" cy="3332480"/>
+        </p:xfrm>
+        <a:graphic>
+          <a:graphicData uri="http://schemas.openxmlformats.org/drawingml/2006/table">
+            <a:tbl>
+              <a:tblPr firstRow="1" bandRow="1">
+                <a:tableStyleId>{5C22544A-7EE6-4342-B048-85BDC9FD1C3A}</a:tableStyleId>
+              </a:tblPr>
+              <a:tblGrid>
+                <a:gridCol w="4064000">
+                  <a:extLst>
+                    <a:ext uri="{9D8B030D-6E8A-4147-A177-3AD203B41FA5}">
+                      <a16:colId xmlns:a16="http://schemas.microsoft.com/office/drawing/2014/main" val="3096202621"/>
+                    </a:ext>
+                  </a:extLst>
+                </a:gridCol>
+                <a:gridCol w="4064000">
+                  <a:extLst>
+                    <a:ext uri="{9D8B030D-6E8A-4147-A177-3AD203B41FA5}">
+                      <a16:colId xmlns:a16="http://schemas.microsoft.com/office/drawing/2014/main" val="1807917024"/>
+                    </a:ext>
+                  </a:extLst>
+                </a:gridCol>
+              </a:tblGrid>
+              <a:tr h="370840">
+                <a:tc>
+                  <a:txBody>
+                    <a:bodyPr/>
+                    <a:lstStyle/>
+                    <a:p>
+                      <a:r>
+                        <a:rPr lang="en-RU" dirty="0"/>
+                        <a:t>Question</a:t>
+                      </a:r>
+                    </a:p>
+                  </a:txBody>
+                  <a:tcPr/>
+                </a:tc>
+                <a:tc>
+                  <a:txBody>
+                    <a:bodyPr/>
+                    <a:lstStyle/>
+                    <a:p>
+                      <a:r>
+                        <a:rPr lang="en-RU" dirty="0"/>
+                        <a:t>Statistical contrast </a:t>
+                      </a:r>
+                    </a:p>
+                  </a:txBody>
+                  <a:tcPr/>
+                </a:tc>
+                <a:extLst>
+                  <a:ext uri="{0D108BD9-81ED-4DB2-BD59-A6C34878D82A}">
+                    <a16:rowId xmlns:a16="http://schemas.microsoft.com/office/drawing/2014/main" val="474181803"/>
+                  </a:ext>
+                </a:extLst>
+              </a:tr>
+              <a:tr h="0">
+                <a:tc>
+                  <a:txBody>
+                    <a:bodyPr/>
+                    <a:lstStyle/>
+                    <a:p>
+                      <a:pPr marL="0" marR="0" lvl="0" indent="0" algn="l" defTabSz="914400" rtl="0" eaLnBrk="1" fontAlgn="auto" latinLnBrk="0" hangingPunct="1">
+                        <a:lnSpc>
+                          <a:spcPct val="100000"/>
+                        </a:lnSpc>
+                        <a:spcBef>
+                          <a:spcPts val="0"/>
+                        </a:spcBef>
+                        <a:spcAft>
+                          <a:spcPts val="0"/>
+                        </a:spcAft>
+                        <a:buClrTx/>
+                        <a:buSzTx/>
+                        <a:buFontTx/>
+                        <a:buNone/>
+                        <a:tabLst/>
+                        <a:defRPr/>
+                      </a:pPr>
+                      <a:r>
+                        <a:rPr lang="en-GB" sz="1800" b="0" kern="1200" dirty="0" err="1">
+                          <a:solidFill>
+                            <a:schemeClr val="dk1"/>
+                          </a:solidFill>
+                          <a:effectLst/>
+                          <a:latin typeface="+mn-lt"/>
+                          <a:ea typeface="+mn-ea"/>
+                          <a:cs typeface="+mn-cs"/>
+                        </a:rPr>
+                        <a:t>STm</a:t>
+                      </a:r>
+                      <a:r>
+                        <a:rPr lang="en-GB" sz="1800" b="0" kern="1200" dirty="0">
+                          <a:solidFill>
+                            <a:schemeClr val="dk1"/>
+                          </a:solidFill>
+                          <a:effectLst/>
+                          <a:latin typeface="+mn-lt"/>
+                          <a:ea typeface="+mn-ea"/>
+                          <a:cs typeface="+mn-cs"/>
+                        </a:rPr>
+                        <a:t> effect without RANKL at 4h</a:t>
+                      </a:r>
+                    </a:p>
+                  </a:txBody>
+                  <a:tcPr/>
+                </a:tc>
+                <a:tc>
+                  <a:txBody>
+                    <a:bodyPr/>
+                    <a:lstStyle/>
+                    <a:p>
+                      <a:r>
+                        <a:rPr lang="en-GB" sz="1800" b="0" kern="1200" dirty="0">
+                          <a:solidFill>
+                            <a:schemeClr val="dk1"/>
+                          </a:solidFill>
+                          <a:effectLst/>
+                          <a:latin typeface="+mn-lt"/>
+                          <a:ea typeface="+mn-ea"/>
+                          <a:cs typeface="+mn-cs"/>
+                        </a:rPr>
+                        <a:t>t4h_STm_0 - t4h_mock_0</a:t>
+                      </a:r>
+                    </a:p>
+                  </a:txBody>
+                  <a:tcPr/>
+                </a:tc>
+                <a:extLst>
+                  <a:ext uri="{0D108BD9-81ED-4DB2-BD59-A6C34878D82A}">
+                    <a16:rowId xmlns:a16="http://schemas.microsoft.com/office/drawing/2014/main" val="1467519171"/>
+                  </a:ext>
+                </a:extLst>
+              </a:tr>
+              <a:tr h="370840">
+                <a:tc>
+                  <a:txBody>
+                    <a:bodyPr/>
+                    <a:lstStyle/>
+                    <a:p>
+                      <a:r>
+                        <a:rPr lang="en-GB" sz="1800" b="0" kern="1200" dirty="0" err="1">
+                          <a:solidFill>
+                            <a:schemeClr val="dk1"/>
+                          </a:solidFill>
+                          <a:effectLst/>
+                          <a:latin typeface="+mn-lt"/>
+                          <a:ea typeface="+mn-ea"/>
+                          <a:cs typeface="+mn-cs"/>
+                        </a:rPr>
+                        <a:t>STm</a:t>
+                      </a:r>
+                      <a:r>
+                        <a:rPr lang="en-GB" sz="1800" b="0" kern="1200" dirty="0">
+                          <a:solidFill>
+                            <a:schemeClr val="dk1"/>
+                          </a:solidFill>
+                          <a:effectLst/>
+                          <a:latin typeface="+mn-lt"/>
+                          <a:ea typeface="+mn-ea"/>
+                          <a:cs typeface="+mn-cs"/>
+                        </a:rPr>
+                        <a:t> effect with RANKL at 4h</a:t>
+                      </a:r>
+                    </a:p>
+                  </a:txBody>
+                  <a:tcPr/>
+                </a:tc>
+                <a:tc>
+                  <a:txBody>
+                    <a:bodyPr/>
+                    <a:lstStyle/>
+                    <a:p>
+                      <a:r>
+                        <a:rPr lang="en-GB" sz="1800" b="0" kern="1200" dirty="0">
+                          <a:solidFill>
+                            <a:schemeClr val="dk1"/>
+                          </a:solidFill>
+                          <a:effectLst/>
+                          <a:latin typeface="+mn-lt"/>
+                          <a:ea typeface="+mn-ea"/>
+                          <a:cs typeface="+mn-cs"/>
+                        </a:rPr>
+                        <a:t>t4h_STm_100 - t4h_mock_100</a:t>
+                      </a:r>
+                    </a:p>
+                  </a:txBody>
+                  <a:tcPr/>
+                </a:tc>
+                <a:extLst>
+                  <a:ext uri="{0D108BD9-81ED-4DB2-BD59-A6C34878D82A}">
+                    <a16:rowId xmlns:a16="http://schemas.microsoft.com/office/drawing/2014/main" val="2095208766"/>
+                  </a:ext>
+                </a:extLst>
+              </a:tr>
+              <a:tr h="370840">
+                <a:tc>
+                  <a:txBody>
+                    <a:bodyPr/>
+                    <a:lstStyle/>
+                    <a:p>
+                      <a:r>
+                        <a:rPr lang="en-GB" sz="1800" b="0" kern="1200" dirty="0">
+                          <a:solidFill>
+                            <a:schemeClr val="dk1"/>
+                          </a:solidFill>
+                          <a:effectLst/>
+                          <a:latin typeface="+mn-lt"/>
+                          <a:ea typeface="+mn-ea"/>
+                          <a:cs typeface="+mn-cs"/>
+                        </a:rPr>
+                        <a:t>RANKL effect without infection at 4h</a:t>
+                      </a:r>
+                    </a:p>
+                  </a:txBody>
+                  <a:tcPr/>
+                </a:tc>
+                <a:tc>
+                  <a:txBody>
+                    <a:bodyPr/>
+                    <a:lstStyle/>
+                    <a:p>
+                      <a:r>
+                        <a:rPr lang="en-GB" sz="1800" b="0" kern="1200" dirty="0">
+                          <a:solidFill>
+                            <a:schemeClr val="dk1"/>
+                          </a:solidFill>
+                          <a:effectLst/>
+                          <a:latin typeface="+mn-lt"/>
+                          <a:ea typeface="+mn-ea"/>
+                          <a:cs typeface="+mn-cs"/>
+                        </a:rPr>
+                        <a:t>t4h_mock_100 - t4h_mock_0</a:t>
+                      </a:r>
+                    </a:p>
+                  </a:txBody>
+                  <a:tcPr/>
+                </a:tc>
+                <a:extLst>
+                  <a:ext uri="{0D108BD9-81ED-4DB2-BD59-A6C34878D82A}">
+                    <a16:rowId xmlns:a16="http://schemas.microsoft.com/office/drawing/2014/main" val="3020068162"/>
+                  </a:ext>
+                </a:extLst>
+              </a:tr>
+              <a:tr h="370840">
+                <a:tc>
+                  <a:txBody>
+                    <a:bodyPr/>
+                    <a:lstStyle/>
+                    <a:p>
+                      <a:pPr marL="0" marR="0" lvl="0" indent="0" algn="l" defTabSz="914400" rtl="0" eaLnBrk="1" fontAlgn="auto" latinLnBrk="0" hangingPunct="1">
+                        <a:lnSpc>
+                          <a:spcPct val="100000"/>
+                        </a:lnSpc>
+                        <a:spcBef>
+                          <a:spcPts val="0"/>
+                        </a:spcBef>
+                        <a:spcAft>
+                          <a:spcPts val="0"/>
+                        </a:spcAft>
+                        <a:buClrTx/>
+                        <a:buSzTx/>
+                        <a:buFontTx/>
+                        <a:buNone/>
+                        <a:tabLst/>
+                        <a:defRPr/>
+                      </a:pPr>
+                      <a:r>
+                        <a:rPr lang="en-GB" sz="1800" b="0" kern="1200" dirty="0">
+                          <a:solidFill>
+                            <a:schemeClr val="dk1"/>
+                          </a:solidFill>
+                          <a:effectLst/>
+                          <a:latin typeface="+mn-lt"/>
+                          <a:ea typeface="+mn-ea"/>
+                          <a:cs typeface="+mn-cs"/>
+                        </a:rPr>
+                        <a:t>RANKL effect with infection at 4h</a:t>
+                      </a:r>
+                    </a:p>
+                  </a:txBody>
+                  <a:tcPr/>
+                </a:tc>
+                <a:tc>
+                  <a:txBody>
+                    <a:bodyPr/>
+                    <a:lstStyle/>
+                    <a:p>
+                      <a:pPr marL="0" marR="0" lvl="0" indent="0" algn="l" defTabSz="914400" rtl="0" eaLnBrk="1" fontAlgn="auto" latinLnBrk="0" hangingPunct="1">
+                        <a:lnSpc>
+                          <a:spcPct val="100000"/>
+                        </a:lnSpc>
+                        <a:spcBef>
+                          <a:spcPts val="0"/>
+                        </a:spcBef>
+                        <a:spcAft>
+                          <a:spcPts val="0"/>
+                        </a:spcAft>
+                        <a:buClrTx/>
+                        <a:buSzTx/>
+                        <a:buFontTx/>
+                        <a:buNone/>
+                        <a:tabLst/>
+                        <a:defRPr/>
+                      </a:pPr>
+                      <a:r>
+                        <a:rPr lang="en-GB" sz="1800" b="0" kern="1200" dirty="0">
+                          <a:solidFill>
+                            <a:schemeClr val="dk1"/>
+                          </a:solidFill>
+                          <a:effectLst/>
+                          <a:latin typeface="+mn-lt"/>
+                          <a:ea typeface="+mn-ea"/>
+                          <a:cs typeface="+mn-cs"/>
+                        </a:rPr>
+                        <a:t>t4h_STm_100 - t4h_STm_0</a:t>
+                      </a:r>
+                    </a:p>
+                  </a:txBody>
+                  <a:tcPr/>
+                </a:tc>
+                <a:extLst>
+                  <a:ext uri="{0D108BD9-81ED-4DB2-BD59-A6C34878D82A}">
+                    <a16:rowId xmlns:a16="http://schemas.microsoft.com/office/drawing/2014/main" val="430349434"/>
+                  </a:ext>
+                </a:extLst>
+              </a:tr>
+              <a:tr h="370840">
+                <a:tc>
+                  <a:txBody>
+                    <a:bodyPr/>
+                    <a:lstStyle/>
+                    <a:p>
+                      <a:pPr marL="0" marR="0" lvl="0" indent="0" algn="l" defTabSz="914400" rtl="0" eaLnBrk="1" fontAlgn="auto" latinLnBrk="0" hangingPunct="1">
+                        <a:lnSpc>
+                          <a:spcPct val="100000"/>
+                        </a:lnSpc>
+                        <a:spcBef>
+                          <a:spcPts val="0"/>
+                        </a:spcBef>
+                        <a:spcAft>
+                          <a:spcPts val="0"/>
+                        </a:spcAft>
+                        <a:buClrTx/>
+                        <a:buSzTx/>
+                        <a:buFontTx/>
+                        <a:buNone/>
+                        <a:tabLst/>
+                        <a:defRPr/>
+                      </a:pPr>
+                      <a:r>
+                        <a:rPr lang="en-GB" sz="1800" b="0" kern="1200" dirty="0" err="1">
+                          <a:solidFill>
+                            <a:schemeClr val="dk1"/>
+                          </a:solidFill>
+                          <a:effectLst/>
+                          <a:latin typeface="+mn-lt"/>
+                          <a:ea typeface="+mn-ea"/>
+                          <a:cs typeface="+mn-cs"/>
+                        </a:rPr>
+                        <a:t>STm</a:t>
+                      </a:r>
+                      <a:r>
+                        <a:rPr lang="en-GB" sz="1800" b="0" kern="1200" dirty="0">
+                          <a:solidFill>
+                            <a:schemeClr val="dk1"/>
+                          </a:solidFill>
+                          <a:effectLst/>
+                          <a:latin typeface="+mn-lt"/>
+                          <a:ea typeface="+mn-ea"/>
+                          <a:cs typeface="+mn-cs"/>
+                        </a:rPr>
+                        <a:t> effect without RANKL at 24h</a:t>
+                      </a:r>
+                    </a:p>
+                  </a:txBody>
+                  <a:tcPr/>
+                </a:tc>
+                <a:tc>
+                  <a:txBody>
+                    <a:bodyPr/>
+                    <a:lstStyle/>
+                    <a:p>
+                      <a:pPr marL="0" marR="0" lvl="0" indent="0" algn="l" defTabSz="914400" rtl="0" eaLnBrk="1" fontAlgn="auto" latinLnBrk="0" hangingPunct="1">
+                        <a:lnSpc>
+                          <a:spcPct val="100000"/>
+                        </a:lnSpc>
+                        <a:spcBef>
+                          <a:spcPts val="0"/>
+                        </a:spcBef>
+                        <a:spcAft>
+                          <a:spcPts val="0"/>
+                        </a:spcAft>
+                        <a:buClrTx/>
+                        <a:buSzTx/>
+                        <a:buFontTx/>
+                        <a:buNone/>
+                        <a:tabLst/>
+                        <a:defRPr/>
+                      </a:pPr>
+                      <a:r>
+                        <a:rPr lang="en-GB" sz="1800" b="0" kern="1200" dirty="0">
+                          <a:solidFill>
+                            <a:schemeClr val="dk1"/>
+                          </a:solidFill>
+                          <a:effectLst/>
+                          <a:latin typeface="+mn-lt"/>
+                          <a:ea typeface="+mn-ea"/>
+                          <a:cs typeface="+mn-cs"/>
+                        </a:rPr>
+                        <a:t>t24h_STm_0 - t24h_mock_0</a:t>
+                      </a:r>
+                    </a:p>
+                  </a:txBody>
+                  <a:tcPr/>
+                </a:tc>
+                <a:extLst>
+                  <a:ext uri="{0D108BD9-81ED-4DB2-BD59-A6C34878D82A}">
+                    <a16:rowId xmlns:a16="http://schemas.microsoft.com/office/drawing/2014/main" val="811735339"/>
+                  </a:ext>
+                </a:extLst>
+              </a:tr>
+              <a:tr h="370840">
+                <a:tc>
+                  <a:txBody>
+                    <a:bodyPr/>
+                    <a:lstStyle/>
+                    <a:p>
+                      <a:pPr marL="0" marR="0" lvl="0" indent="0" algn="l" defTabSz="914400" rtl="0" eaLnBrk="1" fontAlgn="auto" latinLnBrk="0" hangingPunct="1">
+                        <a:lnSpc>
+                          <a:spcPct val="100000"/>
+                        </a:lnSpc>
+                        <a:spcBef>
+                          <a:spcPts val="0"/>
+                        </a:spcBef>
+                        <a:spcAft>
+                          <a:spcPts val="0"/>
+                        </a:spcAft>
+                        <a:buClrTx/>
+                        <a:buSzTx/>
+                        <a:buFontTx/>
+                        <a:buNone/>
+                        <a:tabLst/>
+                        <a:defRPr/>
+                      </a:pPr>
+                      <a:r>
+                        <a:rPr lang="en-GB" sz="1800" b="0" kern="1200" dirty="0" err="1">
+                          <a:solidFill>
+                            <a:schemeClr val="dk1"/>
+                          </a:solidFill>
+                          <a:effectLst/>
+                          <a:latin typeface="+mn-lt"/>
+                          <a:ea typeface="+mn-ea"/>
+                          <a:cs typeface="+mn-cs"/>
+                        </a:rPr>
+                        <a:t>STm</a:t>
+                      </a:r>
+                      <a:r>
+                        <a:rPr lang="en-GB" sz="1800" b="0" kern="1200" dirty="0">
+                          <a:solidFill>
+                            <a:schemeClr val="dk1"/>
+                          </a:solidFill>
+                          <a:effectLst/>
+                          <a:latin typeface="+mn-lt"/>
+                          <a:ea typeface="+mn-ea"/>
+                          <a:cs typeface="+mn-cs"/>
+                        </a:rPr>
+                        <a:t> effect with RANKL at 24h</a:t>
+                      </a:r>
+                    </a:p>
+                  </a:txBody>
+                  <a:tcPr/>
+                </a:tc>
+                <a:tc>
+                  <a:txBody>
+                    <a:bodyPr/>
+                    <a:lstStyle/>
+                    <a:p>
+                      <a:pPr marL="0" marR="0" lvl="0" indent="0" algn="l" defTabSz="914400" rtl="0" eaLnBrk="1" fontAlgn="auto" latinLnBrk="0" hangingPunct="1">
+                        <a:lnSpc>
+                          <a:spcPct val="100000"/>
+                        </a:lnSpc>
+                        <a:spcBef>
+                          <a:spcPts val="0"/>
+                        </a:spcBef>
+                        <a:spcAft>
+                          <a:spcPts val="0"/>
+                        </a:spcAft>
+                        <a:buClrTx/>
+                        <a:buSzTx/>
+                        <a:buFontTx/>
+                        <a:buNone/>
+                        <a:tabLst/>
+                        <a:defRPr/>
+                      </a:pPr>
+                      <a:r>
+                        <a:rPr lang="en-GB" sz="1800" b="0" kern="1200" dirty="0">
+                          <a:solidFill>
+                            <a:schemeClr val="dk1"/>
+                          </a:solidFill>
+                          <a:effectLst/>
+                          <a:latin typeface="+mn-lt"/>
+                          <a:ea typeface="+mn-ea"/>
+                          <a:cs typeface="+mn-cs"/>
+                        </a:rPr>
+                        <a:t>t24h_STm_100 - t24h_mock_100</a:t>
+                      </a:r>
+                    </a:p>
+                  </a:txBody>
+                  <a:tcPr/>
+                </a:tc>
+                <a:extLst>
+                  <a:ext uri="{0D108BD9-81ED-4DB2-BD59-A6C34878D82A}">
+                    <a16:rowId xmlns:a16="http://schemas.microsoft.com/office/drawing/2014/main" val="3153003216"/>
+                  </a:ext>
+                </a:extLst>
+              </a:tr>
+              <a:tr h="370840">
+                <a:tc>
+                  <a:txBody>
+                    <a:bodyPr/>
+                    <a:lstStyle/>
+                    <a:p>
+                      <a:pPr marL="0" marR="0" lvl="0" indent="0" algn="l" defTabSz="914400" rtl="0" eaLnBrk="1" fontAlgn="auto" latinLnBrk="0" hangingPunct="1">
+                        <a:lnSpc>
+                          <a:spcPct val="100000"/>
+                        </a:lnSpc>
+                        <a:spcBef>
+                          <a:spcPts val="0"/>
+                        </a:spcBef>
+                        <a:spcAft>
+                          <a:spcPts val="0"/>
+                        </a:spcAft>
+                        <a:buClrTx/>
+                        <a:buSzTx/>
+                        <a:buFontTx/>
+                        <a:buNone/>
+                        <a:tabLst/>
+                        <a:defRPr/>
+                      </a:pPr>
+                      <a:r>
+                        <a:rPr lang="en-GB" sz="1800" b="0" kern="1200" dirty="0">
+                          <a:solidFill>
+                            <a:schemeClr val="dk1"/>
+                          </a:solidFill>
+                          <a:effectLst/>
+                          <a:latin typeface="+mn-lt"/>
+                          <a:ea typeface="+mn-ea"/>
+                          <a:cs typeface="+mn-cs"/>
+                        </a:rPr>
+                        <a:t>RANKL effect without infection at 24h</a:t>
+                      </a:r>
+                    </a:p>
+                  </a:txBody>
+                  <a:tcPr/>
+                </a:tc>
+                <a:tc>
+                  <a:txBody>
+                    <a:bodyPr/>
+                    <a:lstStyle/>
+                    <a:p>
+                      <a:pPr marL="0" marR="0" lvl="0" indent="0" algn="l" defTabSz="914400" rtl="0" eaLnBrk="1" fontAlgn="auto" latinLnBrk="0" hangingPunct="1">
+                        <a:lnSpc>
+                          <a:spcPct val="100000"/>
+                        </a:lnSpc>
+                        <a:spcBef>
+                          <a:spcPts val="0"/>
+                        </a:spcBef>
+                        <a:spcAft>
+                          <a:spcPts val="0"/>
+                        </a:spcAft>
+                        <a:buClrTx/>
+                        <a:buSzTx/>
+                        <a:buFontTx/>
+                        <a:buNone/>
+                        <a:tabLst/>
+                        <a:defRPr/>
+                      </a:pPr>
+                      <a:r>
+                        <a:rPr lang="en-GB" sz="1800" b="0" kern="1200" dirty="0">
+                          <a:solidFill>
+                            <a:schemeClr val="dk1"/>
+                          </a:solidFill>
+                          <a:effectLst/>
+                          <a:latin typeface="+mn-lt"/>
+                          <a:ea typeface="+mn-ea"/>
+                          <a:cs typeface="+mn-cs"/>
+                        </a:rPr>
+                        <a:t>t24h_mock_100 - t24h_mock_0</a:t>
+                      </a:r>
+                    </a:p>
+                  </a:txBody>
+                  <a:tcPr/>
+                </a:tc>
+                <a:extLst>
+                  <a:ext uri="{0D108BD9-81ED-4DB2-BD59-A6C34878D82A}">
+                    <a16:rowId xmlns:a16="http://schemas.microsoft.com/office/drawing/2014/main" val="2371777220"/>
+                  </a:ext>
+                </a:extLst>
+              </a:tr>
+              <a:tr h="370840">
+                <a:tc>
+                  <a:txBody>
+                    <a:bodyPr/>
+                    <a:lstStyle/>
+                    <a:p>
+                      <a:pPr marL="0" marR="0" lvl="0" indent="0" algn="l" defTabSz="914400" rtl="0" eaLnBrk="1" fontAlgn="auto" latinLnBrk="0" hangingPunct="1">
+                        <a:lnSpc>
+                          <a:spcPct val="100000"/>
+                        </a:lnSpc>
+                        <a:spcBef>
+                          <a:spcPts val="0"/>
+                        </a:spcBef>
+                        <a:spcAft>
+                          <a:spcPts val="0"/>
+                        </a:spcAft>
+                        <a:buClrTx/>
+                        <a:buSzTx/>
+                        <a:buFontTx/>
+                        <a:buNone/>
+                        <a:tabLst/>
+                        <a:defRPr/>
+                      </a:pPr>
+                      <a:r>
+                        <a:rPr lang="en-GB" sz="1800" b="0" kern="1200" dirty="0">
+                          <a:solidFill>
+                            <a:schemeClr val="dk1"/>
+                          </a:solidFill>
+                          <a:effectLst/>
+                          <a:latin typeface="+mn-lt"/>
+                          <a:ea typeface="+mn-ea"/>
+                          <a:cs typeface="+mn-cs"/>
+                        </a:rPr>
+                        <a:t>RANKL effect with infection at 24h</a:t>
+                      </a:r>
+                    </a:p>
+                  </a:txBody>
+                  <a:tcPr/>
+                </a:tc>
+                <a:tc>
+                  <a:txBody>
+                    <a:bodyPr/>
+                    <a:lstStyle/>
+                    <a:p>
+                      <a:pPr marL="0" marR="0" lvl="0" indent="0" algn="l" defTabSz="914400" rtl="0" eaLnBrk="1" fontAlgn="auto" latinLnBrk="0" hangingPunct="1">
+                        <a:lnSpc>
+                          <a:spcPct val="100000"/>
+                        </a:lnSpc>
+                        <a:spcBef>
+                          <a:spcPts val="0"/>
+                        </a:spcBef>
+                        <a:spcAft>
+                          <a:spcPts val="0"/>
+                        </a:spcAft>
+                        <a:buClrTx/>
+                        <a:buSzTx/>
+                        <a:buFontTx/>
+                        <a:buNone/>
+                        <a:tabLst/>
+                        <a:defRPr/>
+                      </a:pPr>
+                      <a:r>
+                        <a:rPr lang="en-GB" sz="1800" b="0" kern="1200" dirty="0">
+                          <a:solidFill>
+                            <a:schemeClr val="dk1"/>
+                          </a:solidFill>
+                          <a:effectLst/>
+                          <a:latin typeface="+mn-lt"/>
+                          <a:ea typeface="+mn-ea"/>
+                          <a:cs typeface="+mn-cs"/>
+                        </a:rPr>
+                        <a:t>t24h_STm_100 - t24h_STm_0</a:t>
+                      </a:r>
+                    </a:p>
+                  </a:txBody>
+                  <a:tcPr/>
+                </a:tc>
+                <a:extLst>
+                  <a:ext uri="{0D108BD9-81ED-4DB2-BD59-A6C34878D82A}">
+                    <a16:rowId xmlns:a16="http://schemas.microsoft.com/office/drawing/2014/main" val="344836409"/>
+                  </a:ext>
+                </a:extLst>
+              </a:tr>
+            </a:tbl>
+          </a:graphicData>
+        </a:graphic>
+      </p:graphicFrame>
+      <p:sp>
+        <p:nvSpPr>
+          <p:cNvPr id="8" name="TextBox 7">
+            <a:extLst>
+              <a:ext uri="{FF2B5EF4-FFF2-40B4-BE49-F238E27FC236}">
+                <a16:creationId xmlns:a16="http://schemas.microsoft.com/office/drawing/2014/main" id="{1FA25869-4FF7-62C1-8323-0C035799F37B}"/>
+              </a:ext>
+            </a:extLst>
+          </p:cNvPr>
+          <p:cNvSpPr txBox="1"/>
+          <p:nvPr/>
+        </p:nvSpPr>
+        <p:spPr>
+          <a:xfrm>
+            <a:off x="1695117" y="2279841"/>
+            <a:ext cx="6100010" cy="369332"/>
+          </a:xfrm>
+          <a:prstGeom prst="rect">
+            <a:avLst/>
+          </a:prstGeom>
+          <a:noFill/>
+        </p:spPr>
+        <p:txBody>
+          <a:bodyPr wrap="square">
+            <a:spAutoFit/>
+          </a:bodyPr>
+          <a:lstStyle/>
+          <a:p>
+            <a:pPr algn="l"/>
+            <a:r>
+              <a:rPr lang="en-GB" b="0" i="0" dirty="0">
+                <a:effectLst/>
+                <a:latin typeface="-apple-system"/>
+              </a:rPr>
+              <a:t>A) Pair-wise comparisons </a:t>
+            </a:r>
+            <a:r>
+              <a:rPr lang="en-GB" b="0" i="0" dirty="0" err="1">
+                <a:effectLst/>
+                <a:latin typeface="-apple-system"/>
+              </a:rPr>
+              <a:t>contrats</a:t>
+            </a:r>
+            <a:r>
+              <a:rPr lang="en-GB" b="0" i="0" dirty="0">
+                <a:effectLst/>
+                <a:latin typeface="-apple-system"/>
+              </a:rPr>
+              <a:t>  </a:t>
+            </a:r>
+          </a:p>
+        </p:txBody>
+      </p:sp>
+    </p:spTree>
+    <p:extLst>
+      <p:ext uri="{BB962C8B-B14F-4D97-AF65-F5344CB8AC3E}">
+        <p14:creationId xmlns:p14="http://schemas.microsoft.com/office/powerpoint/2010/main" val="2468697096"/>
+      </p:ext>
+    </p:extLst>
+  </p:cSld>
+  <p:clrMapOvr>
+    <a:masterClrMapping/>
+  </p:clrMapOvr>
+</p:sld>
+</file>
+
+<file path=ppt/slides/slide6.xml><?xml version="1.0" encoding="utf-8"?>
+<p:sld xmlns:a="http://schemas.openxmlformats.org/drawingml/2006/main" xmlns:r="http://schemas.openxmlformats.org/officeDocument/2006/relationships" xmlns:p="http://schemas.openxmlformats.org/presentationml/2006/main">
+  <p:cSld>
+    <p:spTree>
+      <p:nvGrpSpPr>
+        <p:cNvPr id="1" name="">
+          <a:extLst>
+            <a:ext uri="{FF2B5EF4-FFF2-40B4-BE49-F238E27FC236}">
+              <a16:creationId xmlns:a16="http://schemas.microsoft.com/office/drawing/2014/main" id="{9AD9354D-0F95-639C-7283-9DD01B26CCE5}"/>
+            </a:ext>
+          </a:extLst>
+        </p:cNvPr>
+        <p:cNvGrpSpPr/>
+        <p:nvPr/>
+      </p:nvGrpSpPr>
+      <p:grpSpPr>
+        <a:xfrm>
+          <a:off x="0" y="0"/>
+          <a:ext cx="0" cy="0"/>
+          <a:chOff x="0" y="0"/>
+          <a:chExt cx="0" cy="0"/>
+        </a:xfrm>
+      </p:grpSpPr>
+      <p:sp>
+        <p:nvSpPr>
+          <p:cNvPr id="2" name="Title 1">
+            <a:extLst>
+              <a:ext uri="{FF2B5EF4-FFF2-40B4-BE49-F238E27FC236}">
+                <a16:creationId xmlns:a16="http://schemas.microsoft.com/office/drawing/2014/main" id="{79914890-A9C9-5611-CEAE-9D2952EBD201}"/>
+              </a:ext>
+            </a:extLst>
+          </p:cNvPr>
+          <p:cNvSpPr>
+            <a:spLocks noGrp="1"/>
+          </p:cNvSpPr>
+          <p:nvPr>
+            <p:ph type="title"/>
+          </p:nvPr>
+        </p:nvSpPr>
+        <p:spPr>
+          <a:xfrm>
+            <a:off x="332873" y="244810"/>
+            <a:ext cx="10515600" cy="597401"/>
+          </a:xfrm>
+        </p:spPr>
+        <p:txBody>
+          <a:bodyPr>
+            <a:normAutofit/>
+          </a:bodyPr>
+          <a:lstStyle/>
+          <a:p>
+            <a:r>
+              <a:rPr lang="en-RU" sz="3200" dirty="0"/>
+              <a:t>Systems modelling approach </a:t>
+            </a:r>
+          </a:p>
+        </p:txBody>
+      </p:sp>
+      <p:sp>
+        <p:nvSpPr>
+          <p:cNvPr id="3" name="Content Placeholder 2">
+            <a:extLst>
+              <a:ext uri="{FF2B5EF4-FFF2-40B4-BE49-F238E27FC236}">
+                <a16:creationId xmlns:a16="http://schemas.microsoft.com/office/drawing/2014/main" id="{6E3234CE-0C66-097D-4D79-0D6000108DE3}"/>
+              </a:ext>
+            </a:extLst>
+          </p:cNvPr>
+          <p:cNvSpPr>
+            <a:spLocks noGrp="1"/>
+          </p:cNvSpPr>
+          <p:nvPr>
+            <p:ph idx="1"/>
+          </p:nvPr>
+        </p:nvSpPr>
+        <p:spPr>
+          <a:xfrm>
+            <a:off x="332873" y="952583"/>
+            <a:ext cx="11153273" cy="5436185"/>
+          </a:xfrm>
+        </p:spPr>
+        <p:txBody>
+          <a:bodyPr>
+            <a:noAutofit/>
+          </a:bodyPr>
+          <a:lstStyle/>
+          <a:p>
+            <a:pPr marL="0" indent="0">
+              <a:buNone/>
+            </a:pPr>
+            <a:r>
+              <a:rPr lang="en-RU" sz="1800" dirty="0"/>
+              <a:t>Steps emplyed:</a:t>
+            </a:r>
+          </a:p>
+          <a:p>
+            <a:pPr marL="0" indent="0">
+              <a:buNone/>
+            </a:pPr>
+            <a:endParaRPr lang="en-RU" sz="1800" dirty="0"/>
+          </a:p>
+          <a:p>
+            <a:pPr marL="342900" indent="-342900">
+              <a:buAutoNum type="arabicPeriod"/>
+            </a:pPr>
+            <a:r>
+              <a:rPr lang="en-RU" sz="1800" dirty="0"/>
+              <a:t>Set all possible pairwise comparisons contrasts</a:t>
+            </a:r>
+          </a:p>
+          <a:p>
+            <a:pPr marL="342900" indent="-342900">
+              <a:buAutoNum type="arabicPeriod"/>
+            </a:pPr>
+            <a:r>
+              <a:rPr lang="en-GB" sz="1800" b="0" i="0" dirty="0">
+                <a:solidFill>
+                  <a:srgbClr val="CCCCCC"/>
+                </a:solidFill>
+                <a:effectLst/>
+                <a:latin typeface="-apple-system"/>
+              </a:rPr>
+              <a:t>Calculate differential expression for each comparison</a:t>
+            </a:r>
+          </a:p>
+          <a:p>
+            <a:pPr marL="342900" indent="-342900">
+              <a:buAutoNum type="arabicPeriod"/>
+            </a:pPr>
+            <a:r>
+              <a:rPr lang="en-GB" sz="1800" b="0" i="0" dirty="0">
+                <a:solidFill>
+                  <a:srgbClr val="CCCCCC"/>
+                </a:solidFill>
+                <a:effectLst/>
+                <a:latin typeface="-apple-system"/>
+              </a:rPr>
+              <a:t>Run GSEA across four pathway databases (Hallmark, KEGG, GO:BP, REACTOME)</a:t>
+            </a:r>
+          </a:p>
+          <a:p>
+            <a:pPr marL="342900" indent="-342900">
+              <a:buAutoNum type="arabicPeriod"/>
+            </a:pPr>
+            <a:r>
+              <a:rPr lang="en-GB" sz="1800" b="0" i="0" dirty="0">
+                <a:solidFill>
+                  <a:srgbClr val="CCCCCC"/>
+                </a:solidFill>
+                <a:effectLst/>
+                <a:latin typeface="-apple-system"/>
+              </a:rPr>
+              <a:t>Pool significant pathways across all comparisons</a:t>
+            </a:r>
+          </a:p>
+          <a:p>
+            <a:pPr marL="342900" indent="-342900">
+              <a:buAutoNum type="arabicPeriod"/>
+            </a:pPr>
+            <a:r>
+              <a:rPr lang="en-GB" sz="1800" b="0" i="0" dirty="0">
+                <a:solidFill>
+                  <a:srgbClr val="CCCCCC"/>
+                </a:solidFill>
+                <a:effectLst/>
+                <a:latin typeface="-apple-system"/>
+              </a:rPr>
+              <a:t>Generate pathway activity scores</a:t>
+            </a:r>
+          </a:p>
+          <a:p>
+            <a:pPr marL="342900" indent="-342900">
+              <a:buAutoNum type="arabicPeriod"/>
+            </a:pPr>
+            <a:r>
+              <a:rPr lang="en-GB" sz="1800" b="0" i="0" dirty="0">
+                <a:solidFill>
+                  <a:srgbClr val="CCCCCC"/>
+                </a:solidFill>
+                <a:effectLst/>
+                <a:latin typeface="-apple-system"/>
+              </a:rPr>
+              <a:t>Visualize results in ordered heatmaps showing pathway </a:t>
+            </a:r>
+            <a:r>
+              <a:rPr lang="en-GB" sz="1800" b="0" i="0" dirty="0" err="1">
+                <a:solidFill>
+                  <a:srgbClr val="CCCCCC"/>
+                </a:solidFill>
+                <a:effectLst/>
+                <a:latin typeface="-apple-system"/>
+              </a:rPr>
+              <a:t>behavior</a:t>
+            </a:r>
+            <a:r>
+              <a:rPr lang="en-GB" sz="1800" b="0" i="0" dirty="0">
+                <a:solidFill>
+                  <a:srgbClr val="CCCCCC"/>
+                </a:solidFill>
+                <a:effectLst/>
+                <a:latin typeface="-apple-system"/>
+              </a:rPr>
+              <a:t> across all conditions</a:t>
+            </a:r>
+            <a:endParaRPr lang="en-RU" sz="1800" dirty="0"/>
+          </a:p>
+          <a:p>
+            <a:pPr marL="0" indent="0">
+              <a:buNone/>
+            </a:pPr>
+            <a:endParaRPr lang="en-RU" sz="1800" dirty="0"/>
+          </a:p>
+          <a:p>
+            <a:pPr marL="0" indent="0">
+              <a:buNone/>
+            </a:pPr>
+            <a:endParaRPr lang="en-RU" sz="1800" dirty="0"/>
+          </a:p>
+        </p:txBody>
+      </p:sp>
+      <p:sp>
+        <p:nvSpPr>
+          <p:cNvPr id="4" name="Rectangle 3">
+            <a:extLst>
+              <a:ext uri="{FF2B5EF4-FFF2-40B4-BE49-F238E27FC236}">
+                <a16:creationId xmlns:a16="http://schemas.microsoft.com/office/drawing/2014/main" id="{17624818-D0B1-C74A-EAE7-6CC77FF6D5E6}"/>
+              </a:ext>
+            </a:extLst>
+          </p:cNvPr>
+          <p:cNvSpPr/>
+          <p:nvPr/>
+        </p:nvSpPr>
+        <p:spPr>
+          <a:xfrm>
+            <a:off x="332873" y="2117558"/>
+            <a:ext cx="11470106" cy="4535905"/>
+          </a:xfrm>
+          <a:prstGeom prst="rect">
+            <a:avLst/>
+          </a:prstGeom>
+          <a:solidFill>
+            <a:schemeClr val="bg1">
+              <a:lumMod val="85000"/>
+            </a:schemeClr>
+          </a:solidFill>
+          <a:ln w="38100">
+            <a:solidFill>
+              <a:schemeClr val="tx1">
+                <a:lumMod val="75000"/>
+                <a:lumOff val="25000"/>
+              </a:schemeClr>
+            </a:solidFill>
+          </a:ln>
+        </p:spPr>
+        <p:style>
+          <a:lnRef idx="2">
+            <a:schemeClr val="accent1">
+              <a:shade val="15000"/>
+            </a:schemeClr>
+          </a:lnRef>
+          <a:fillRef idx="1">
+            <a:schemeClr val="accent1"/>
+          </a:fillRef>
+          <a:effectRef idx="0">
+            <a:schemeClr val="accent1"/>
+          </a:effectRef>
+          <a:fontRef idx="minor">
+            <a:schemeClr val="lt1"/>
+          </a:fontRef>
+        </p:style>
+        <p:txBody>
+          <a:bodyPr rtlCol="0" anchor="ctr"/>
+          <a:lstStyle/>
+          <a:p>
+            <a:pPr algn="ctr"/>
+            <a:endParaRPr lang="en-RU"/>
+          </a:p>
+        </p:txBody>
+      </p:sp>
+      <p:graphicFrame>
+        <p:nvGraphicFramePr>
+          <p:cNvPr id="6" name="Table 5">
+            <a:extLst>
+              <a:ext uri="{FF2B5EF4-FFF2-40B4-BE49-F238E27FC236}">
+                <a16:creationId xmlns:a16="http://schemas.microsoft.com/office/drawing/2014/main" id="{53A9FF47-5AF2-E7E3-E119-49392FE43353}"/>
+              </a:ext>
+            </a:extLst>
+          </p:cNvPr>
+          <p:cNvGraphicFramePr>
+            <a:graphicFrameLocks noGrp="1"/>
+          </p:cNvGraphicFramePr>
+          <p:nvPr>
+            <p:extLst>
+              <p:ext uri="{D42A27DB-BD31-4B8C-83A1-F6EECF244321}">
+                <p14:modId xmlns:p14="http://schemas.microsoft.com/office/powerpoint/2010/main" val="691508528"/>
+              </p:ext>
+            </p:extLst>
+          </p:nvPr>
+        </p:nvGraphicFramePr>
+        <p:xfrm>
+          <a:off x="481263" y="2968138"/>
+          <a:ext cx="11153273" cy="2291080"/>
+        </p:xfrm>
+        <a:graphic>
+          <a:graphicData uri="http://schemas.openxmlformats.org/drawingml/2006/table">
+            <a:tbl>
+              <a:tblPr firstRow="1" bandRow="1">
+                <a:tableStyleId>{5C22544A-7EE6-4342-B048-85BDC9FD1C3A}</a:tableStyleId>
+              </a:tblPr>
+              <a:tblGrid>
+                <a:gridCol w="3645950">
+                  <a:extLst>
+                    <a:ext uri="{9D8B030D-6E8A-4147-A177-3AD203B41FA5}">
+                      <a16:colId xmlns:a16="http://schemas.microsoft.com/office/drawing/2014/main" val="3096202621"/>
+                    </a:ext>
+                  </a:extLst>
+                </a:gridCol>
+                <a:gridCol w="7507323">
+                  <a:extLst>
+                    <a:ext uri="{9D8B030D-6E8A-4147-A177-3AD203B41FA5}">
+                      <a16:colId xmlns:a16="http://schemas.microsoft.com/office/drawing/2014/main" val="1807917024"/>
+                    </a:ext>
+                  </a:extLst>
+                </a:gridCol>
+              </a:tblGrid>
+              <a:tr h="370840">
+                <a:tc>
+                  <a:txBody>
+                    <a:bodyPr/>
+                    <a:lstStyle/>
+                    <a:p>
+                      <a:r>
+                        <a:rPr lang="en-RU" dirty="0"/>
+                        <a:t>Question</a:t>
+                      </a:r>
+                    </a:p>
+                  </a:txBody>
+                  <a:tcPr/>
+                </a:tc>
+                <a:tc>
+                  <a:txBody>
+                    <a:bodyPr/>
+                    <a:lstStyle/>
+                    <a:p>
+                      <a:r>
+                        <a:rPr lang="en-RU" dirty="0"/>
+                        <a:t>Statistical contrast </a:t>
+                      </a:r>
+                    </a:p>
+                  </a:txBody>
+                  <a:tcPr/>
+                </a:tc>
+                <a:extLst>
+                  <a:ext uri="{0D108BD9-81ED-4DB2-BD59-A6C34878D82A}">
+                    <a16:rowId xmlns:a16="http://schemas.microsoft.com/office/drawing/2014/main" val="474181803"/>
+                  </a:ext>
+                </a:extLst>
+              </a:tr>
+              <a:tr h="0">
+                <a:tc>
+                  <a:txBody>
+                    <a:bodyPr/>
+                    <a:lstStyle/>
+                    <a:p>
+                      <a:pPr>
+                        <a:buNone/>
+                      </a:pPr>
+                      <a:r>
+                        <a:rPr lang="en-GB" sz="1800" b="0" i="0" u="none" dirty="0">
+                          <a:effectLst/>
+                        </a:rPr>
+                        <a:t>RANKL effect on infection response at 4h</a:t>
+                      </a:r>
+                    </a:p>
+                  </a:txBody>
+                  <a:tcPr/>
+                </a:tc>
+                <a:tc>
+                  <a:txBody>
+                    <a:bodyPr/>
+                    <a:lstStyle/>
+                    <a:p>
+                      <a:pPr marL="0" indent="0">
+                        <a:buNone/>
+                      </a:pPr>
+                      <a:r>
+                        <a:rPr lang="en-GB" sz="1800" b="0" dirty="0">
+                          <a:effectLst/>
+                        </a:rPr>
+                        <a:t>(t4h_STm_100 - t4h_mock_100) - (t4h_STm_0 - t4h_mock_0)</a:t>
+                      </a:r>
+                    </a:p>
+                  </a:txBody>
+                  <a:tcPr/>
+                </a:tc>
+                <a:extLst>
+                  <a:ext uri="{0D108BD9-81ED-4DB2-BD59-A6C34878D82A}">
+                    <a16:rowId xmlns:a16="http://schemas.microsoft.com/office/drawing/2014/main" val="1467519171"/>
+                  </a:ext>
+                </a:extLst>
+              </a:tr>
+              <a:tr h="370840">
+                <a:tc>
+                  <a:txBody>
+                    <a:bodyPr/>
+                    <a:lstStyle/>
+                    <a:p>
+                      <a:pPr>
+                        <a:buNone/>
+                      </a:pPr>
+                      <a:r>
+                        <a:rPr lang="en-GB" sz="1800" b="0" i="0" u="none" dirty="0">
+                          <a:effectLst/>
+                        </a:rPr>
+                        <a:t>RANKL effect on infection response at 24h</a:t>
+                      </a:r>
+                    </a:p>
+                  </a:txBody>
+                  <a:tcPr/>
+                </a:tc>
+                <a:tc>
+                  <a:txBody>
+                    <a:bodyPr/>
+                    <a:lstStyle/>
+                    <a:p>
+                      <a:pPr marL="0" indent="0">
+                        <a:buNone/>
+                      </a:pPr>
+                      <a:r>
+                        <a:rPr lang="en-GB" sz="1800" b="0" dirty="0">
+                          <a:effectLst/>
+                        </a:rPr>
+                        <a:t>(t24h_STm_100 - t24h_mock_100) - (t24h_STm_0 - t24h_mock_0)</a:t>
+                      </a:r>
+                    </a:p>
+                  </a:txBody>
+                  <a:tcPr/>
+                </a:tc>
+                <a:extLst>
+                  <a:ext uri="{0D108BD9-81ED-4DB2-BD59-A6C34878D82A}">
+                    <a16:rowId xmlns:a16="http://schemas.microsoft.com/office/drawing/2014/main" val="2095208766"/>
+                  </a:ext>
+                </a:extLst>
+              </a:tr>
+              <a:tr h="370840">
+                <a:tc>
+                  <a:txBody>
+                    <a:bodyPr/>
+                    <a:lstStyle/>
+                    <a:p>
+                      <a:r>
+                        <a:rPr lang="en-GB" sz="1800" b="0" u="none" dirty="0">
+                          <a:effectLst/>
+                        </a:rPr>
+                        <a:t>RANKL time-dependent effect</a:t>
+                      </a:r>
+                      <a:endParaRPr lang="en-GB" sz="1800" b="0" u="none" kern="1200" dirty="0">
+                        <a:solidFill>
+                          <a:schemeClr val="dk1"/>
+                        </a:solidFill>
+                        <a:effectLst/>
+                        <a:latin typeface="+mn-lt"/>
+                        <a:ea typeface="+mn-ea"/>
+                        <a:cs typeface="+mn-cs"/>
+                      </a:endParaRPr>
+                    </a:p>
+                  </a:txBody>
+                  <a:tcPr/>
+                </a:tc>
+                <a:tc>
+                  <a:txBody>
+                    <a:bodyPr/>
+                    <a:lstStyle/>
+                    <a:p>
+                      <a:pPr marL="0" indent="0">
+                        <a:buNone/>
+                      </a:pPr>
+                      <a:r>
+                        <a:rPr lang="en-GB" sz="1800" b="0" dirty="0">
+                          <a:effectLst/>
+                        </a:rPr>
+                        <a:t>((t24h_STm_100 - t24h_mock_100) - (t24h_STm_0 - t24h_mock_0)) - ((t4h_STm_100 - t4h_mock_100) - (t4h_STm_0 - t4h_mock_0))</a:t>
+                      </a:r>
+                    </a:p>
+                  </a:txBody>
+                  <a:tcPr/>
+                </a:tc>
+                <a:extLst>
+                  <a:ext uri="{0D108BD9-81ED-4DB2-BD59-A6C34878D82A}">
+                    <a16:rowId xmlns:a16="http://schemas.microsoft.com/office/drawing/2014/main" val="3020068162"/>
+                  </a:ext>
+                </a:extLst>
+              </a:tr>
+            </a:tbl>
+          </a:graphicData>
+        </a:graphic>
+      </p:graphicFrame>
+      <p:sp>
+        <p:nvSpPr>
+          <p:cNvPr id="8" name="TextBox 7">
+            <a:extLst>
+              <a:ext uri="{FF2B5EF4-FFF2-40B4-BE49-F238E27FC236}">
+                <a16:creationId xmlns:a16="http://schemas.microsoft.com/office/drawing/2014/main" id="{53D48C81-AC3E-1CE7-22CF-7C1EAA7EDE83}"/>
+              </a:ext>
+            </a:extLst>
+          </p:cNvPr>
+          <p:cNvSpPr txBox="1"/>
+          <p:nvPr/>
+        </p:nvSpPr>
+        <p:spPr>
+          <a:xfrm>
+            <a:off x="1695117" y="2279841"/>
+            <a:ext cx="6100010" cy="369332"/>
+          </a:xfrm>
+          <a:prstGeom prst="rect">
+            <a:avLst/>
+          </a:prstGeom>
+          <a:noFill/>
+        </p:spPr>
+        <p:txBody>
+          <a:bodyPr wrap="square">
+            <a:spAutoFit/>
+          </a:bodyPr>
+          <a:lstStyle/>
+          <a:p>
+            <a:pPr algn="l"/>
+            <a:r>
+              <a:rPr lang="en-GB" dirty="0">
+                <a:latin typeface="-apple-system"/>
+              </a:rPr>
+              <a:t>B</a:t>
+            </a:r>
+            <a:r>
+              <a:rPr lang="en-GB" b="0" i="0" dirty="0">
+                <a:effectLst/>
+                <a:latin typeface="-apple-system"/>
+              </a:rPr>
+              <a:t>) Granular RANKL effects on infections </a:t>
+            </a:r>
+            <a:r>
+              <a:rPr lang="en-GB" b="0" i="0" dirty="0" err="1">
+                <a:effectLst/>
+                <a:latin typeface="-apple-system"/>
+              </a:rPr>
+              <a:t>contrats</a:t>
+            </a:r>
+            <a:endParaRPr lang="en-GB" b="0" i="0" dirty="0">
+              <a:effectLst/>
+              <a:latin typeface="-apple-system"/>
+            </a:endParaRPr>
+          </a:p>
+        </p:txBody>
+      </p:sp>
+    </p:spTree>
+    <p:extLst>
+      <p:ext uri="{BB962C8B-B14F-4D97-AF65-F5344CB8AC3E}">
+        <p14:creationId xmlns:p14="http://schemas.microsoft.com/office/powerpoint/2010/main" val="1621772423"/>
+      </p:ext>
+    </p:extLst>
+  </p:cSld>
+  <p:clrMapOvr>
+    <a:masterClrMapping/>
+  </p:clrMapOvr>
+</p:sld>
+</file>
+
+<file path=ppt/slides/slide7.xml><?xml version="1.0" encoding="utf-8"?>
+<p:sld xmlns:a="http://schemas.openxmlformats.org/drawingml/2006/main" xmlns:r="http://schemas.openxmlformats.org/officeDocument/2006/relationships" xmlns:p="http://schemas.openxmlformats.org/presentationml/2006/main">
+  <p:cSld>
+    <p:spTree>
+      <p:nvGrpSpPr>
+        <p:cNvPr id="1" name="">
+          <a:extLst>
+            <a:ext uri="{FF2B5EF4-FFF2-40B4-BE49-F238E27FC236}">
+              <a16:creationId xmlns:a16="http://schemas.microsoft.com/office/drawing/2014/main" id="{CFF4C5ED-9ECC-DB9E-7E78-A931D3DCE7DB}"/>
+            </a:ext>
+          </a:extLst>
+        </p:cNvPr>
+        <p:cNvGrpSpPr/>
+        <p:nvPr/>
+      </p:nvGrpSpPr>
+      <p:grpSpPr>
+        <a:xfrm>
+          <a:off x="0" y="0"/>
+          <a:ext cx="0" cy="0"/>
+          <a:chOff x="0" y="0"/>
+          <a:chExt cx="0" cy="0"/>
+        </a:xfrm>
+      </p:grpSpPr>
+      <p:sp>
+        <p:nvSpPr>
+          <p:cNvPr id="2" name="Title 1">
+            <a:extLst>
+              <a:ext uri="{FF2B5EF4-FFF2-40B4-BE49-F238E27FC236}">
+                <a16:creationId xmlns:a16="http://schemas.microsoft.com/office/drawing/2014/main" id="{128C36C7-44A2-7B58-B218-A9305466E492}"/>
+              </a:ext>
+            </a:extLst>
+          </p:cNvPr>
+          <p:cNvSpPr>
+            <a:spLocks noGrp="1"/>
+          </p:cNvSpPr>
+          <p:nvPr>
+            <p:ph type="title"/>
+          </p:nvPr>
+        </p:nvSpPr>
+        <p:spPr>
+          <a:xfrm>
+            <a:off x="332873" y="244810"/>
+            <a:ext cx="10515600" cy="597401"/>
+          </a:xfrm>
+        </p:spPr>
+        <p:txBody>
+          <a:bodyPr>
+            <a:normAutofit/>
+          </a:bodyPr>
+          <a:lstStyle/>
+          <a:p>
+            <a:r>
+              <a:rPr lang="en-RU" sz="3200" dirty="0"/>
+              <a:t>Statistical modelling approach </a:t>
+            </a:r>
+          </a:p>
+        </p:txBody>
+      </p:sp>
+      <p:sp>
+        <p:nvSpPr>
+          <p:cNvPr id="3" name="Content Placeholder 2">
+            <a:extLst>
+              <a:ext uri="{FF2B5EF4-FFF2-40B4-BE49-F238E27FC236}">
+                <a16:creationId xmlns:a16="http://schemas.microsoft.com/office/drawing/2014/main" id="{397C8867-E1DD-3E14-2B73-AE79A699BAC4}"/>
+              </a:ext>
+            </a:extLst>
+          </p:cNvPr>
+          <p:cNvSpPr>
+            <a:spLocks noGrp="1"/>
+          </p:cNvSpPr>
+          <p:nvPr>
+            <p:ph idx="1"/>
+          </p:nvPr>
+        </p:nvSpPr>
+        <p:spPr>
+          <a:xfrm>
+            <a:off x="332873" y="952583"/>
+            <a:ext cx="11153273" cy="5785101"/>
+          </a:xfrm>
+        </p:spPr>
+        <p:txBody>
+          <a:bodyPr>
+            <a:noAutofit/>
+          </a:bodyPr>
+          <a:lstStyle/>
+          <a:p>
+            <a:r>
+              <a:rPr lang="en-RU" sz="1400" dirty="0"/>
+              <a:t>As described previously: </a:t>
+            </a:r>
+          </a:p>
+          <a:p>
+            <a:endParaRPr lang="en-RU" sz="1400" dirty="0"/>
+          </a:p>
+          <a:p>
+            <a:pPr>
+              <a:buAutoNum type="arabicPeriod"/>
+            </a:pPr>
+            <a:r>
+              <a:rPr lang="en-GB" sz="1400" b="1" u="sng" dirty="0">
+                <a:effectLst/>
+              </a:rPr>
+              <a:t>RANKL effect on infection response at 4h</a:t>
+            </a:r>
+          </a:p>
+          <a:p>
+            <a:pPr marL="0" indent="0">
+              <a:buNone/>
+            </a:pPr>
+            <a:r>
+              <a:rPr lang="en-GB" sz="1400" b="1" dirty="0">
+                <a:effectLst/>
+              </a:rPr>
+              <a:t>Contrast model: </a:t>
+            </a:r>
+            <a:r>
+              <a:rPr lang="en-GB" sz="1400" b="0" dirty="0">
+                <a:effectLst/>
+              </a:rPr>
+              <a:t>(t4h_STm_100 - t4h_mock_100) - (t4h_STm_0 - t4h_mock_0)</a:t>
+            </a:r>
+          </a:p>
+          <a:p>
+            <a:pPr marL="0" indent="0">
+              <a:buNone/>
+            </a:pPr>
+            <a:r>
+              <a:rPr lang="en-GB" sz="1400" b="1" dirty="0"/>
+              <a:t>H0: </a:t>
+            </a:r>
+            <a:r>
+              <a:rPr lang="en-GB" sz="1400" dirty="0"/>
+              <a:t>The infection response at 4h is the same regardless of RANKL pretreatment</a:t>
+            </a:r>
+            <a:endParaRPr lang="en-GB" sz="1400" b="0" dirty="0">
+              <a:effectLst/>
+            </a:endParaRPr>
+          </a:p>
+          <a:p>
+            <a:pPr marL="0" indent="0">
+              <a:buNone/>
+            </a:pPr>
+            <a:r>
+              <a:rPr lang="en-GB" sz="1400" b="1" dirty="0"/>
+              <a:t>Question addressed: </a:t>
+            </a:r>
+            <a:r>
+              <a:rPr lang="en-GB" sz="1400" dirty="0"/>
+              <a:t>How does RANKL pretreatment modify the early (4h) transcriptional response to infection?</a:t>
+            </a:r>
+            <a:endParaRPr lang="en-GB" sz="1400" b="0" dirty="0">
+              <a:effectLst/>
+            </a:endParaRPr>
+          </a:p>
+          <a:p>
+            <a:pPr marL="0" indent="0">
+              <a:buNone/>
+            </a:pPr>
+            <a:endParaRPr lang="en-RU" sz="1400" dirty="0"/>
+          </a:p>
+          <a:p>
+            <a:pPr marL="0" indent="0">
+              <a:buNone/>
+            </a:pPr>
+            <a:r>
+              <a:rPr lang="en-RU" sz="1400" b="1" u="sng" dirty="0"/>
+              <a:t>2. </a:t>
+            </a:r>
+            <a:r>
+              <a:rPr lang="en-GB" sz="1400" b="1" u="sng" dirty="0">
+                <a:effectLst/>
+              </a:rPr>
+              <a:t>RANKL effect on infection response at 24h</a:t>
+            </a:r>
+          </a:p>
+          <a:p>
+            <a:pPr marL="0" indent="0">
+              <a:buNone/>
+            </a:pPr>
+            <a:r>
+              <a:rPr lang="en-GB" sz="1400" b="1" dirty="0">
+                <a:effectLst/>
+              </a:rPr>
+              <a:t>Contrast model: </a:t>
+            </a:r>
+            <a:r>
+              <a:rPr lang="en-GB" sz="1400" b="0" dirty="0">
+                <a:effectLst/>
+              </a:rPr>
+              <a:t>(t24h_STm_100 - t24h_mock_100) - (t24h_STm_0 - t24h_mock_0)</a:t>
+            </a:r>
+          </a:p>
+          <a:p>
+            <a:pPr marL="0" indent="0">
+              <a:buNone/>
+            </a:pPr>
+            <a:r>
+              <a:rPr lang="en-GB" sz="1400" b="1" dirty="0"/>
+              <a:t>H0: </a:t>
+            </a:r>
+            <a:r>
+              <a:rPr lang="en-GB" sz="1400" dirty="0"/>
+              <a:t>The infection response at 24h is the same regardless of RANKL pretreatment</a:t>
+            </a:r>
+            <a:endParaRPr lang="en-GB" sz="1400" b="1" dirty="0"/>
+          </a:p>
+          <a:p>
+            <a:pPr marL="0" indent="0">
+              <a:buNone/>
+            </a:pPr>
+            <a:r>
+              <a:rPr lang="en-GB" sz="1400" b="1" dirty="0"/>
+              <a:t>Question addressed: </a:t>
+            </a:r>
+            <a:r>
+              <a:rPr lang="en-GB" sz="1400" dirty="0"/>
+              <a:t>How does RANKL pretreatment modify the late (24h) transcriptional response to infection?</a:t>
+            </a:r>
+            <a:endParaRPr lang="en-GB" sz="1400" dirty="0">
+              <a:effectLst/>
+            </a:endParaRPr>
+          </a:p>
+          <a:p>
+            <a:pPr marL="0" indent="0">
+              <a:buNone/>
+            </a:pPr>
+            <a:endParaRPr lang="en-RU" sz="1400" dirty="0"/>
+          </a:p>
+          <a:p>
+            <a:pPr marL="0" indent="0">
+              <a:buNone/>
+            </a:pPr>
+            <a:r>
+              <a:rPr lang="en-RU" sz="1400" b="1" u="sng" dirty="0"/>
+              <a:t>3. </a:t>
+            </a:r>
+            <a:r>
+              <a:rPr lang="en-GB" sz="1400" b="1" u="sng" dirty="0">
+                <a:effectLst/>
+              </a:rPr>
+              <a:t>RANKL time-dependent effect</a:t>
+            </a:r>
+          </a:p>
+          <a:p>
+            <a:pPr marL="0" indent="0">
+              <a:buNone/>
+            </a:pPr>
+            <a:r>
+              <a:rPr lang="en-GB" sz="1400" b="1" dirty="0">
+                <a:effectLst/>
+              </a:rPr>
+              <a:t>Contrast model:</a:t>
+            </a:r>
+            <a:r>
+              <a:rPr lang="en-GB" sz="1400" b="1" dirty="0"/>
+              <a:t> </a:t>
+            </a:r>
+            <a:r>
+              <a:rPr lang="en-GB" sz="1400" b="0" dirty="0">
+                <a:effectLst/>
+              </a:rPr>
+              <a:t>((t24h_STm_100 - t24h_mock_100) - (t24h_STm_0 - t24h_mock_0)) - ((t4h_STm_100 - t4h_mock_100) - (t4h_STm_0 - t4h_mock_0))</a:t>
+            </a:r>
+          </a:p>
+          <a:p>
+            <a:pPr marL="0" indent="0">
+              <a:buNone/>
+            </a:pPr>
+            <a:r>
+              <a:rPr lang="en-GB" sz="1400" b="1" dirty="0"/>
+              <a:t>H0: </a:t>
+            </a:r>
+            <a:r>
+              <a:rPr lang="en-GB" sz="1400" dirty="0"/>
+              <a:t>RANKL's effect on infection response is consistent between early and late timepoints </a:t>
+            </a:r>
+            <a:endParaRPr lang="en-GB" sz="1400" b="1" dirty="0"/>
+          </a:p>
+          <a:p>
+            <a:pPr marL="0" indent="0">
+              <a:buNone/>
+            </a:pPr>
+            <a:r>
+              <a:rPr lang="en-GB" sz="1400" b="1" dirty="0"/>
+              <a:t>Question addressed: </a:t>
+            </a:r>
+            <a:r>
+              <a:rPr lang="en-GB" sz="1400" dirty="0">
+                <a:effectLst/>
+              </a:rPr>
+              <a:t>How does RANKL's modulation of infection response change over time? </a:t>
+            </a:r>
+            <a:endParaRPr lang="en-GB" sz="1400" dirty="0"/>
+          </a:p>
+          <a:p>
+            <a:pPr marL="0" indent="0">
+              <a:buNone/>
+            </a:pPr>
+            <a:r>
+              <a:rPr lang="en-GB" sz="1400" dirty="0">
+                <a:effectLst/>
+              </a:rPr>
+              <a:t>The approach may be harder to interpret, because of more complex statistical modelling. </a:t>
+            </a:r>
+          </a:p>
+          <a:p>
+            <a:pPr marL="0" indent="0">
+              <a:buNone/>
+            </a:pPr>
+            <a:endParaRPr lang="en-RU" sz="1400" dirty="0"/>
+          </a:p>
+        </p:txBody>
+      </p:sp>
+    </p:spTree>
+    <p:extLst>
+      <p:ext uri="{BB962C8B-B14F-4D97-AF65-F5344CB8AC3E}">
+        <p14:creationId xmlns:p14="http://schemas.microsoft.com/office/powerpoint/2010/main" val="1391587954"/>
+      </p:ext>
+    </p:extLst>
+  </p:cSld>
+  <p:clrMapOvr>
+    <a:masterClrMapping/>
+  </p:clrMapOvr>
+</p:sld>
+</file>
+
+<file path=ppt/slides/slide8.xml><?xml version="1.0" encoding="utf-8"?>
+<p:sld xmlns:a="http://schemas.openxmlformats.org/drawingml/2006/main" xmlns:r="http://schemas.openxmlformats.org/officeDocument/2006/relationships" xmlns:p="http://schemas.openxmlformats.org/presentationml/2006/main">
+  <p:cSld>
+    <p:spTree>
+      <p:nvGrpSpPr>
+        <p:cNvPr id="1" name="">
+          <a:extLst>
+            <a:ext uri="{FF2B5EF4-FFF2-40B4-BE49-F238E27FC236}">
+              <a16:creationId xmlns:a16="http://schemas.microsoft.com/office/drawing/2014/main" id="{256031A9-8D06-E3E1-AD4C-905C35CCC29E}"/>
+            </a:ext>
+          </a:extLst>
+        </p:cNvPr>
+        <p:cNvGrpSpPr/>
+        <p:nvPr/>
+      </p:nvGrpSpPr>
+      <p:grpSpPr>
+        <a:xfrm>
+          <a:off x="0" y="0"/>
+          <a:ext cx="0" cy="0"/>
+          <a:chOff x="0" y="0"/>
+          <a:chExt cx="0" cy="0"/>
+        </a:xfrm>
+      </p:grpSpPr>
+      <p:sp>
+        <p:nvSpPr>
+          <p:cNvPr id="2" name="Title 1">
+            <a:extLst>
+              <a:ext uri="{FF2B5EF4-FFF2-40B4-BE49-F238E27FC236}">
+                <a16:creationId xmlns:a16="http://schemas.microsoft.com/office/drawing/2014/main" id="{53AB86CF-9012-E886-C8DE-95E1069B6C77}"/>
+              </a:ext>
+            </a:extLst>
+          </p:cNvPr>
+          <p:cNvSpPr>
+            <a:spLocks noGrp="1"/>
+          </p:cNvSpPr>
+          <p:nvPr>
+            <p:ph type="title"/>
+          </p:nvPr>
+        </p:nvSpPr>
+        <p:spPr>
+          <a:xfrm>
+            <a:off x="332873" y="244810"/>
+            <a:ext cx="10515600" cy="597401"/>
+          </a:xfrm>
+        </p:spPr>
+        <p:txBody>
+          <a:bodyPr>
+            <a:normAutofit/>
+          </a:bodyPr>
+          <a:lstStyle/>
+          <a:p>
+            <a:r>
+              <a:rPr lang="en-RU" sz="3200" dirty="0"/>
+              <a:t>Systems modelling approach </a:t>
+            </a:r>
+          </a:p>
+        </p:txBody>
+      </p:sp>
+      <p:sp>
+        <p:nvSpPr>
+          <p:cNvPr id="3" name="Content Placeholder 2">
+            <a:extLst>
+              <a:ext uri="{FF2B5EF4-FFF2-40B4-BE49-F238E27FC236}">
+                <a16:creationId xmlns:a16="http://schemas.microsoft.com/office/drawing/2014/main" id="{3750946B-B7CB-4535-0FCB-FD30813DE526}"/>
+              </a:ext>
+            </a:extLst>
+          </p:cNvPr>
+          <p:cNvSpPr>
+            <a:spLocks noGrp="1"/>
+          </p:cNvSpPr>
+          <p:nvPr>
+            <p:ph idx="1"/>
+          </p:nvPr>
+        </p:nvSpPr>
+        <p:spPr>
+          <a:xfrm>
+            <a:off x="332873" y="952583"/>
+            <a:ext cx="11153273" cy="5436185"/>
+          </a:xfrm>
+        </p:spPr>
+        <p:txBody>
+          <a:bodyPr>
+            <a:noAutofit/>
+          </a:bodyPr>
+          <a:lstStyle/>
+          <a:p>
+            <a:pPr marL="0" indent="0">
+              <a:buNone/>
+            </a:pPr>
+            <a:r>
+              <a:rPr lang="en-RU" sz="1800" dirty="0"/>
+              <a:t>Steps emplyed:</a:t>
+            </a:r>
+          </a:p>
+          <a:p>
+            <a:pPr marL="0" indent="0">
+              <a:buNone/>
+            </a:pPr>
+            <a:endParaRPr lang="en-RU" sz="1800" dirty="0"/>
+          </a:p>
+          <a:p>
+            <a:pPr marL="342900" indent="-342900">
+              <a:buAutoNum type="arabicPeriod"/>
+            </a:pPr>
+            <a:r>
+              <a:rPr lang="en-RU" sz="1800" dirty="0">
+                <a:solidFill>
+                  <a:schemeClr val="bg2">
+                    <a:lumMod val="90000"/>
+                  </a:schemeClr>
+                </a:solidFill>
+              </a:rPr>
+              <a:t>Set all possible pairwise comparisons contrasts</a:t>
+            </a:r>
+          </a:p>
+          <a:p>
+            <a:pPr marL="342900" indent="-342900">
+              <a:buAutoNum type="arabicPeriod"/>
+            </a:pPr>
+            <a:r>
+              <a:rPr lang="en-RU" sz="1800" dirty="0"/>
+              <a:t>Calculate differential expression for each comparison</a:t>
+            </a:r>
+          </a:p>
+          <a:p>
+            <a:pPr marL="342900" indent="-342900">
+              <a:buAutoNum type="arabicPeriod"/>
+            </a:pPr>
+            <a:r>
+              <a:rPr lang="en-GB" sz="1800" b="0" i="0" dirty="0">
+                <a:solidFill>
+                  <a:srgbClr val="CCCCCC"/>
+                </a:solidFill>
+                <a:effectLst/>
+              </a:rPr>
+              <a:t>Run GSEA across four pathway databases (Hallmark, KEGG, GO:BP, REACTOME)</a:t>
+            </a:r>
+          </a:p>
+          <a:p>
+            <a:pPr marL="342900" indent="-342900">
+              <a:buAutoNum type="arabicPeriod"/>
+            </a:pPr>
+            <a:r>
+              <a:rPr lang="en-GB" sz="1800" b="0" i="0" dirty="0">
+                <a:solidFill>
+                  <a:srgbClr val="CCCCCC"/>
+                </a:solidFill>
+                <a:effectLst/>
+              </a:rPr>
+              <a:t>Pool significant pathways across all comparisons</a:t>
+            </a:r>
+          </a:p>
+          <a:p>
+            <a:pPr marL="342900" indent="-342900">
+              <a:buAutoNum type="arabicPeriod"/>
+            </a:pPr>
+            <a:r>
+              <a:rPr lang="en-GB" sz="1800" b="0" i="0" dirty="0">
+                <a:solidFill>
+                  <a:srgbClr val="CCCCCC"/>
+                </a:solidFill>
+                <a:effectLst/>
+              </a:rPr>
+              <a:t>Generate pathway activity scores</a:t>
+            </a:r>
+          </a:p>
+          <a:p>
+            <a:pPr marL="342900" indent="-342900">
+              <a:buAutoNum type="arabicPeriod"/>
+            </a:pPr>
+            <a:r>
+              <a:rPr lang="en-GB" sz="1800" b="0" i="0" dirty="0">
+                <a:solidFill>
+                  <a:srgbClr val="CCCCCC"/>
+                </a:solidFill>
+                <a:effectLst/>
+              </a:rPr>
+              <a:t>Visualize results in ordered heatmaps showing pathway </a:t>
+            </a:r>
+            <a:r>
+              <a:rPr lang="en-GB" sz="1800" b="0" i="0" dirty="0" err="1">
+                <a:solidFill>
+                  <a:srgbClr val="CCCCCC"/>
+                </a:solidFill>
+                <a:effectLst/>
+              </a:rPr>
+              <a:t>behavior</a:t>
+            </a:r>
+            <a:r>
+              <a:rPr lang="en-GB" sz="1800" b="0" i="0" dirty="0">
+                <a:solidFill>
+                  <a:srgbClr val="CCCCCC"/>
+                </a:solidFill>
+                <a:effectLst/>
+              </a:rPr>
+              <a:t> across all conditions</a:t>
+            </a:r>
+            <a:endParaRPr lang="en-RU" sz="1800" dirty="0"/>
+          </a:p>
+          <a:p>
+            <a:pPr marL="0" indent="0">
+              <a:buNone/>
+            </a:pPr>
+            <a:endParaRPr lang="en-RU" sz="1800" dirty="0"/>
+          </a:p>
+          <a:p>
+            <a:pPr marL="0" indent="0">
+              <a:buNone/>
+            </a:pPr>
+            <a:endParaRPr lang="en-RU" sz="1800" dirty="0"/>
+          </a:p>
+        </p:txBody>
+      </p:sp>
+    </p:spTree>
+    <p:extLst>
+      <p:ext uri="{BB962C8B-B14F-4D97-AF65-F5344CB8AC3E}">
+        <p14:creationId xmlns:p14="http://schemas.microsoft.com/office/powerpoint/2010/main" val="1016846622"/>
+      </p:ext>
+    </p:extLst>
+  </p:cSld>
+  <p:clrMapOvr>
+    <a:masterClrMapping/>
+  </p:clrMapOvr>
+</p:sld>
+</file>
+
+<file path=ppt/slides/slide9.xml><?xml version="1.0" encoding="utf-8"?>
+<p:sld xmlns:a="http://schemas.openxmlformats.org/drawingml/2006/main" xmlns:r="http://schemas.openxmlformats.org/officeDocument/2006/relationships" xmlns:p="http://schemas.openxmlformats.org/presentationml/2006/main">
+  <p:cSld>
+    <p:spTree>
+      <p:nvGrpSpPr>
+        <p:cNvPr id="1" name="">
+          <a:extLst>
+            <a:ext uri="{FF2B5EF4-FFF2-40B4-BE49-F238E27FC236}">
+              <a16:creationId xmlns:a16="http://schemas.microsoft.com/office/drawing/2014/main" id="{9B6710EC-C817-D6BA-9A9B-BB96159593C4}"/>
+            </a:ext>
+          </a:extLst>
+        </p:cNvPr>
+        <p:cNvGrpSpPr/>
+        <p:nvPr/>
+      </p:nvGrpSpPr>
+      <p:grpSpPr>
+        <a:xfrm>
+          <a:off x="0" y="0"/>
+          <a:ext cx="0" cy="0"/>
+          <a:chOff x="0" y="0"/>
+          <a:chExt cx="0" cy="0"/>
+        </a:xfrm>
+      </p:grpSpPr>
+      <p:sp>
+        <p:nvSpPr>
+          <p:cNvPr id="2" name="Title 1">
+            <a:extLst>
+              <a:ext uri="{FF2B5EF4-FFF2-40B4-BE49-F238E27FC236}">
+                <a16:creationId xmlns:a16="http://schemas.microsoft.com/office/drawing/2014/main" id="{265514F5-130C-66EE-4AFD-AE80ACC33005}"/>
+              </a:ext>
+            </a:extLst>
+          </p:cNvPr>
+          <p:cNvSpPr>
+            <a:spLocks noGrp="1"/>
+          </p:cNvSpPr>
+          <p:nvPr>
+            <p:ph type="title"/>
+          </p:nvPr>
+        </p:nvSpPr>
+        <p:spPr>
+          <a:xfrm>
+            <a:off x="332873" y="244810"/>
+            <a:ext cx="10515600" cy="597401"/>
+          </a:xfrm>
+        </p:spPr>
+        <p:txBody>
+          <a:bodyPr>
+            <a:normAutofit/>
+          </a:bodyPr>
+          <a:lstStyle/>
+          <a:p>
+            <a:r>
+              <a:rPr lang="en-RU" sz="3200" dirty="0"/>
+              <a:t>Systems modelling approach </a:t>
+            </a:r>
+          </a:p>
+        </p:txBody>
+      </p:sp>
+      <p:sp>
+        <p:nvSpPr>
+          <p:cNvPr id="3" name="Content Placeholder 2">
+            <a:extLst>
+              <a:ext uri="{FF2B5EF4-FFF2-40B4-BE49-F238E27FC236}">
+                <a16:creationId xmlns:a16="http://schemas.microsoft.com/office/drawing/2014/main" id="{367D69DF-84F6-3658-7824-605E63852B23}"/>
+              </a:ext>
+            </a:extLst>
+          </p:cNvPr>
+          <p:cNvSpPr>
+            <a:spLocks noGrp="1"/>
+          </p:cNvSpPr>
+          <p:nvPr>
+            <p:ph idx="1"/>
+          </p:nvPr>
+        </p:nvSpPr>
+        <p:spPr>
+          <a:xfrm>
+            <a:off x="332873" y="952583"/>
+            <a:ext cx="11153273" cy="5436185"/>
+          </a:xfrm>
+        </p:spPr>
+        <p:txBody>
+          <a:bodyPr>
+            <a:noAutofit/>
+          </a:bodyPr>
+          <a:lstStyle/>
+          <a:p>
+            <a:pPr marL="0" indent="0">
+              <a:buNone/>
+            </a:pPr>
+            <a:r>
+              <a:rPr lang="en-RU" sz="1800" dirty="0"/>
+              <a:t>Steps emplyed:</a:t>
+            </a:r>
+          </a:p>
+          <a:p>
+            <a:pPr marL="0" indent="0">
+              <a:buNone/>
+            </a:pPr>
+            <a:endParaRPr lang="en-RU" sz="1800" dirty="0"/>
+          </a:p>
+          <a:p>
+            <a:pPr marL="342900" indent="-342900">
+              <a:buAutoNum type="arabicPeriod"/>
+            </a:pPr>
+            <a:r>
+              <a:rPr lang="en-RU" sz="1800" dirty="0">
+                <a:solidFill>
+                  <a:schemeClr val="bg2">
+                    <a:lumMod val="90000"/>
+                  </a:schemeClr>
+                </a:solidFill>
+              </a:rPr>
+              <a:t>Set all possible pairwise comparisons contrasts</a:t>
+            </a:r>
+          </a:p>
+          <a:p>
+            <a:pPr marL="342900" indent="-342900">
+              <a:buAutoNum type="arabicPeriod"/>
+            </a:pPr>
+            <a:r>
+              <a:rPr lang="en-RU" sz="1800" dirty="0">
+                <a:solidFill>
+                  <a:schemeClr val="bg2">
+                    <a:lumMod val="90000"/>
+                  </a:schemeClr>
+                </a:solidFill>
+              </a:rPr>
+              <a:t>Calculate differential expression for each comparison</a:t>
+            </a:r>
+          </a:p>
+          <a:p>
+            <a:pPr marL="342900" indent="-342900">
+              <a:buAutoNum type="arabicPeriod"/>
+            </a:pPr>
+            <a:r>
+              <a:rPr lang="en-GB" sz="1800" b="0" i="0" dirty="0">
+                <a:effectLst/>
+              </a:rPr>
+              <a:t>Run GSEA for each contrast across four pathway databases (Hallmark, KEGG, GO:BP, REACTOME)</a:t>
+            </a:r>
+          </a:p>
+          <a:p>
+            <a:pPr marL="342900" indent="-342900">
+              <a:buAutoNum type="arabicPeriod"/>
+            </a:pPr>
+            <a:r>
+              <a:rPr lang="en-GB" sz="1800" b="0" i="0" dirty="0">
+                <a:solidFill>
+                  <a:srgbClr val="CCCCCC"/>
+                </a:solidFill>
+                <a:effectLst/>
+              </a:rPr>
+              <a:t>Pool significant pathways across all comparisons</a:t>
+            </a:r>
+          </a:p>
+          <a:p>
+            <a:pPr marL="342900" indent="-342900">
+              <a:buAutoNum type="arabicPeriod"/>
+            </a:pPr>
+            <a:r>
+              <a:rPr lang="en-GB" sz="1800" b="0" i="0" dirty="0">
+                <a:solidFill>
+                  <a:srgbClr val="CCCCCC"/>
+                </a:solidFill>
+                <a:effectLst/>
+              </a:rPr>
+              <a:t>Generate pathway activity scores</a:t>
+            </a:r>
+          </a:p>
+          <a:p>
+            <a:pPr marL="342900" indent="-342900">
+              <a:buAutoNum type="arabicPeriod"/>
+            </a:pPr>
+            <a:r>
+              <a:rPr lang="en-GB" sz="1800" b="0" i="0" dirty="0">
+                <a:solidFill>
+                  <a:srgbClr val="CCCCCC"/>
+                </a:solidFill>
+                <a:effectLst/>
+              </a:rPr>
+              <a:t>Visualize results in ordered heatmaps showing pathway </a:t>
+            </a:r>
+            <a:r>
+              <a:rPr lang="en-GB" sz="1800" b="0" i="0" dirty="0" err="1">
+                <a:solidFill>
+                  <a:srgbClr val="CCCCCC"/>
+                </a:solidFill>
+                <a:effectLst/>
+              </a:rPr>
+              <a:t>behavior</a:t>
+            </a:r>
+            <a:r>
+              <a:rPr lang="en-GB" sz="1800" b="0" i="0" dirty="0">
+                <a:solidFill>
+                  <a:srgbClr val="CCCCCC"/>
+                </a:solidFill>
+                <a:effectLst/>
+              </a:rPr>
+              <a:t> across all conditions</a:t>
+            </a:r>
+            <a:endParaRPr lang="en-RU" sz="1800" dirty="0"/>
+          </a:p>
+          <a:p>
+            <a:pPr marL="0" indent="0">
+              <a:buNone/>
+            </a:pPr>
+            <a:endParaRPr lang="en-RU" sz="1800" dirty="0"/>
+          </a:p>
+          <a:p>
+            <a:pPr marL="0" indent="0">
+              <a:buNone/>
+            </a:pPr>
+            <a:endParaRPr lang="en-RU" sz="1800" dirty="0"/>
+          </a:p>
+        </p:txBody>
+      </p:sp>
+    </p:spTree>
+    <p:extLst>
+      <p:ext uri="{BB962C8B-B14F-4D97-AF65-F5344CB8AC3E}">
+        <p14:creationId xmlns:p14="http://schemas.microsoft.com/office/powerpoint/2010/main" val="1340226221"/>
       </p:ext>
     </p:extLst>
   </p:cSld>
